--- a/SATPräsiMitBezeichnerUndRefs.pptx
+++ b/SATPräsiMitBezeichnerUndRefs.pptx
@@ -32,21 +32,22 @@
     <p:sldId id="300" r:id="rId26"/>
     <p:sldId id="303" r:id="rId27"/>
     <p:sldId id="304" r:id="rId28"/>
-    <p:sldId id="306" r:id="rId29"/>
-    <p:sldId id="308" r:id="rId30"/>
-    <p:sldId id="307" r:id="rId31"/>
-    <p:sldId id="311" r:id="rId32"/>
-    <p:sldId id="310" r:id="rId33"/>
-    <p:sldId id="312" r:id="rId34"/>
-    <p:sldId id="314" r:id="rId35"/>
-    <p:sldId id="280" r:id="rId36"/>
-    <p:sldId id="281" r:id="rId37"/>
-    <p:sldId id="282" r:id="rId38"/>
-    <p:sldId id="283" r:id="rId39"/>
-    <p:sldId id="284" r:id="rId40"/>
-    <p:sldId id="285" r:id="rId41"/>
-    <p:sldId id="286" r:id="rId42"/>
-    <p:sldId id="266" r:id="rId43"/>
+    <p:sldId id="316" r:id="rId29"/>
+    <p:sldId id="306" r:id="rId30"/>
+    <p:sldId id="308" r:id="rId31"/>
+    <p:sldId id="307" r:id="rId32"/>
+    <p:sldId id="311" r:id="rId33"/>
+    <p:sldId id="310" r:id="rId34"/>
+    <p:sldId id="312" r:id="rId35"/>
+    <p:sldId id="314" r:id="rId36"/>
+    <p:sldId id="280" r:id="rId37"/>
+    <p:sldId id="281" r:id="rId38"/>
+    <p:sldId id="282" r:id="rId39"/>
+    <p:sldId id="283" r:id="rId40"/>
+    <p:sldId id="284" r:id="rId41"/>
+    <p:sldId id="285" r:id="rId42"/>
+    <p:sldId id="286" r:id="rId43"/>
+    <p:sldId id="266" r:id="rId44"/>
   </p:sldIdLst>
   <p:sldSz cx="12192000" cy="6858000"/>
   <p:notesSz cx="6858000" cy="9144000"/>
@@ -242,605 +243,6 @@
     </pc:docChg>
   </pc:docChgLst>
   <pc:docChgLst>
-    <pc:chgData name="IIO IOE" userId="7e3c65b5add44e69" providerId="Windows Live" clId="Web-{BFC8C8F6-4AED-4C3E-81DF-91353A88AEBF}"/>
-    <pc:docChg chg="addSld modSld">
-      <pc:chgData name="IIO IOE" userId="7e3c65b5add44e69" providerId="Windows Live" clId="Web-{BFC8C8F6-4AED-4C3E-81DF-91353A88AEBF}" dt="2019-01-10T09:30:58.507" v="224" actId="20577"/>
-      <pc:docMkLst>
-        <pc:docMk/>
-      </pc:docMkLst>
-      <pc:sldChg chg="modSp">
-        <pc:chgData name="IIO IOE" userId="7e3c65b5add44e69" providerId="Windows Live" clId="Web-{BFC8C8F6-4AED-4C3E-81DF-91353A88AEBF}" dt="2019-01-10T09:28:46.288" v="155" actId="20577"/>
-        <pc:sldMkLst>
-          <pc:docMk/>
-          <pc:sldMk cId="157624231" sldId="257"/>
-        </pc:sldMkLst>
-        <pc:spChg chg="mod">
-          <ac:chgData name="IIO IOE" userId="7e3c65b5add44e69" providerId="Windows Live" clId="Web-{BFC8C8F6-4AED-4C3E-81DF-91353A88AEBF}" dt="2019-01-10T09:28:46.288" v="155" actId="20577"/>
-          <ac:spMkLst>
-            <pc:docMk/>
-            <pc:sldMk cId="157624231" sldId="257"/>
-            <ac:spMk id="2" creationId="{00000000-0000-0000-0000-000000000000}"/>
-          </ac:spMkLst>
-        </pc:spChg>
-      </pc:sldChg>
-      <pc:sldChg chg="modSp">
-        <pc:chgData name="IIO IOE" userId="7e3c65b5add44e69" providerId="Windows Live" clId="Web-{BFC8C8F6-4AED-4C3E-81DF-91353A88AEBF}" dt="2019-01-10T09:13:02.126" v="6" actId="20577"/>
-        <pc:sldMkLst>
-          <pc:docMk/>
-          <pc:sldMk cId="1874122417" sldId="267"/>
-        </pc:sldMkLst>
-        <pc:spChg chg="mod">
-          <ac:chgData name="IIO IOE" userId="7e3c65b5add44e69" providerId="Windows Live" clId="Web-{BFC8C8F6-4AED-4C3E-81DF-91353A88AEBF}" dt="2019-01-10T09:13:02.126" v="6" actId="20577"/>
-          <ac:spMkLst>
-            <pc:docMk/>
-            <pc:sldMk cId="1874122417" sldId="267"/>
-            <ac:spMk id="2" creationId="{00000000-0000-0000-0000-000000000000}"/>
-          </ac:spMkLst>
-        </pc:spChg>
-      </pc:sldChg>
-      <pc:sldChg chg="modSp">
-        <pc:chgData name="IIO IOE" userId="7e3c65b5add44e69" providerId="Windows Live" clId="Web-{BFC8C8F6-4AED-4C3E-81DF-91353A88AEBF}" dt="2019-01-10T09:29:03.054" v="162" actId="20577"/>
-        <pc:sldMkLst>
-          <pc:docMk/>
-          <pc:sldMk cId="547705998" sldId="268"/>
-        </pc:sldMkLst>
-        <pc:spChg chg="mod">
-          <ac:chgData name="IIO IOE" userId="7e3c65b5add44e69" providerId="Windows Live" clId="Web-{BFC8C8F6-4AED-4C3E-81DF-91353A88AEBF}" dt="2019-01-10T09:29:03.054" v="162" actId="20577"/>
-          <ac:spMkLst>
-            <pc:docMk/>
-            <pc:sldMk cId="547705998" sldId="268"/>
-            <ac:spMk id="2" creationId="{00000000-0000-0000-0000-000000000000}"/>
-          </ac:spMkLst>
-        </pc:spChg>
-      </pc:sldChg>
-      <pc:sldChg chg="modSp">
-        <pc:chgData name="IIO IOE" userId="7e3c65b5add44e69" providerId="Windows Live" clId="Web-{BFC8C8F6-4AED-4C3E-81DF-91353A88AEBF}" dt="2019-01-10T09:28:48.663" v="157" actId="20577"/>
-        <pc:sldMkLst>
-          <pc:docMk/>
-          <pc:sldMk cId="1466460230" sldId="269"/>
-        </pc:sldMkLst>
-        <pc:spChg chg="mod">
-          <ac:chgData name="IIO IOE" userId="7e3c65b5add44e69" providerId="Windows Live" clId="Web-{BFC8C8F6-4AED-4C3E-81DF-91353A88AEBF}" dt="2019-01-10T09:28:48.663" v="157" actId="20577"/>
-          <ac:spMkLst>
-            <pc:docMk/>
-            <pc:sldMk cId="1466460230" sldId="269"/>
-            <ac:spMk id="2" creationId="{00000000-0000-0000-0000-000000000000}"/>
-          </ac:spMkLst>
-        </pc:spChg>
-      </pc:sldChg>
-      <pc:sldChg chg="modSp">
-        <pc:chgData name="IIO IOE" userId="7e3c65b5add44e69" providerId="Windows Live" clId="Web-{BFC8C8F6-4AED-4C3E-81DF-91353A88AEBF}" dt="2019-01-10T09:13:05.251" v="8" actId="20577"/>
-        <pc:sldMkLst>
-          <pc:docMk/>
-          <pc:sldMk cId="3451280422" sldId="270"/>
-        </pc:sldMkLst>
-        <pc:spChg chg="mod">
-          <ac:chgData name="IIO IOE" userId="7e3c65b5add44e69" providerId="Windows Live" clId="Web-{BFC8C8F6-4AED-4C3E-81DF-91353A88AEBF}" dt="2019-01-10T09:13:05.251" v="8" actId="20577"/>
-          <ac:spMkLst>
-            <pc:docMk/>
-            <pc:sldMk cId="3451280422" sldId="270"/>
-            <ac:spMk id="2" creationId="{00000000-0000-0000-0000-000000000000}"/>
-          </ac:spMkLst>
-        </pc:spChg>
-      </pc:sldChg>
-      <pc:sldChg chg="addSp">
-        <pc:chgData name="IIO IOE" userId="7e3c65b5add44e69" providerId="Windows Live" clId="Web-{BFC8C8F6-4AED-4C3E-81DF-91353A88AEBF}" dt="2019-01-10T09:30:23.882" v="214"/>
-        <pc:sldMkLst>
-          <pc:docMk/>
-          <pc:sldMk cId="1464437876" sldId="271"/>
-        </pc:sldMkLst>
-        <pc:spChg chg="add">
-          <ac:chgData name="IIO IOE" userId="7e3c65b5add44e69" providerId="Windows Live" clId="Web-{BFC8C8F6-4AED-4C3E-81DF-91353A88AEBF}" dt="2019-01-10T09:30:23.882" v="214"/>
-          <ac:spMkLst>
-            <pc:docMk/>
-            <pc:sldMk cId="1464437876" sldId="271"/>
-            <ac:spMk id="5" creationId="{3B7FCBAC-A9F3-41FC-8EC2-6BEBF8B88A5B}"/>
-          </ac:spMkLst>
-        </pc:spChg>
-      </pc:sldChg>
-      <pc:sldChg chg="addSp">
-        <pc:chgData name="IIO IOE" userId="7e3c65b5add44e69" providerId="Windows Live" clId="Web-{BFC8C8F6-4AED-4C3E-81DF-91353A88AEBF}" dt="2019-01-10T09:30:21.679" v="213"/>
-        <pc:sldMkLst>
-          <pc:docMk/>
-          <pc:sldMk cId="1664736673" sldId="272"/>
-        </pc:sldMkLst>
-        <pc:spChg chg="add">
-          <ac:chgData name="IIO IOE" userId="7e3c65b5add44e69" providerId="Windows Live" clId="Web-{BFC8C8F6-4AED-4C3E-81DF-91353A88AEBF}" dt="2019-01-10T09:30:21.679" v="213"/>
-          <ac:spMkLst>
-            <pc:docMk/>
-            <pc:sldMk cId="1664736673" sldId="272"/>
-            <ac:spMk id="2" creationId="{077E6CEA-5135-4EF7-A523-F70F971382EA}"/>
-          </ac:spMkLst>
-        </pc:spChg>
-      </pc:sldChg>
-      <pc:sldChg chg="addSp">
-        <pc:chgData name="IIO IOE" userId="7e3c65b5add44e69" providerId="Windows Live" clId="Web-{BFC8C8F6-4AED-4C3E-81DF-91353A88AEBF}" dt="2019-01-10T09:30:18.679" v="212"/>
-        <pc:sldMkLst>
-          <pc:docMk/>
-          <pc:sldMk cId="3526030257" sldId="273"/>
-        </pc:sldMkLst>
-        <pc:spChg chg="add">
-          <ac:chgData name="IIO IOE" userId="7e3c65b5add44e69" providerId="Windows Live" clId="Web-{BFC8C8F6-4AED-4C3E-81DF-91353A88AEBF}" dt="2019-01-10T09:30:18.679" v="212"/>
-          <ac:spMkLst>
-            <pc:docMk/>
-            <pc:sldMk cId="3526030257" sldId="273"/>
-            <ac:spMk id="2" creationId="{5D219016-11C3-40B4-B9D3-9260CA085CCB}"/>
-          </ac:spMkLst>
-        </pc:spChg>
-      </pc:sldChg>
-      <pc:sldChg chg="addSp">
-        <pc:chgData name="IIO IOE" userId="7e3c65b5add44e69" providerId="Windows Live" clId="Web-{BFC8C8F6-4AED-4C3E-81DF-91353A88AEBF}" dt="2019-01-10T09:30:16.273" v="211"/>
-        <pc:sldMkLst>
-          <pc:docMk/>
-          <pc:sldMk cId="1410131631" sldId="274"/>
-        </pc:sldMkLst>
-        <pc:spChg chg="add">
-          <ac:chgData name="IIO IOE" userId="7e3c65b5add44e69" providerId="Windows Live" clId="Web-{BFC8C8F6-4AED-4C3E-81DF-91353A88AEBF}" dt="2019-01-10T09:30:16.273" v="211"/>
-          <ac:spMkLst>
-            <pc:docMk/>
-            <pc:sldMk cId="1410131631" sldId="274"/>
-            <ac:spMk id="2" creationId="{1679891A-03B1-40DF-86D6-F3EF8011BC8C}"/>
-          </ac:spMkLst>
-        </pc:spChg>
-      </pc:sldChg>
-      <pc:sldChg chg="addSp">
-        <pc:chgData name="IIO IOE" userId="7e3c65b5add44e69" providerId="Windows Live" clId="Web-{BFC8C8F6-4AED-4C3E-81DF-91353A88AEBF}" dt="2019-01-10T09:30:13.960" v="210"/>
-        <pc:sldMkLst>
-          <pc:docMk/>
-          <pc:sldMk cId="294398495" sldId="275"/>
-        </pc:sldMkLst>
-        <pc:spChg chg="add">
-          <ac:chgData name="IIO IOE" userId="7e3c65b5add44e69" providerId="Windows Live" clId="Web-{BFC8C8F6-4AED-4C3E-81DF-91353A88AEBF}" dt="2019-01-10T09:30:13.960" v="210"/>
-          <ac:spMkLst>
-            <pc:docMk/>
-            <pc:sldMk cId="294398495" sldId="275"/>
-            <ac:spMk id="2" creationId="{2C0519B3-1E5F-431A-ABA5-56845C22E3F2}"/>
-          </ac:spMkLst>
-        </pc:spChg>
-      </pc:sldChg>
-      <pc:sldChg chg="addSp">
-        <pc:chgData name="IIO IOE" userId="7e3c65b5add44e69" providerId="Windows Live" clId="Web-{BFC8C8F6-4AED-4C3E-81DF-91353A88AEBF}" dt="2019-01-10T09:30:12.335" v="209"/>
-        <pc:sldMkLst>
-          <pc:docMk/>
-          <pc:sldMk cId="3727018100" sldId="276"/>
-        </pc:sldMkLst>
-        <pc:spChg chg="add">
-          <ac:chgData name="IIO IOE" userId="7e3c65b5add44e69" providerId="Windows Live" clId="Web-{BFC8C8F6-4AED-4C3E-81DF-91353A88AEBF}" dt="2019-01-10T09:30:12.335" v="209"/>
-          <ac:spMkLst>
-            <pc:docMk/>
-            <pc:sldMk cId="3727018100" sldId="276"/>
-            <ac:spMk id="2" creationId="{D03DC896-D11A-4375-AE76-FB4298669DC1}"/>
-          </ac:spMkLst>
-        </pc:spChg>
-      </pc:sldChg>
-      <pc:sldChg chg="addSp modSp">
-        <pc:chgData name="IIO IOE" userId="7e3c65b5add44e69" providerId="Windows Live" clId="Web-{BFC8C8F6-4AED-4C3E-81DF-91353A88AEBF}" dt="2019-01-10T09:30:03.632" v="208" actId="14100"/>
-        <pc:sldMkLst>
-          <pc:docMk/>
-          <pc:sldMk cId="619550607" sldId="277"/>
-        </pc:sldMkLst>
-        <pc:spChg chg="add mod">
-          <ac:chgData name="IIO IOE" userId="7e3c65b5add44e69" providerId="Windows Live" clId="Web-{BFC8C8F6-4AED-4C3E-81DF-91353A88AEBF}" dt="2019-01-10T09:30:03.632" v="208" actId="14100"/>
-          <ac:spMkLst>
-            <pc:docMk/>
-            <pc:sldMk cId="619550607" sldId="277"/>
-            <ac:spMk id="2" creationId="{995E7F5F-D9DB-489C-B8E5-CAC9C0E08A62}"/>
-          </ac:spMkLst>
-        </pc:spChg>
-      </pc:sldChg>
-      <pc:sldChg chg="modSp">
-        <pc:chgData name="IIO IOE" userId="7e3c65b5add44e69" providerId="Windows Live" clId="Web-{BFC8C8F6-4AED-4C3E-81DF-91353A88AEBF}" dt="2019-01-10T09:13:08.751" v="11" actId="20577"/>
-        <pc:sldMkLst>
-          <pc:docMk/>
-          <pc:sldMk cId="2397514073" sldId="279"/>
-        </pc:sldMkLst>
-        <pc:spChg chg="mod">
-          <ac:chgData name="IIO IOE" userId="7e3c65b5add44e69" providerId="Windows Live" clId="Web-{BFC8C8F6-4AED-4C3E-81DF-91353A88AEBF}" dt="2019-01-10T09:13:08.751" v="11" actId="20577"/>
-          <ac:spMkLst>
-            <pc:docMk/>
-            <pc:sldMk cId="2397514073" sldId="279"/>
-            <ac:spMk id="2" creationId="{00000000-0000-0000-0000-000000000000}"/>
-          </ac:spMkLst>
-        </pc:spChg>
-      </pc:sldChg>
-      <pc:sldChg chg="addSp delSp modSp">
-        <pc:chgData name="IIO IOE" userId="7e3c65b5add44e69" providerId="Windows Live" clId="Web-{BFC8C8F6-4AED-4C3E-81DF-91353A88AEBF}" dt="2019-01-10T09:30:57.148" v="222" actId="20577"/>
-        <pc:sldMkLst>
-          <pc:docMk/>
-          <pc:sldMk cId="857233425" sldId="280"/>
-        </pc:sldMkLst>
-        <pc:spChg chg="mod">
-          <ac:chgData name="IIO IOE" userId="7e3c65b5add44e69" providerId="Windows Live" clId="Web-{BFC8C8F6-4AED-4C3E-81DF-91353A88AEBF}" dt="2019-01-10T09:30:57.148" v="222" actId="20577"/>
-          <ac:spMkLst>
-            <pc:docMk/>
-            <pc:sldMk cId="857233425" sldId="280"/>
-            <ac:spMk id="2" creationId="{00000000-0000-0000-0000-000000000000}"/>
-          </ac:spMkLst>
-        </pc:spChg>
-        <pc:spChg chg="add del">
-          <ac:chgData name="IIO IOE" userId="7e3c65b5add44e69" providerId="Windows Live" clId="Web-{BFC8C8F6-4AED-4C3E-81DF-91353A88AEBF}" dt="2019-01-10T09:30:53.398" v="219"/>
-          <ac:spMkLst>
-            <pc:docMk/>
-            <pc:sldMk cId="857233425" sldId="280"/>
-            <ac:spMk id="5" creationId="{88EF0BD1-A6D2-4E7D-8982-57389F9BF8E2}"/>
-          </ac:spMkLst>
-        </pc:spChg>
-      </pc:sldChg>
-      <pc:sldChg chg="addSp modSp">
-        <pc:chgData name="IIO IOE" userId="7e3c65b5add44e69" providerId="Windows Live" clId="Web-{BFC8C8F6-4AED-4C3E-81DF-91353A88AEBF}" dt="2019-01-10T09:17:09.221" v="67" actId="1076"/>
-        <pc:sldMkLst>
-          <pc:docMk/>
-          <pc:sldMk cId="2072023101" sldId="287"/>
-        </pc:sldMkLst>
-        <pc:spChg chg="mod">
-          <ac:chgData name="IIO IOE" userId="7e3c65b5add44e69" providerId="Windows Live" clId="Web-{BFC8C8F6-4AED-4C3E-81DF-91353A88AEBF}" dt="2019-01-10T09:13:11.907" v="14" actId="20577"/>
-          <ac:spMkLst>
-            <pc:docMk/>
-            <pc:sldMk cId="2072023101" sldId="287"/>
-            <ac:spMk id="2" creationId="{00000000-0000-0000-0000-000000000000}"/>
-          </ac:spMkLst>
-        </pc:spChg>
-        <pc:spChg chg="add mod">
-          <ac:chgData name="IIO IOE" userId="7e3c65b5add44e69" providerId="Windows Live" clId="Web-{BFC8C8F6-4AED-4C3E-81DF-91353A88AEBF}" dt="2019-01-10T09:17:09.221" v="67" actId="1076"/>
-          <ac:spMkLst>
-            <pc:docMk/>
-            <pc:sldMk cId="2072023101" sldId="287"/>
-            <ac:spMk id="3" creationId="{CE6D44A6-CCDA-4213-B876-6112A2D72C4E}"/>
-          </ac:spMkLst>
-        </pc:spChg>
-      </pc:sldChg>
-      <pc:sldChg chg="modSp">
-        <pc:chgData name="IIO IOE" userId="7e3c65b5add44e69" providerId="Windows Live" clId="Web-{BFC8C8F6-4AED-4C3E-81DF-91353A88AEBF}" dt="2019-01-10T09:13:16.095" v="17" actId="20577"/>
-        <pc:sldMkLst>
-          <pc:docMk/>
-          <pc:sldMk cId="1439380676" sldId="288"/>
-        </pc:sldMkLst>
-        <pc:spChg chg="mod">
-          <ac:chgData name="IIO IOE" userId="7e3c65b5add44e69" providerId="Windows Live" clId="Web-{BFC8C8F6-4AED-4C3E-81DF-91353A88AEBF}" dt="2019-01-10T09:13:16.095" v="17" actId="20577"/>
-          <ac:spMkLst>
-            <pc:docMk/>
-            <pc:sldMk cId="1439380676" sldId="288"/>
-            <ac:spMk id="2" creationId="{00000000-0000-0000-0000-000000000000}"/>
-          </ac:spMkLst>
-        </pc:spChg>
-      </pc:sldChg>
-      <pc:sldChg chg="addSp modSp">
-        <pc:chgData name="IIO IOE" userId="7e3c65b5add44e69" providerId="Windows Live" clId="Web-{BFC8C8F6-4AED-4C3E-81DF-91353A88AEBF}" dt="2019-01-10T09:24:48.365" v="95" actId="1076"/>
-        <pc:sldMkLst>
-          <pc:docMk/>
-          <pc:sldMk cId="73973883" sldId="289"/>
-        </pc:sldMkLst>
-        <pc:spChg chg="mod">
-          <ac:chgData name="IIO IOE" userId="7e3c65b5add44e69" providerId="Windows Live" clId="Web-{BFC8C8F6-4AED-4C3E-81DF-91353A88AEBF}" dt="2019-01-10T09:13:19.079" v="20" actId="20577"/>
-          <ac:spMkLst>
-            <pc:docMk/>
-            <pc:sldMk cId="73973883" sldId="289"/>
-            <ac:spMk id="2" creationId="{00000000-0000-0000-0000-000000000000}"/>
-          </ac:spMkLst>
-        </pc:spChg>
-        <pc:spChg chg="add mod">
-          <ac:chgData name="IIO IOE" userId="7e3c65b5add44e69" providerId="Windows Live" clId="Web-{BFC8C8F6-4AED-4C3E-81DF-91353A88AEBF}" dt="2019-01-10T09:24:48.365" v="95" actId="1076"/>
-          <ac:spMkLst>
-            <pc:docMk/>
-            <pc:sldMk cId="73973883" sldId="289"/>
-            <ac:spMk id="3" creationId="{DCE0F1A7-5573-469B-90D5-5C09BD5CD26B}"/>
-          </ac:spMkLst>
-        </pc:spChg>
-      </pc:sldChg>
-      <pc:sldChg chg="addSp modSp">
-        <pc:chgData name="IIO IOE" userId="7e3c65b5add44e69" providerId="Windows Live" clId="Web-{BFC8C8F6-4AED-4C3E-81DF-91353A88AEBF}" dt="2019-01-10T09:24:35.318" v="94" actId="1076"/>
-        <pc:sldMkLst>
-          <pc:docMk/>
-          <pc:sldMk cId="3834179574" sldId="290"/>
-        </pc:sldMkLst>
-        <pc:spChg chg="mod">
-          <ac:chgData name="IIO IOE" userId="7e3c65b5add44e69" providerId="Windows Live" clId="Web-{BFC8C8F6-4AED-4C3E-81DF-91353A88AEBF}" dt="2019-01-10T09:13:21.814" v="23" actId="20577"/>
-          <ac:spMkLst>
-            <pc:docMk/>
-            <pc:sldMk cId="3834179574" sldId="290"/>
-            <ac:spMk id="2" creationId="{00000000-0000-0000-0000-000000000000}"/>
-          </ac:spMkLst>
-        </pc:spChg>
-        <pc:spChg chg="add mod">
-          <ac:chgData name="IIO IOE" userId="7e3c65b5add44e69" providerId="Windows Live" clId="Web-{BFC8C8F6-4AED-4C3E-81DF-91353A88AEBF}" dt="2019-01-10T09:24:35.318" v="94" actId="1076"/>
-          <ac:spMkLst>
-            <pc:docMk/>
-            <pc:sldMk cId="3834179574" sldId="290"/>
-            <ac:spMk id="3" creationId="{988FB1CA-530F-4B92-BEC3-0C5E91BBEDAB}"/>
-          </ac:spMkLst>
-        </pc:spChg>
-      </pc:sldChg>
-      <pc:sldChg chg="addSp modSp">
-        <pc:chgData name="IIO IOE" userId="7e3c65b5add44e69" providerId="Windows Live" clId="Web-{BFC8C8F6-4AED-4C3E-81DF-91353A88AEBF}" dt="2019-01-10T09:26:21.646" v="107" actId="20577"/>
-        <pc:sldMkLst>
-          <pc:docMk/>
-          <pc:sldMk cId="727010840" sldId="291"/>
-        </pc:sldMkLst>
-        <pc:spChg chg="mod">
-          <ac:chgData name="IIO IOE" userId="7e3c65b5add44e69" providerId="Windows Live" clId="Web-{BFC8C8F6-4AED-4C3E-81DF-91353A88AEBF}" dt="2019-01-10T09:13:25.861" v="26" actId="20577"/>
-          <ac:spMkLst>
-            <pc:docMk/>
-            <pc:sldMk cId="727010840" sldId="291"/>
-            <ac:spMk id="2" creationId="{00000000-0000-0000-0000-000000000000}"/>
-          </ac:spMkLst>
-        </pc:spChg>
-        <pc:spChg chg="add mod">
-          <ac:chgData name="IIO IOE" userId="7e3c65b5add44e69" providerId="Windows Live" clId="Web-{BFC8C8F6-4AED-4C3E-81DF-91353A88AEBF}" dt="2019-01-10T09:26:21.646" v="107" actId="20577"/>
-          <ac:spMkLst>
-            <pc:docMk/>
-            <pc:sldMk cId="727010840" sldId="291"/>
-            <ac:spMk id="3" creationId="{98984690-B78E-46DB-8015-A20563028D54}"/>
-          </ac:spMkLst>
-        </pc:spChg>
-      </pc:sldChg>
-      <pc:sldChg chg="addSp modSp">
-        <pc:chgData name="IIO IOE" userId="7e3c65b5add44e69" providerId="Windows Live" clId="Web-{BFC8C8F6-4AED-4C3E-81DF-91353A88AEBF}" dt="2019-01-10T09:26:43.365" v="115" actId="1076"/>
-        <pc:sldMkLst>
-          <pc:docMk/>
-          <pc:sldMk cId="4186990509" sldId="293"/>
-        </pc:sldMkLst>
-        <pc:spChg chg="mod">
-          <ac:chgData name="IIO IOE" userId="7e3c65b5add44e69" providerId="Windows Live" clId="Web-{BFC8C8F6-4AED-4C3E-81DF-91353A88AEBF}" dt="2019-01-10T09:13:28.595" v="31" actId="20577"/>
-          <ac:spMkLst>
-            <pc:docMk/>
-            <pc:sldMk cId="4186990509" sldId="293"/>
-            <ac:spMk id="2" creationId="{00000000-0000-0000-0000-000000000000}"/>
-          </ac:spMkLst>
-        </pc:spChg>
-        <pc:spChg chg="add mod">
-          <ac:chgData name="IIO IOE" userId="7e3c65b5add44e69" providerId="Windows Live" clId="Web-{BFC8C8F6-4AED-4C3E-81DF-91353A88AEBF}" dt="2019-01-10T09:26:43.365" v="115" actId="1076"/>
-          <ac:spMkLst>
-            <pc:docMk/>
-            <pc:sldMk cId="4186990509" sldId="293"/>
-            <ac:spMk id="3" creationId="{CA35D0E0-8563-4E5C-89E6-ED263A69A376}"/>
-          </ac:spMkLst>
-        </pc:spChg>
-      </pc:sldChg>
-      <pc:sldChg chg="addSp modSp">
-        <pc:chgData name="IIO IOE" userId="7e3c65b5add44e69" providerId="Windows Live" clId="Web-{BFC8C8F6-4AED-4C3E-81DF-91353A88AEBF}" dt="2019-01-10T09:27:29.506" v="139" actId="1076"/>
-        <pc:sldMkLst>
-          <pc:docMk/>
-          <pc:sldMk cId="3701886587" sldId="294"/>
-        </pc:sldMkLst>
-        <pc:spChg chg="mod">
-          <ac:chgData name="IIO IOE" userId="7e3c65b5add44e69" providerId="Windows Live" clId="Web-{BFC8C8F6-4AED-4C3E-81DF-91353A88AEBF}" dt="2019-01-10T09:13:30.892" v="33" actId="20577"/>
-          <ac:spMkLst>
-            <pc:docMk/>
-            <pc:sldMk cId="3701886587" sldId="294"/>
-            <ac:spMk id="2" creationId="{00000000-0000-0000-0000-000000000000}"/>
-          </ac:spMkLst>
-        </pc:spChg>
-        <pc:spChg chg="add mod">
-          <ac:chgData name="IIO IOE" userId="7e3c65b5add44e69" providerId="Windows Live" clId="Web-{BFC8C8F6-4AED-4C3E-81DF-91353A88AEBF}" dt="2019-01-10T09:27:29.506" v="139" actId="1076"/>
-          <ac:spMkLst>
-            <pc:docMk/>
-            <pc:sldMk cId="3701886587" sldId="294"/>
-            <ac:spMk id="3" creationId="{4C4A186D-F22D-4D2D-A1FA-141EC46F55FC}"/>
-          </ac:spMkLst>
-        </pc:spChg>
-      </pc:sldChg>
-      <pc:sldChg chg="modSp">
-        <pc:chgData name="IIO IOE" userId="7e3c65b5add44e69" providerId="Windows Live" clId="Web-{BFC8C8F6-4AED-4C3E-81DF-91353A88AEBF}" dt="2019-01-10T09:13:35.190" v="36" actId="20577"/>
-        <pc:sldMkLst>
-          <pc:docMk/>
-          <pc:sldMk cId="1019390063" sldId="295"/>
-        </pc:sldMkLst>
-        <pc:spChg chg="mod">
-          <ac:chgData name="IIO IOE" userId="7e3c65b5add44e69" providerId="Windows Live" clId="Web-{BFC8C8F6-4AED-4C3E-81DF-91353A88AEBF}" dt="2019-01-10T09:13:35.190" v="36" actId="20577"/>
-          <ac:spMkLst>
-            <pc:docMk/>
-            <pc:sldMk cId="1019390063" sldId="295"/>
-            <ac:spMk id="2" creationId="{00000000-0000-0000-0000-000000000000}"/>
-          </ac:spMkLst>
-        </pc:spChg>
-      </pc:sldChg>
-      <pc:sldChg chg="addSp modSp">
-        <pc:chgData name="IIO IOE" userId="7e3c65b5add44e69" providerId="Windows Live" clId="Web-{BFC8C8F6-4AED-4C3E-81DF-91353A88AEBF}" dt="2019-01-10T09:28:18.741" v="148" actId="1076"/>
-        <pc:sldMkLst>
-          <pc:docMk/>
-          <pc:sldMk cId="265556965" sldId="296"/>
-        </pc:sldMkLst>
-        <pc:spChg chg="mod">
-          <ac:chgData name="IIO IOE" userId="7e3c65b5add44e69" providerId="Windows Live" clId="Web-{BFC8C8F6-4AED-4C3E-81DF-91353A88AEBF}" dt="2019-01-10T09:13:55.736" v="41" actId="20577"/>
-          <ac:spMkLst>
-            <pc:docMk/>
-            <pc:sldMk cId="265556965" sldId="296"/>
-            <ac:spMk id="2" creationId="{00000000-0000-0000-0000-000000000000}"/>
-          </ac:spMkLst>
-        </pc:spChg>
-        <pc:spChg chg="add mod">
-          <ac:chgData name="IIO IOE" userId="7e3c65b5add44e69" providerId="Windows Live" clId="Web-{BFC8C8F6-4AED-4C3E-81DF-91353A88AEBF}" dt="2019-01-10T09:28:18.741" v="148" actId="1076"/>
-          <ac:spMkLst>
-            <pc:docMk/>
-            <pc:sldMk cId="265556965" sldId="296"/>
-            <ac:spMk id="3" creationId="{A17FA042-42EF-481D-ABF4-DF586E1EC367}"/>
-          </ac:spMkLst>
-        </pc:spChg>
-      </pc:sldChg>
-      <pc:sldChg chg="modSp">
-        <pc:chgData name="IIO IOE" userId="7e3c65b5add44e69" providerId="Windows Live" clId="Web-{BFC8C8F6-4AED-4C3E-81DF-91353A88AEBF}" dt="2019-01-10T09:29:05.382" v="164" actId="20577"/>
-        <pc:sldMkLst>
-          <pc:docMk/>
-          <pc:sldMk cId="4191745886" sldId="300"/>
-        </pc:sldMkLst>
-        <pc:spChg chg="mod">
-          <ac:chgData name="IIO IOE" userId="7e3c65b5add44e69" providerId="Windows Live" clId="Web-{BFC8C8F6-4AED-4C3E-81DF-91353A88AEBF}" dt="2019-01-10T09:29:05.382" v="164" actId="20577"/>
-          <ac:spMkLst>
-            <pc:docMk/>
-            <pc:sldMk cId="4191745886" sldId="300"/>
-            <ac:spMk id="2" creationId="{00000000-0000-0000-0000-000000000000}"/>
-          </ac:spMkLst>
-        </pc:spChg>
-      </pc:sldChg>
-      <pc:sldChg chg="modSp">
-        <pc:chgData name="IIO IOE" userId="7e3c65b5add44e69" providerId="Windows Live" clId="Web-{BFC8C8F6-4AED-4C3E-81DF-91353A88AEBF}" dt="2019-01-10T09:29:09.101" v="169" actId="20577"/>
-        <pc:sldMkLst>
-          <pc:docMk/>
-          <pc:sldMk cId="655012409" sldId="303"/>
-        </pc:sldMkLst>
-        <pc:spChg chg="mod">
-          <ac:chgData name="IIO IOE" userId="7e3c65b5add44e69" providerId="Windows Live" clId="Web-{BFC8C8F6-4AED-4C3E-81DF-91353A88AEBF}" dt="2019-01-10T09:29:09.101" v="169" actId="20577"/>
-          <ac:spMkLst>
-            <pc:docMk/>
-            <pc:sldMk cId="655012409" sldId="303"/>
-            <ac:spMk id="2" creationId="{00000000-0000-0000-0000-000000000000}"/>
-          </ac:spMkLst>
-        </pc:spChg>
-      </pc:sldChg>
-      <pc:sldChg chg="modSp">
-        <pc:chgData name="IIO IOE" userId="7e3c65b5add44e69" providerId="Windows Live" clId="Web-{BFC8C8F6-4AED-4C3E-81DF-91353A88AEBF}" dt="2019-01-10T09:29:11.366" v="171" actId="20577"/>
-        <pc:sldMkLst>
-          <pc:docMk/>
-          <pc:sldMk cId="190048327" sldId="304"/>
-        </pc:sldMkLst>
-        <pc:spChg chg="mod">
-          <ac:chgData name="IIO IOE" userId="7e3c65b5add44e69" providerId="Windows Live" clId="Web-{BFC8C8F6-4AED-4C3E-81DF-91353A88AEBF}" dt="2019-01-10T09:29:11.366" v="171" actId="20577"/>
-          <ac:spMkLst>
-            <pc:docMk/>
-            <pc:sldMk cId="190048327" sldId="304"/>
-            <ac:spMk id="2" creationId="{00000000-0000-0000-0000-000000000000}"/>
-          </ac:spMkLst>
-        </pc:spChg>
-      </pc:sldChg>
-      <pc:sldChg chg="modSp">
-        <pc:chgData name="IIO IOE" userId="7e3c65b5add44e69" providerId="Windows Live" clId="Web-{BFC8C8F6-4AED-4C3E-81DF-91353A88AEBF}" dt="2019-01-10T09:29:15.038" v="174" actId="20577"/>
-        <pc:sldMkLst>
-          <pc:docMk/>
-          <pc:sldMk cId="2010311466" sldId="306"/>
-        </pc:sldMkLst>
-        <pc:spChg chg="mod">
-          <ac:chgData name="IIO IOE" userId="7e3c65b5add44e69" providerId="Windows Live" clId="Web-{BFC8C8F6-4AED-4C3E-81DF-91353A88AEBF}" dt="2019-01-10T09:29:15.038" v="174" actId="20577"/>
-          <ac:spMkLst>
-            <pc:docMk/>
-            <pc:sldMk cId="2010311466" sldId="306"/>
-            <ac:spMk id="2" creationId="{00000000-0000-0000-0000-000000000000}"/>
-          </ac:spMkLst>
-        </pc:spChg>
-      </pc:sldChg>
-      <pc:sldChg chg="modSp">
-        <pc:chgData name="IIO IOE" userId="7e3c65b5add44e69" providerId="Windows Live" clId="Web-{BFC8C8F6-4AED-4C3E-81DF-91353A88AEBF}" dt="2019-01-10T09:29:22.319" v="181" actId="20577"/>
-        <pc:sldMkLst>
-          <pc:docMk/>
-          <pc:sldMk cId="2776847617" sldId="307"/>
-        </pc:sldMkLst>
-        <pc:spChg chg="mod">
-          <ac:chgData name="IIO IOE" userId="7e3c65b5add44e69" providerId="Windows Live" clId="Web-{BFC8C8F6-4AED-4C3E-81DF-91353A88AEBF}" dt="2019-01-10T09:29:22.319" v="181" actId="20577"/>
-          <ac:spMkLst>
-            <pc:docMk/>
-            <pc:sldMk cId="2776847617" sldId="307"/>
-            <ac:spMk id="2" creationId="{00000000-0000-0000-0000-000000000000}"/>
-          </ac:spMkLst>
-        </pc:spChg>
-      </pc:sldChg>
-      <pc:sldChg chg="modSp">
-        <pc:chgData name="IIO IOE" userId="7e3c65b5add44e69" providerId="Windows Live" clId="Web-{BFC8C8F6-4AED-4C3E-81DF-91353A88AEBF}" dt="2019-01-10T09:29:17.882" v="179" actId="20577"/>
-        <pc:sldMkLst>
-          <pc:docMk/>
-          <pc:sldMk cId="200132196" sldId="308"/>
-        </pc:sldMkLst>
-        <pc:spChg chg="mod">
-          <ac:chgData name="IIO IOE" userId="7e3c65b5add44e69" providerId="Windows Live" clId="Web-{BFC8C8F6-4AED-4C3E-81DF-91353A88AEBF}" dt="2019-01-10T09:29:17.882" v="179" actId="20577"/>
-          <ac:spMkLst>
-            <pc:docMk/>
-            <pc:sldMk cId="200132196" sldId="308"/>
-            <ac:spMk id="2" creationId="{00000000-0000-0000-0000-000000000000}"/>
-          </ac:spMkLst>
-        </pc:spChg>
-      </pc:sldChg>
-      <pc:sldChg chg="modSp">
-        <pc:chgData name="IIO IOE" userId="7e3c65b5add44e69" providerId="Windows Live" clId="Web-{BFC8C8F6-4AED-4C3E-81DF-91353A88AEBF}" dt="2019-01-10T09:29:27.491" v="188" actId="20577"/>
-        <pc:sldMkLst>
-          <pc:docMk/>
-          <pc:sldMk cId="2185772547" sldId="310"/>
-        </pc:sldMkLst>
-        <pc:spChg chg="mod">
-          <ac:chgData name="IIO IOE" userId="7e3c65b5add44e69" providerId="Windows Live" clId="Web-{BFC8C8F6-4AED-4C3E-81DF-91353A88AEBF}" dt="2019-01-10T09:29:27.491" v="188" actId="20577"/>
-          <ac:spMkLst>
-            <pc:docMk/>
-            <pc:sldMk cId="2185772547" sldId="310"/>
-            <ac:spMk id="2" creationId="{00000000-0000-0000-0000-000000000000}"/>
-          </ac:spMkLst>
-        </pc:spChg>
-      </pc:sldChg>
-      <pc:sldChg chg="modSp">
-        <pc:chgData name="IIO IOE" userId="7e3c65b5add44e69" providerId="Windows Live" clId="Web-{BFC8C8F6-4AED-4C3E-81DF-91353A88AEBF}" dt="2019-01-10T09:29:24.960" v="186" actId="20577"/>
-        <pc:sldMkLst>
-          <pc:docMk/>
-          <pc:sldMk cId="431931532" sldId="311"/>
-        </pc:sldMkLst>
-        <pc:spChg chg="mod">
-          <ac:chgData name="IIO IOE" userId="7e3c65b5add44e69" providerId="Windows Live" clId="Web-{BFC8C8F6-4AED-4C3E-81DF-91353A88AEBF}" dt="2019-01-10T09:29:24.960" v="186" actId="20577"/>
-          <ac:spMkLst>
-            <pc:docMk/>
-            <pc:sldMk cId="431931532" sldId="311"/>
-            <ac:spMk id="2" creationId="{00000000-0000-0000-0000-000000000000}"/>
-          </ac:spMkLst>
-        </pc:spChg>
-      </pc:sldChg>
-      <pc:sldChg chg="modSp">
-        <pc:chgData name="IIO IOE" userId="7e3c65b5add44e69" providerId="Windows Live" clId="Web-{BFC8C8F6-4AED-4C3E-81DF-91353A88AEBF}" dt="2019-01-10T09:29:30.960" v="193" actId="20577"/>
-        <pc:sldMkLst>
-          <pc:docMk/>
-          <pc:sldMk cId="3693499296" sldId="312"/>
-        </pc:sldMkLst>
-        <pc:spChg chg="mod">
-          <ac:chgData name="IIO IOE" userId="7e3c65b5add44e69" providerId="Windows Live" clId="Web-{BFC8C8F6-4AED-4C3E-81DF-91353A88AEBF}" dt="2019-01-10T09:29:30.960" v="193" actId="20577"/>
-          <ac:spMkLst>
-            <pc:docMk/>
-            <pc:sldMk cId="3693499296" sldId="312"/>
-            <ac:spMk id="2" creationId="{00000000-0000-0000-0000-000000000000}"/>
-          </ac:spMkLst>
-        </pc:spChg>
-      </pc:sldChg>
-      <pc:sldChg chg="modSp">
-        <pc:chgData name="IIO IOE" userId="7e3c65b5add44e69" providerId="Windows Live" clId="Web-{BFC8C8F6-4AED-4C3E-81DF-91353A88AEBF}" dt="2019-01-10T09:29:43.632" v="199" actId="20577"/>
-        <pc:sldMkLst>
-          <pc:docMk/>
-          <pc:sldMk cId="1107611354" sldId="314"/>
-        </pc:sldMkLst>
-        <pc:spChg chg="mod">
-          <ac:chgData name="IIO IOE" userId="7e3c65b5add44e69" providerId="Windows Live" clId="Web-{BFC8C8F6-4AED-4C3E-81DF-91353A88AEBF}" dt="2019-01-10T09:29:43.632" v="199" actId="20577"/>
-          <ac:spMkLst>
-            <pc:docMk/>
-            <pc:sldMk cId="1107611354" sldId="314"/>
-            <ac:spMk id="2" creationId="{00000000-0000-0000-0000-000000000000}"/>
-          </ac:spMkLst>
-        </pc:spChg>
-      </pc:sldChg>
-      <pc:sldChg chg="delSp modSp add replId">
-        <pc:chgData name="IIO IOE" userId="7e3c65b5add44e69" providerId="Windows Live" clId="Web-{BFC8C8F6-4AED-4C3E-81DF-91353A88AEBF}" dt="2019-01-10T09:16:12.987" v="53" actId="1076"/>
-        <pc:sldMkLst>
-          <pc:docMk/>
-          <pc:sldMk cId="170118493" sldId="315"/>
-        </pc:sldMkLst>
-        <pc:spChg chg="mod">
-          <ac:chgData name="IIO IOE" userId="7e3c65b5add44e69" providerId="Windows Live" clId="Web-{BFC8C8F6-4AED-4C3E-81DF-91353A88AEBF}" dt="2019-01-10T09:16:12.987" v="53" actId="1076"/>
-          <ac:spMkLst>
-            <pc:docMk/>
-            <pc:sldMk cId="170118493" sldId="315"/>
-            <ac:spMk id="2" creationId="{00000000-0000-0000-0000-000000000000}"/>
-          </ac:spMkLst>
-        </pc:spChg>
-        <pc:spChg chg="del">
-          <ac:chgData name="IIO IOE" userId="7e3c65b5add44e69" providerId="Windows Live" clId="Web-{BFC8C8F6-4AED-4C3E-81DF-91353A88AEBF}" dt="2019-01-10T09:16:04.002" v="52"/>
-          <ac:spMkLst>
-            <pc:docMk/>
-            <pc:sldMk cId="170118493" sldId="315"/>
-            <ac:spMk id="9" creationId="{8A025265-0300-4EC8-A3E2-16624AC97A50}"/>
-          </ac:spMkLst>
-        </pc:spChg>
-        <pc:picChg chg="del">
-          <ac:chgData name="IIO IOE" userId="7e3c65b5add44e69" providerId="Windows Live" clId="Web-{BFC8C8F6-4AED-4C3E-81DF-91353A88AEBF}" dt="2019-01-10T09:16:02.877" v="51"/>
-          <ac:picMkLst>
-            <pc:docMk/>
-            <pc:sldMk cId="170118493" sldId="315"/>
-            <ac:picMk id="7" creationId="{B163D7DA-0818-40D0-AD99-814339B7B146}"/>
-          </ac:picMkLst>
-        </pc:picChg>
-      </pc:sldChg>
-    </pc:docChg>
-  </pc:docChgLst>
-  <pc:docChgLst>
     <pc:chgData name="IIO IOE" userId="7e3c65b5add44e69" providerId="Windows Live" clId="Web-{513E4840-4399-4FD2-94F2-66B6DEE6DBA0}"/>
     <pc:docChg chg="addSld delSld modSld sldOrd">
       <pc:chgData name="IIO IOE" userId="7e3c65b5add44e69" providerId="Windows Live" clId="Web-{513E4840-4399-4FD2-94F2-66B6DEE6DBA0}" dt="2019-01-08T10:28:25.448" v="666" actId="20577"/>
@@ -1997,6 +1399,605 @@
             <ac:spMk id="9" creationId="{91CEA67C-7DBB-4DB4-BCA7-2B67D94FDD59}"/>
           </ac:spMkLst>
         </pc:spChg>
+      </pc:sldChg>
+    </pc:docChg>
+  </pc:docChgLst>
+  <pc:docChgLst>
+    <pc:chgData name="IIO IOE" userId="7e3c65b5add44e69" providerId="Windows Live" clId="Web-{BFC8C8F6-4AED-4C3E-81DF-91353A88AEBF}"/>
+    <pc:docChg chg="addSld modSld">
+      <pc:chgData name="IIO IOE" userId="7e3c65b5add44e69" providerId="Windows Live" clId="Web-{BFC8C8F6-4AED-4C3E-81DF-91353A88AEBF}" dt="2019-01-10T09:30:58.507" v="224" actId="20577"/>
+      <pc:docMkLst>
+        <pc:docMk/>
+      </pc:docMkLst>
+      <pc:sldChg chg="modSp">
+        <pc:chgData name="IIO IOE" userId="7e3c65b5add44e69" providerId="Windows Live" clId="Web-{BFC8C8F6-4AED-4C3E-81DF-91353A88AEBF}" dt="2019-01-10T09:28:46.288" v="155" actId="20577"/>
+        <pc:sldMkLst>
+          <pc:docMk/>
+          <pc:sldMk cId="157624231" sldId="257"/>
+        </pc:sldMkLst>
+        <pc:spChg chg="mod">
+          <ac:chgData name="IIO IOE" userId="7e3c65b5add44e69" providerId="Windows Live" clId="Web-{BFC8C8F6-4AED-4C3E-81DF-91353A88AEBF}" dt="2019-01-10T09:28:46.288" v="155" actId="20577"/>
+          <ac:spMkLst>
+            <pc:docMk/>
+            <pc:sldMk cId="157624231" sldId="257"/>
+            <ac:spMk id="2" creationId="{00000000-0000-0000-0000-000000000000}"/>
+          </ac:spMkLst>
+        </pc:spChg>
+      </pc:sldChg>
+      <pc:sldChg chg="modSp">
+        <pc:chgData name="IIO IOE" userId="7e3c65b5add44e69" providerId="Windows Live" clId="Web-{BFC8C8F6-4AED-4C3E-81DF-91353A88AEBF}" dt="2019-01-10T09:13:02.126" v="6" actId="20577"/>
+        <pc:sldMkLst>
+          <pc:docMk/>
+          <pc:sldMk cId="1874122417" sldId="267"/>
+        </pc:sldMkLst>
+        <pc:spChg chg="mod">
+          <ac:chgData name="IIO IOE" userId="7e3c65b5add44e69" providerId="Windows Live" clId="Web-{BFC8C8F6-4AED-4C3E-81DF-91353A88AEBF}" dt="2019-01-10T09:13:02.126" v="6" actId="20577"/>
+          <ac:spMkLst>
+            <pc:docMk/>
+            <pc:sldMk cId="1874122417" sldId="267"/>
+            <ac:spMk id="2" creationId="{00000000-0000-0000-0000-000000000000}"/>
+          </ac:spMkLst>
+        </pc:spChg>
+      </pc:sldChg>
+      <pc:sldChg chg="modSp">
+        <pc:chgData name="IIO IOE" userId="7e3c65b5add44e69" providerId="Windows Live" clId="Web-{BFC8C8F6-4AED-4C3E-81DF-91353A88AEBF}" dt="2019-01-10T09:29:03.054" v="162" actId="20577"/>
+        <pc:sldMkLst>
+          <pc:docMk/>
+          <pc:sldMk cId="547705998" sldId="268"/>
+        </pc:sldMkLst>
+        <pc:spChg chg="mod">
+          <ac:chgData name="IIO IOE" userId="7e3c65b5add44e69" providerId="Windows Live" clId="Web-{BFC8C8F6-4AED-4C3E-81DF-91353A88AEBF}" dt="2019-01-10T09:29:03.054" v="162" actId="20577"/>
+          <ac:spMkLst>
+            <pc:docMk/>
+            <pc:sldMk cId="547705998" sldId="268"/>
+            <ac:spMk id="2" creationId="{00000000-0000-0000-0000-000000000000}"/>
+          </ac:spMkLst>
+        </pc:spChg>
+      </pc:sldChg>
+      <pc:sldChg chg="modSp">
+        <pc:chgData name="IIO IOE" userId="7e3c65b5add44e69" providerId="Windows Live" clId="Web-{BFC8C8F6-4AED-4C3E-81DF-91353A88AEBF}" dt="2019-01-10T09:28:48.663" v="157" actId="20577"/>
+        <pc:sldMkLst>
+          <pc:docMk/>
+          <pc:sldMk cId="1466460230" sldId="269"/>
+        </pc:sldMkLst>
+        <pc:spChg chg="mod">
+          <ac:chgData name="IIO IOE" userId="7e3c65b5add44e69" providerId="Windows Live" clId="Web-{BFC8C8F6-4AED-4C3E-81DF-91353A88AEBF}" dt="2019-01-10T09:28:48.663" v="157" actId="20577"/>
+          <ac:spMkLst>
+            <pc:docMk/>
+            <pc:sldMk cId="1466460230" sldId="269"/>
+            <ac:spMk id="2" creationId="{00000000-0000-0000-0000-000000000000}"/>
+          </ac:spMkLst>
+        </pc:spChg>
+      </pc:sldChg>
+      <pc:sldChg chg="modSp">
+        <pc:chgData name="IIO IOE" userId="7e3c65b5add44e69" providerId="Windows Live" clId="Web-{BFC8C8F6-4AED-4C3E-81DF-91353A88AEBF}" dt="2019-01-10T09:13:05.251" v="8" actId="20577"/>
+        <pc:sldMkLst>
+          <pc:docMk/>
+          <pc:sldMk cId="3451280422" sldId="270"/>
+        </pc:sldMkLst>
+        <pc:spChg chg="mod">
+          <ac:chgData name="IIO IOE" userId="7e3c65b5add44e69" providerId="Windows Live" clId="Web-{BFC8C8F6-4AED-4C3E-81DF-91353A88AEBF}" dt="2019-01-10T09:13:05.251" v="8" actId="20577"/>
+          <ac:spMkLst>
+            <pc:docMk/>
+            <pc:sldMk cId="3451280422" sldId="270"/>
+            <ac:spMk id="2" creationId="{00000000-0000-0000-0000-000000000000}"/>
+          </ac:spMkLst>
+        </pc:spChg>
+      </pc:sldChg>
+      <pc:sldChg chg="addSp">
+        <pc:chgData name="IIO IOE" userId="7e3c65b5add44e69" providerId="Windows Live" clId="Web-{BFC8C8F6-4AED-4C3E-81DF-91353A88AEBF}" dt="2019-01-10T09:30:23.882" v="214"/>
+        <pc:sldMkLst>
+          <pc:docMk/>
+          <pc:sldMk cId="1464437876" sldId="271"/>
+        </pc:sldMkLst>
+        <pc:spChg chg="add">
+          <ac:chgData name="IIO IOE" userId="7e3c65b5add44e69" providerId="Windows Live" clId="Web-{BFC8C8F6-4AED-4C3E-81DF-91353A88AEBF}" dt="2019-01-10T09:30:23.882" v="214"/>
+          <ac:spMkLst>
+            <pc:docMk/>
+            <pc:sldMk cId="1464437876" sldId="271"/>
+            <ac:spMk id="5" creationId="{3B7FCBAC-A9F3-41FC-8EC2-6BEBF8B88A5B}"/>
+          </ac:spMkLst>
+        </pc:spChg>
+      </pc:sldChg>
+      <pc:sldChg chg="addSp">
+        <pc:chgData name="IIO IOE" userId="7e3c65b5add44e69" providerId="Windows Live" clId="Web-{BFC8C8F6-4AED-4C3E-81DF-91353A88AEBF}" dt="2019-01-10T09:30:21.679" v="213"/>
+        <pc:sldMkLst>
+          <pc:docMk/>
+          <pc:sldMk cId="1664736673" sldId="272"/>
+        </pc:sldMkLst>
+        <pc:spChg chg="add">
+          <ac:chgData name="IIO IOE" userId="7e3c65b5add44e69" providerId="Windows Live" clId="Web-{BFC8C8F6-4AED-4C3E-81DF-91353A88AEBF}" dt="2019-01-10T09:30:21.679" v="213"/>
+          <ac:spMkLst>
+            <pc:docMk/>
+            <pc:sldMk cId="1664736673" sldId="272"/>
+            <ac:spMk id="2" creationId="{077E6CEA-5135-4EF7-A523-F70F971382EA}"/>
+          </ac:spMkLst>
+        </pc:spChg>
+      </pc:sldChg>
+      <pc:sldChg chg="addSp">
+        <pc:chgData name="IIO IOE" userId="7e3c65b5add44e69" providerId="Windows Live" clId="Web-{BFC8C8F6-4AED-4C3E-81DF-91353A88AEBF}" dt="2019-01-10T09:30:18.679" v="212"/>
+        <pc:sldMkLst>
+          <pc:docMk/>
+          <pc:sldMk cId="3526030257" sldId="273"/>
+        </pc:sldMkLst>
+        <pc:spChg chg="add">
+          <ac:chgData name="IIO IOE" userId="7e3c65b5add44e69" providerId="Windows Live" clId="Web-{BFC8C8F6-4AED-4C3E-81DF-91353A88AEBF}" dt="2019-01-10T09:30:18.679" v="212"/>
+          <ac:spMkLst>
+            <pc:docMk/>
+            <pc:sldMk cId="3526030257" sldId="273"/>
+            <ac:spMk id="2" creationId="{5D219016-11C3-40B4-B9D3-9260CA085CCB}"/>
+          </ac:spMkLst>
+        </pc:spChg>
+      </pc:sldChg>
+      <pc:sldChg chg="addSp">
+        <pc:chgData name="IIO IOE" userId="7e3c65b5add44e69" providerId="Windows Live" clId="Web-{BFC8C8F6-4AED-4C3E-81DF-91353A88AEBF}" dt="2019-01-10T09:30:16.273" v="211"/>
+        <pc:sldMkLst>
+          <pc:docMk/>
+          <pc:sldMk cId="1410131631" sldId="274"/>
+        </pc:sldMkLst>
+        <pc:spChg chg="add">
+          <ac:chgData name="IIO IOE" userId="7e3c65b5add44e69" providerId="Windows Live" clId="Web-{BFC8C8F6-4AED-4C3E-81DF-91353A88AEBF}" dt="2019-01-10T09:30:16.273" v="211"/>
+          <ac:spMkLst>
+            <pc:docMk/>
+            <pc:sldMk cId="1410131631" sldId="274"/>
+            <ac:spMk id="2" creationId="{1679891A-03B1-40DF-86D6-F3EF8011BC8C}"/>
+          </ac:spMkLst>
+        </pc:spChg>
+      </pc:sldChg>
+      <pc:sldChg chg="addSp">
+        <pc:chgData name="IIO IOE" userId="7e3c65b5add44e69" providerId="Windows Live" clId="Web-{BFC8C8F6-4AED-4C3E-81DF-91353A88AEBF}" dt="2019-01-10T09:30:13.960" v="210"/>
+        <pc:sldMkLst>
+          <pc:docMk/>
+          <pc:sldMk cId="294398495" sldId="275"/>
+        </pc:sldMkLst>
+        <pc:spChg chg="add">
+          <ac:chgData name="IIO IOE" userId="7e3c65b5add44e69" providerId="Windows Live" clId="Web-{BFC8C8F6-4AED-4C3E-81DF-91353A88AEBF}" dt="2019-01-10T09:30:13.960" v="210"/>
+          <ac:spMkLst>
+            <pc:docMk/>
+            <pc:sldMk cId="294398495" sldId="275"/>
+            <ac:spMk id="2" creationId="{2C0519B3-1E5F-431A-ABA5-56845C22E3F2}"/>
+          </ac:spMkLst>
+        </pc:spChg>
+      </pc:sldChg>
+      <pc:sldChg chg="addSp">
+        <pc:chgData name="IIO IOE" userId="7e3c65b5add44e69" providerId="Windows Live" clId="Web-{BFC8C8F6-4AED-4C3E-81DF-91353A88AEBF}" dt="2019-01-10T09:30:12.335" v="209"/>
+        <pc:sldMkLst>
+          <pc:docMk/>
+          <pc:sldMk cId="3727018100" sldId="276"/>
+        </pc:sldMkLst>
+        <pc:spChg chg="add">
+          <ac:chgData name="IIO IOE" userId="7e3c65b5add44e69" providerId="Windows Live" clId="Web-{BFC8C8F6-4AED-4C3E-81DF-91353A88AEBF}" dt="2019-01-10T09:30:12.335" v="209"/>
+          <ac:spMkLst>
+            <pc:docMk/>
+            <pc:sldMk cId="3727018100" sldId="276"/>
+            <ac:spMk id="2" creationId="{D03DC896-D11A-4375-AE76-FB4298669DC1}"/>
+          </ac:spMkLst>
+        </pc:spChg>
+      </pc:sldChg>
+      <pc:sldChg chg="addSp modSp">
+        <pc:chgData name="IIO IOE" userId="7e3c65b5add44e69" providerId="Windows Live" clId="Web-{BFC8C8F6-4AED-4C3E-81DF-91353A88AEBF}" dt="2019-01-10T09:30:03.632" v="208" actId="14100"/>
+        <pc:sldMkLst>
+          <pc:docMk/>
+          <pc:sldMk cId="619550607" sldId="277"/>
+        </pc:sldMkLst>
+        <pc:spChg chg="add mod">
+          <ac:chgData name="IIO IOE" userId="7e3c65b5add44e69" providerId="Windows Live" clId="Web-{BFC8C8F6-4AED-4C3E-81DF-91353A88AEBF}" dt="2019-01-10T09:30:03.632" v="208" actId="14100"/>
+          <ac:spMkLst>
+            <pc:docMk/>
+            <pc:sldMk cId="619550607" sldId="277"/>
+            <ac:spMk id="2" creationId="{995E7F5F-D9DB-489C-B8E5-CAC9C0E08A62}"/>
+          </ac:spMkLst>
+        </pc:spChg>
+      </pc:sldChg>
+      <pc:sldChg chg="modSp">
+        <pc:chgData name="IIO IOE" userId="7e3c65b5add44e69" providerId="Windows Live" clId="Web-{BFC8C8F6-4AED-4C3E-81DF-91353A88AEBF}" dt="2019-01-10T09:13:08.751" v="11" actId="20577"/>
+        <pc:sldMkLst>
+          <pc:docMk/>
+          <pc:sldMk cId="2397514073" sldId="279"/>
+        </pc:sldMkLst>
+        <pc:spChg chg="mod">
+          <ac:chgData name="IIO IOE" userId="7e3c65b5add44e69" providerId="Windows Live" clId="Web-{BFC8C8F6-4AED-4C3E-81DF-91353A88AEBF}" dt="2019-01-10T09:13:08.751" v="11" actId="20577"/>
+          <ac:spMkLst>
+            <pc:docMk/>
+            <pc:sldMk cId="2397514073" sldId="279"/>
+            <ac:spMk id="2" creationId="{00000000-0000-0000-0000-000000000000}"/>
+          </ac:spMkLst>
+        </pc:spChg>
+      </pc:sldChg>
+      <pc:sldChg chg="addSp delSp modSp">
+        <pc:chgData name="IIO IOE" userId="7e3c65b5add44e69" providerId="Windows Live" clId="Web-{BFC8C8F6-4AED-4C3E-81DF-91353A88AEBF}" dt="2019-01-10T09:30:57.148" v="222" actId="20577"/>
+        <pc:sldMkLst>
+          <pc:docMk/>
+          <pc:sldMk cId="857233425" sldId="280"/>
+        </pc:sldMkLst>
+        <pc:spChg chg="mod">
+          <ac:chgData name="IIO IOE" userId="7e3c65b5add44e69" providerId="Windows Live" clId="Web-{BFC8C8F6-4AED-4C3E-81DF-91353A88AEBF}" dt="2019-01-10T09:30:57.148" v="222" actId="20577"/>
+          <ac:spMkLst>
+            <pc:docMk/>
+            <pc:sldMk cId="857233425" sldId="280"/>
+            <ac:spMk id="2" creationId="{00000000-0000-0000-0000-000000000000}"/>
+          </ac:spMkLst>
+        </pc:spChg>
+        <pc:spChg chg="add del">
+          <ac:chgData name="IIO IOE" userId="7e3c65b5add44e69" providerId="Windows Live" clId="Web-{BFC8C8F6-4AED-4C3E-81DF-91353A88AEBF}" dt="2019-01-10T09:30:53.398" v="219"/>
+          <ac:spMkLst>
+            <pc:docMk/>
+            <pc:sldMk cId="857233425" sldId="280"/>
+            <ac:spMk id="5" creationId="{88EF0BD1-A6D2-4E7D-8982-57389F9BF8E2}"/>
+          </ac:spMkLst>
+        </pc:spChg>
+      </pc:sldChg>
+      <pc:sldChg chg="addSp modSp">
+        <pc:chgData name="IIO IOE" userId="7e3c65b5add44e69" providerId="Windows Live" clId="Web-{BFC8C8F6-4AED-4C3E-81DF-91353A88AEBF}" dt="2019-01-10T09:17:09.221" v="67" actId="1076"/>
+        <pc:sldMkLst>
+          <pc:docMk/>
+          <pc:sldMk cId="2072023101" sldId="287"/>
+        </pc:sldMkLst>
+        <pc:spChg chg="mod">
+          <ac:chgData name="IIO IOE" userId="7e3c65b5add44e69" providerId="Windows Live" clId="Web-{BFC8C8F6-4AED-4C3E-81DF-91353A88AEBF}" dt="2019-01-10T09:13:11.907" v="14" actId="20577"/>
+          <ac:spMkLst>
+            <pc:docMk/>
+            <pc:sldMk cId="2072023101" sldId="287"/>
+            <ac:spMk id="2" creationId="{00000000-0000-0000-0000-000000000000}"/>
+          </ac:spMkLst>
+        </pc:spChg>
+        <pc:spChg chg="add mod">
+          <ac:chgData name="IIO IOE" userId="7e3c65b5add44e69" providerId="Windows Live" clId="Web-{BFC8C8F6-4AED-4C3E-81DF-91353A88AEBF}" dt="2019-01-10T09:17:09.221" v="67" actId="1076"/>
+          <ac:spMkLst>
+            <pc:docMk/>
+            <pc:sldMk cId="2072023101" sldId="287"/>
+            <ac:spMk id="3" creationId="{CE6D44A6-CCDA-4213-B876-6112A2D72C4E}"/>
+          </ac:spMkLst>
+        </pc:spChg>
+      </pc:sldChg>
+      <pc:sldChg chg="modSp">
+        <pc:chgData name="IIO IOE" userId="7e3c65b5add44e69" providerId="Windows Live" clId="Web-{BFC8C8F6-4AED-4C3E-81DF-91353A88AEBF}" dt="2019-01-10T09:13:16.095" v="17" actId="20577"/>
+        <pc:sldMkLst>
+          <pc:docMk/>
+          <pc:sldMk cId="1439380676" sldId="288"/>
+        </pc:sldMkLst>
+        <pc:spChg chg="mod">
+          <ac:chgData name="IIO IOE" userId="7e3c65b5add44e69" providerId="Windows Live" clId="Web-{BFC8C8F6-4AED-4C3E-81DF-91353A88AEBF}" dt="2019-01-10T09:13:16.095" v="17" actId="20577"/>
+          <ac:spMkLst>
+            <pc:docMk/>
+            <pc:sldMk cId="1439380676" sldId="288"/>
+            <ac:spMk id="2" creationId="{00000000-0000-0000-0000-000000000000}"/>
+          </ac:spMkLst>
+        </pc:spChg>
+      </pc:sldChg>
+      <pc:sldChg chg="addSp modSp">
+        <pc:chgData name="IIO IOE" userId="7e3c65b5add44e69" providerId="Windows Live" clId="Web-{BFC8C8F6-4AED-4C3E-81DF-91353A88AEBF}" dt="2019-01-10T09:24:48.365" v="95" actId="1076"/>
+        <pc:sldMkLst>
+          <pc:docMk/>
+          <pc:sldMk cId="73973883" sldId="289"/>
+        </pc:sldMkLst>
+        <pc:spChg chg="mod">
+          <ac:chgData name="IIO IOE" userId="7e3c65b5add44e69" providerId="Windows Live" clId="Web-{BFC8C8F6-4AED-4C3E-81DF-91353A88AEBF}" dt="2019-01-10T09:13:19.079" v="20" actId="20577"/>
+          <ac:spMkLst>
+            <pc:docMk/>
+            <pc:sldMk cId="73973883" sldId="289"/>
+            <ac:spMk id="2" creationId="{00000000-0000-0000-0000-000000000000}"/>
+          </ac:spMkLst>
+        </pc:spChg>
+        <pc:spChg chg="add mod">
+          <ac:chgData name="IIO IOE" userId="7e3c65b5add44e69" providerId="Windows Live" clId="Web-{BFC8C8F6-4AED-4C3E-81DF-91353A88AEBF}" dt="2019-01-10T09:24:48.365" v="95" actId="1076"/>
+          <ac:spMkLst>
+            <pc:docMk/>
+            <pc:sldMk cId="73973883" sldId="289"/>
+            <ac:spMk id="3" creationId="{DCE0F1A7-5573-469B-90D5-5C09BD5CD26B}"/>
+          </ac:spMkLst>
+        </pc:spChg>
+      </pc:sldChg>
+      <pc:sldChg chg="addSp modSp">
+        <pc:chgData name="IIO IOE" userId="7e3c65b5add44e69" providerId="Windows Live" clId="Web-{BFC8C8F6-4AED-4C3E-81DF-91353A88AEBF}" dt="2019-01-10T09:24:35.318" v="94" actId="1076"/>
+        <pc:sldMkLst>
+          <pc:docMk/>
+          <pc:sldMk cId="3834179574" sldId="290"/>
+        </pc:sldMkLst>
+        <pc:spChg chg="mod">
+          <ac:chgData name="IIO IOE" userId="7e3c65b5add44e69" providerId="Windows Live" clId="Web-{BFC8C8F6-4AED-4C3E-81DF-91353A88AEBF}" dt="2019-01-10T09:13:21.814" v="23" actId="20577"/>
+          <ac:spMkLst>
+            <pc:docMk/>
+            <pc:sldMk cId="3834179574" sldId="290"/>
+            <ac:spMk id="2" creationId="{00000000-0000-0000-0000-000000000000}"/>
+          </ac:spMkLst>
+        </pc:spChg>
+        <pc:spChg chg="add mod">
+          <ac:chgData name="IIO IOE" userId="7e3c65b5add44e69" providerId="Windows Live" clId="Web-{BFC8C8F6-4AED-4C3E-81DF-91353A88AEBF}" dt="2019-01-10T09:24:35.318" v="94" actId="1076"/>
+          <ac:spMkLst>
+            <pc:docMk/>
+            <pc:sldMk cId="3834179574" sldId="290"/>
+            <ac:spMk id="3" creationId="{988FB1CA-530F-4B92-BEC3-0C5E91BBEDAB}"/>
+          </ac:spMkLst>
+        </pc:spChg>
+      </pc:sldChg>
+      <pc:sldChg chg="addSp modSp">
+        <pc:chgData name="IIO IOE" userId="7e3c65b5add44e69" providerId="Windows Live" clId="Web-{BFC8C8F6-4AED-4C3E-81DF-91353A88AEBF}" dt="2019-01-10T09:26:21.646" v="107" actId="20577"/>
+        <pc:sldMkLst>
+          <pc:docMk/>
+          <pc:sldMk cId="727010840" sldId="291"/>
+        </pc:sldMkLst>
+        <pc:spChg chg="mod">
+          <ac:chgData name="IIO IOE" userId="7e3c65b5add44e69" providerId="Windows Live" clId="Web-{BFC8C8F6-4AED-4C3E-81DF-91353A88AEBF}" dt="2019-01-10T09:13:25.861" v="26" actId="20577"/>
+          <ac:spMkLst>
+            <pc:docMk/>
+            <pc:sldMk cId="727010840" sldId="291"/>
+            <ac:spMk id="2" creationId="{00000000-0000-0000-0000-000000000000}"/>
+          </ac:spMkLst>
+        </pc:spChg>
+        <pc:spChg chg="add mod">
+          <ac:chgData name="IIO IOE" userId="7e3c65b5add44e69" providerId="Windows Live" clId="Web-{BFC8C8F6-4AED-4C3E-81DF-91353A88AEBF}" dt="2019-01-10T09:26:21.646" v="107" actId="20577"/>
+          <ac:spMkLst>
+            <pc:docMk/>
+            <pc:sldMk cId="727010840" sldId="291"/>
+            <ac:spMk id="3" creationId="{98984690-B78E-46DB-8015-A20563028D54}"/>
+          </ac:spMkLst>
+        </pc:spChg>
+      </pc:sldChg>
+      <pc:sldChg chg="addSp modSp">
+        <pc:chgData name="IIO IOE" userId="7e3c65b5add44e69" providerId="Windows Live" clId="Web-{BFC8C8F6-4AED-4C3E-81DF-91353A88AEBF}" dt="2019-01-10T09:26:43.365" v="115" actId="1076"/>
+        <pc:sldMkLst>
+          <pc:docMk/>
+          <pc:sldMk cId="4186990509" sldId="293"/>
+        </pc:sldMkLst>
+        <pc:spChg chg="mod">
+          <ac:chgData name="IIO IOE" userId="7e3c65b5add44e69" providerId="Windows Live" clId="Web-{BFC8C8F6-4AED-4C3E-81DF-91353A88AEBF}" dt="2019-01-10T09:13:28.595" v="31" actId="20577"/>
+          <ac:spMkLst>
+            <pc:docMk/>
+            <pc:sldMk cId="4186990509" sldId="293"/>
+            <ac:spMk id="2" creationId="{00000000-0000-0000-0000-000000000000}"/>
+          </ac:spMkLst>
+        </pc:spChg>
+        <pc:spChg chg="add mod">
+          <ac:chgData name="IIO IOE" userId="7e3c65b5add44e69" providerId="Windows Live" clId="Web-{BFC8C8F6-4AED-4C3E-81DF-91353A88AEBF}" dt="2019-01-10T09:26:43.365" v="115" actId="1076"/>
+          <ac:spMkLst>
+            <pc:docMk/>
+            <pc:sldMk cId="4186990509" sldId="293"/>
+            <ac:spMk id="3" creationId="{CA35D0E0-8563-4E5C-89E6-ED263A69A376}"/>
+          </ac:spMkLst>
+        </pc:spChg>
+      </pc:sldChg>
+      <pc:sldChg chg="addSp modSp">
+        <pc:chgData name="IIO IOE" userId="7e3c65b5add44e69" providerId="Windows Live" clId="Web-{BFC8C8F6-4AED-4C3E-81DF-91353A88AEBF}" dt="2019-01-10T09:27:29.506" v="139" actId="1076"/>
+        <pc:sldMkLst>
+          <pc:docMk/>
+          <pc:sldMk cId="3701886587" sldId="294"/>
+        </pc:sldMkLst>
+        <pc:spChg chg="mod">
+          <ac:chgData name="IIO IOE" userId="7e3c65b5add44e69" providerId="Windows Live" clId="Web-{BFC8C8F6-4AED-4C3E-81DF-91353A88AEBF}" dt="2019-01-10T09:13:30.892" v="33" actId="20577"/>
+          <ac:spMkLst>
+            <pc:docMk/>
+            <pc:sldMk cId="3701886587" sldId="294"/>
+            <ac:spMk id="2" creationId="{00000000-0000-0000-0000-000000000000}"/>
+          </ac:spMkLst>
+        </pc:spChg>
+        <pc:spChg chg="add mod">
+          <ac:chgData name="IIO IOE" userId="7e3c65b5add44e69" providerId="Windows Live" clId="Web-{BFC8C8F6-4AED-4C3E-81DF-91353A88AEBF}" dt="2019-01-10T09:27:29.506" v="139" actId="1076"/>
+          <ac:spMkLst>
+            <pc:docMk/>
+            <pc:sldMk cId="3701886587" sldId="294"/>
+            <ac:spMk id="3" creationId="{4C4A186D-F22D-4D2D-A1FA-141EC46F55FC}"/>
+          </ac:spMkLst>
+        </pc:spChg>
+      </pc:sldChg>
+      <pc:sldChg chg="modSp">
+        <pc:chgData name="IIO IOE" userId="7e3c65b5add44e69" providerId="Windows Live" clId="Web-{BFC8C8F6-4AED-4C3E-81DF-91353A88AEBF}" dt="2019-01-10T09:13:35.190" v="36" actId="20577"/>
+        <pc:sldMkLst>
+          <pc:docMk/>
+          <pc:sldMk cId="1019390063" sldId="295"/>
+        </pc:sldMkLst>
+        <pc:spChg chg="mod">
+          <ac:chgData name="IIO IOE" userId="7e3c65b5add44e69" providerId="Windows Live" clId="Web-{BFC8C8F6-4AED-4C3E-81DF-91353A88AEBF}" dt="2019-01-10T09:13:35.190" v="36" actId="20577"/>
+          <ac:spMkLst>
+            <pc:docMk/>
+            <pc:sldMk cId="1019390063" sldId="295"/>
+            <ac:spMk id="2" creationId="{00000000-0000-0000-0000-000000000000}"/>
+          </ac:spMkLst>
+        </pc:spChg>
+      </pc:sldChg>
+      <pc:sldChg chg="addSp modSp">
+        <pc:chgData name="IIO IOE" userId="7e3c65b5add44e69" providerId="Windows Live" clId="Web-{BFC8C8F6-4AED-4C3E-81DF-91353A88AEBF}" dt="2019-01-10T09:28:18.741" v="148" actId="1076"/>
+        <pc:sldMkLst>
+          <pc:docMk/>
+          <pc:sldMk cId="265556965" sldId="296"/>
+        </pc:sldMkLst>
+        <pc:spChg chg="mod">
+          <ac:chgData name="IIO IOE" userId="7e3c65b5add44e69" providerId="Windows Live" clId="Web-{BFC8C8F6-4AED-4C3E-81DF-91353A88AEBF}" dt="2019-01-10T09:13:55.736" v="41" actId="20577"/>
+          <ac:spMkLst>
+            <pc:docMk/>
+            <pc:sldMk cId="265556965" sldId="296"/>
+            <ac:spMk id="2" creationId="{00000000-0000-0000-0000-000000000000}"/>
+          </ac:spMkLst>
+        </pc:spChg>
+        <pc:spChg chg="add mod">
+          <ac:chgData name="IIO IOE" userId="7e3c65b5add44e69" providerId="Windows Live" clId="Web-{BFC8C8F6-4AED-4C3E-81DF-91353A88AEBF}" dt="2019-01-10T09:28:18.741" v="148" actId="1076"/>
+          <ac:spMkLst>
+            <pc:docMk/>
+            <pc:sldMk cId="265556965" sldId="296"/>
+            <ac:spMk id="3" creationId="{A17FA042-42EF-481D-ABF4-DF586E1EC367}"/>
+          </ac:spMkLst>
+        </pc:spChg>
+      </pc:sldChg>
+      <pc:sldChg chg="modSp">
+        <pc:chgData name="IIO IOE" userId="7e3c65b5add44e69" providerId="Windows Live" clId="Web-{BFC8C8F6-4AED-4C3E-81DF-91353A88AEBF}" dt="2019-01-10T09:29:05.382" v="164" actId="20577"/>
+        <pc:sldMkLst>
+          <pc:docMk/>
+          <pc:sldMk cId="4191745886" sldId="300"/>
+        </pc:sldMkLst>
+        <pc:spChg chg="mod">
+          <ac:chgData name="IIO IOE" userId="7e3c65b5add44e69" providerId="Windows Live" clId="Web-{BFC8C8F6-4AED-4C3E-81DF-91353A88AEBF}" dt="2019-01-10T09:29:05.382" v="164" actId="20577"/>
+          <ac:spMkLst>
+            <pc:docMk/>
+            <pc:sldMk cId="4191745886" sldId="300"/>
+            <ac:spMk id="2" creationId="{00000000-0000-0000-0000-000000000000}"/>
+          </ac:spMkLst>
+        </pc:spChg>
+      </pc:sldChg>
+      <pc:sldChg chg="modSp">
+        <pc:chgData name="IIO IOE" userId="7e3c65b5add44e69" providerId="Windows Live" clId="Web-{BFC8C8F6-4AED-4C3E-81DF-91353A88AEBF}" dt="2019-01-10T09:29:09.101" v="169" actId="20577"/>
+        <pc:sldMkLst>
+          <pc:docMk/>
+          <pc:sldMk cId="655012409" sldId="303"/>
+        </pc:sldMkLst>
+        <pc:spChg chg="mod">
+          <ac:chgData name="IIO IOE" userId="7e3c65b5add44e69" providerId="Windows Live" clId="Web-{BFC8C8F6-4AED-4C3E-81DF-91353A88AEBF}" dt="2019-01-10T09:29:09.101" v="169" actId="20577"/>
+          <ac:spMkLst>
+            <pc:docMk/>
+            <pc:sldMk cId="655012409" sldId="303"/>
+            <ac:spMk id="2" creationId="{00000000-0000-0000-0000-000000000000}"/>
+          </ac:spMkLst>
+        </pc:spChg>
+      </pc:sldChg>
+      <pc:sldChg chg="modSp">
+        <pc:chgData name="IIO IOE" userId="7e3c65b5add44e69" providerId="Windows Live" clId="Web-{BFC8C8F6-4AED-4C3E-81DF-91353A88AEBF}" dt="2019-01-10T09:29:11.366" v="171" actId="20577"/>
+        <pc:sldMkLst>
+          <pc:docMk/>
+          <pc:sldMk cId="190048327" sldId="304"/>
+        </pc:sldMkLst>
+        <pc:spChg chg="mod">
+          <ac:chgData name="IIO IOE" userId="7e3c65b5add44e69" providerId="Windows Live" clId="Web-{BFC8C8F6-4AED-4C3E-81DF-91353A88AEBF}" dt="2019-01-10T09:29:11.366" v="171" actId="20577"/>
+          <ac:spMkLst>
+            <pc:docMk/>
+            <pc:sldMk cId="190048327" sldId="304"/>
+            <ac:spMk id="2" creationId="{00000000-0000-0000-0000-000000000000}"/>
+          </ac:spMkLst>
+        </pc:spChg>
+      </pc:sldChg>
+      <pc:sldChg chg="modSp">
+        <pc:chgData name="IIO IOE" userId="7e3c65b5add44e69" providerId="Windows Live" clId="Web-{BFC8C8F6-4AED-4C3E-81DF-91353A88AEBF}" dt="2019-01-10T09:29:15.038" v="174" actId="20577"/>
+        <pc:sldMkLst>
+          <pc:docMk/>
+          <pc:sldMk cId="2010311466" sldId="306"/>
+        </pc:sldMkLst>
+        <pc:spChg chg="mod">
+          <ac:chgData name="IIO IOE" userId="7e3c65b5add44e69" providerId="Windows Live" clId="Web-{BFC8C8F6-4AED-4C3E-81DF-91353A88AEBF}" dt="2019-01-10T09:29:15.038" v="174" actId="20577"/>
+          <ac:spMkLst>
+            <pc:docMk/>
+            <pc:sldMk cId="2010311466" sldId="306"/>
+            <ac:spMk id="2" creationId="{00000000-0000-0000-0000-000000000000}"/>
+          </ac:spMkLst>
+        </pc:spChg>
+      </pc:sldChg>
+      <pc:sldChg chg="modSp">
+        <pc:chgData name="IIO IOE" userId="7e3c65b5add44e69" providerId="Windows Live" clId="Web-{BFC8C8F6-4AED-4C3E-81DF-91353A88AEBF}" dt="2019-01-10T09:29:22.319" v="181" actId="20577"/>
+        <pc:sldMkLst>
+          <pc:docMk/>
+          <pc:sldMk cId="2776847617" sldId="307"/>
+        </pc:sldMkLst>
+        <pc:spChg chg="mod">
+          <ac:chgData name="IIO IOE" userId="7e3c65b5add44e69" providerId="Windows Live" clId="Web-{BFC8C8F6-4AED-4C3E-81DF-91353A88AEBF}" dt="2019-01-10T09:29:22.319" v="181" actId="20577"/>
+          <ac:spMkLst>
+            <pc:docMk/>
+            <pc:sldMk cId="2776847617" sldId="307"/>
+            <ac:spMk id="2" creationId="{00000000-0000-0000-0000-000000000000}"/>
+          </ac:spMkLst>
+        </pc:spChg>
+      </pc:sldChg>
+      <pc:sldChg chg="modSp">
+        <pc:chgData name="IIO IOE" userId="7e3c65b5add44e69" providerId="Windows Live" clId="Web-{BFC8C8F6-4AED-4C3E-81DF-91353A88AEBF}" dt="2019-01-10T09:29:17.882" v="179" actId="20577"/>
+        <pc:sldMkLst>
+          <pc:docMk/>
+          <pc:sldMk cId="200132196" sldId="308"/>
+        </pc:sldMkLst>
+        <pc:spChg chg="mod">
+          <ac:chgData name="IIO IOE" userId="7e3c65b5add44e69" providerId="Windows Live" clId="Web-{BFC8C8F6-4AED-4C3E-81DF-91353A88AEBF}" dt="2019-01-10T09:29:17.882" v="179" actId="20577"/>
+          <ac:spMkLst>
+            <pc:docMk/>
+            <pc:sldMk cId="200132196" sldId="308"/>
+            <ac:spMk id="2" creationId="{00000000-0000-0000-0000-000000000000}"/>
+          </ac:spMkLst>
+        </pc:spChg>
+      </pc:sldChg>
+      <pc:sldChg chg="modSp">
+        <pc:chgData name="IIO IOE" userId="7e3c65b5add44e69" providerId="Windows Live" clId="Web-{BFC8C8F6-4AED-4C3E-81DF-91353A88AEBF}" dt="2019-01-10T09:29:27.491" v="188" actId="20577"/>
+        <pc:sldMkLst>
+          <pc:docMk/>
+          <pc:sldMk cId="2185772547" sldId="310"/>
+        </pc:sldMkLst>
+        <pc:spChg chg="mod">
+          <ac:chgData name="IIO IOE" userId="7e3c65b5add44e69" providerId="Windows Live" clId="Web-{BFC8C8F6-4AED-4C3E-81DF-91353A88AEBF}" dt="2019-01-10T09:29:27.491" v="188" actId="20577"/>
+          <ac:spMkLst>
+            <pc:docMk/>
+            <pc:sldMk cId="2185772547" sldId="310"/>
+            <ac:spMk id="2" creationId="{00000000-0000-0000-0000-000000000000}"/>
+          </ac:spMkLst>
+        </pc:spChg>
+      </pc:sldChg>
+      <pc:sldChg chg="modSp">
+        <pc:chgData name="IIO IOE" userId="7e3c65b5add44e69" providerId="Windows Live" clId="Web-{BFC8C8F6-4AED-4C3E-81DF-91353A88AEBF}" dt="2019-01-10T09:29:24.960" v="186" actId="20577"/>
+        <pc:sldMkLst>
+          <pc:docMk/>
+          <pc:sldMk cId="431931532" sldId="311"/>
+        </pc:sldMkLst>
+        <pc:spChg chg="mod">
+          <ac:chgData name="IIO IOE" userId="7e3c65b5add44e69" providerId="Windows Live" clId="Web-{BFC8C8F6-4AED-4C3E-81DF-91353A88AEBF}" dt="2019-01-10T09:29:24.960" v="186" actId="20577"/>
+          <ac:spMkLst>
+            <pc:docMk/>
+            <pc:sldMk cId="431931532" sldId="311"/>
+            <ac:spMk id="2" creationId="{00000000-0000-0000-0000-000000000000}"/>
+          </ac:spMkLst>
+        </pc:spChg>
+      </pc:sldChg>
+      <pc:sldChg chg="modSp">
+        <pc:chgData name="IIO IOE" userId="7e3c65b5add44e69" providerId="Windows Live" clId="Web-{BFC8C8F6-4AED-4C3E-81DF-91353A88AEBF}" dt="2019-01-10T09:29:30.960" v="193" actId="20577"/>
+        <pc:sldMkLst>
+          <pc:docMk/>
+          <pc:sldMk cId="3693499296" sldId="312"/>
+        </pc:sldMkLst>
+        <pc:spChg chg="mod">
+          <ac:chgData name="IIO IOE" userId="7e3c65b5add44e69" providerId="Windows Live" clId="Web-{BFC8C8F6-4AED-4C3E-81DF-91353A88AEBF}" dt="2019-01-10T09:29:30.960" v="193" actId="20577"/>
+          <ac:spMkLst>
+            <pc:docMk/>
+            <pc:sldMk cId="3693499296" sldId="312"/>
+            <ac:spMk id="2" creationId="{00000000-0000-0000-0000-000000000000}"/>
+          </ac:spMkLst>
+        </pc:spChg>
+      </pc:sldChg>
+      <pc:sldChg chg="modSp">
+        <pc:chgData name="IIO IOE" userId="7e3c65b5add44e69" providerId="Windows Live" clId="Web-{BFC8C8F6-4AED-4C3E-81DF-91353A88AEBF}" dt="2019-01-10T09:29:43.632" v="199" actId="20577"/>
+        <pc:sldMkLst>
+          <pc:docMk/>
+          <pc:sldMk cId="1107611354" sldId="314"/>
+        </pc:sldMkLst>
+        <pc:spChg chg="mod">
+          <ac:chgData name="IIO IOE" userId="7e3c65b5add44e69" providerId="Windows Live" clId="Web-{BFC8C8F6-4AED-4C3E-81DF-91353A88AEBF}" dt="2019-01-10T09:29:43.632" v="199" actId="20577"/>
+          <ac:spMkLst>
+            <pc:docMk/>
+            <pc:sldMk cId="1107611354" sldId="314"/>
+            <ac:spMk id="2" creationId="{00000000-0000-0000-0000-000000000000}"/>
+          </ac:spMkLst>
+        </pc:spChg>
+      </pc:sldChg>
+      <pc:sldChg chg="delSp modSp add replId">
+        <pc:chgData name="IIO IOE" userId="7e3c65b5add44e69" providerId="Windows Live" clId="Web-{BFC8C8F6-4AED-4C3E-81DF-91353A88AEBF}" dt="2019-01-10T09:16:12.987" v="53" actId="1076"/>
+        <pc:sldMkLst>
+          <pc:docMk/>
+          <pc:sldMk cId="170118493" sldId="315"/>
+        </pc:sldMkLst>
+        <pc:spChg chg="mod">
+          <ac:chgData name="IIO IOE" userId="7e3c65b5add44e69" providerId="Windows Live" clId="Web-{BFC8C8F6-4AED-4C3E-81DF-91353A88AEBF}" dt="2019-01-10T09:16:12.987" v="53" actId="1076"/>
+          <ac:spMkLst>
+            <pc:docMk/>
+            <pc:sldMk cId="170118493" sldId="315"/>
+            <ac:spMk id="2" creationId="{00000000-0000-0000-0000-000000000000}"/>
+          </ac:spMkLst>
+        </pc:spChg>
+        <pc:spChg chg="del">
+          <ac:chgData name="IIO IOE" userId="7e3c65b5add44e69" providerId="Windows Live" clId="Web-{BFC8C8F6-4AED-4C3E-81DF-91353A88AEBF}" dt="2019-01-10T09:16:04.002" v="52"/>
+          <ac:spMkLst>
+            <pc:docMk/>
+            <pc:sldMk cId="170118493" sldId="315"/>
+            <ac:spMk id="9" creationId="{8A025265-0300-4EC8-A3E2-16624AC97A50}"/>
+          </ac:spMkLst>
+        </pc:spChg>
+        <pc:picChg chg="del">
+          <ac:chgData name="IIO IOE" userId="7e3c65b5add44e69" providerId="Windows Live" clId="Web-{BFC8C8F6-4AED-4C3E-81DF-91353A88AEBF}" dt="2019-01-10T09:16:02.877" v="51"/>
+          <ac:picMkLst>
+            <pc:docMk/>
+            <pc:sldMk cId="170118493" sldId="315"/>
+            <ac:picMk id="7" creationId="{B163D7DA-0818-40D0-AD99-814339B7B146}"/>
+          </ac:picMkLst>
+        </pc:picChg>
       </pc:sldChg>
     </pc:docChg>
   </pc:docChgLst>
@@ -2025,6 +2026,30 @@
     </pc:docChg>
   </pc:docChgLst>
   <pc:docChgLst>
+    <pc:chgData name="IIO IOE" userId="7e3c65b5add44e69" providerId="Windows Live" clId="Web-{90E7B24F-338B-419A-9941-A7D7DD95F9FB}"/>
+    <pc:docChg chg="modSld">
+      <pc:chgData name="IIO IOE" userId="7e3c65b5add44e69" providerId="Windows Live" clId="Web-{90E7B24F-338B-419A-9941-A7D7DD95F9FB}" dt="2018-12-17T06:55:54.213" v="44" actId="20577"/>
+      <pc:docMkLst>
+        <pc:docMk/>
+      </pc:docMkLst>
+      <pc:sldChg chg="modSp">
+        <pc:chgData name="IIO IOE" userId="7e3c65b5add44e69" providerId="Windows Live" clId="Web-{90E7B24F-338B-419A-9941-A7D7DD95F9FB}" dt="2018-12-17T06:55:54.213" v="44" actId="20577"/>
+        <pc:sldMkLst>
+          <pc:docMk/>
+          <pc:sldMk cId="1378452444" sldId="259"/>
+        </pc:sldMkLst>
+        <pc:spChg chg="mod">
+          <ac:chgData name="IIO IOE" userId="7e3c65b5add44e69" providerId="Windows Live" clId="Web-{90E7B24F-338B-419A-9941-A7D7DD95F9FB}" dt="2018-12-17T06:55:54.213" v="44" actId="20577"/>
+          <ac:spMkLst>
+            <pc:docMk/>
+            <pc:sldMk cId="1378452444" sldId="259"/>
+            <ac:spMk id="3" creationId="{00000000-0000-0000-0000-000000000000}"/>
+          </ac:spMkLst>
+        </pc:spChg>
+      </pc:sldChg>
+    </pc:docChg>
+  </pc:docChgLst>
+  <pc:docChgLst>
     <pc:chgData name="Robin Schramm" userId="918bcb5bbd1a4086" providerId="Windows Live" clId="Web-{612C2577-FB5B-4DA0-A2E3-ABC436BEBA76}"/>
     <pc:docChg chg="modSld">
       <pc:chgData name="Robin Schramm" userId="918bcb5bbd1a4086" providerId="Windows Live" clId="Web-{612C2577-FB5B-4DA0-A2E3-ABC436BEBA76}" dt="2019-01-06T15:03:34.902" v="128" actId="20577"/>
@@ -2043,30 +2068,6 @@
             <pc:docMk/>
             <pc:sldMk cId="619550607" sldId="277"/>
             <ac:spMk id="9" creationId="{91CEA67C-7DBB-4DB4-BCA7-2B67D94FDD59}"/>
-          </ac:spMkLst>
-        </pc:spChg>
-      </pc:sldChg>
-    </pc:docChg>
-  </pc:docChgLst>
-  <pc:docChgLst>
-    <pc:chgData name="IIO IOE" userId="7e3c65b5add44e69" providerId="Windows Live" clId="Web-{90E7B24F-338B-419A-9941-A7D7DD95F9FB}"/>
-    <pc:docChg chg="modSld">
-      <pc:chgData name="IIO IOE" userId="7e3c65b5add44e69" providerId="Windows Live" clId="Web-{90E7B24F-338B-419A-9941-A7D7DD95F9FB}" dt="2018-12-17T06:55:54.213" v="44" actId="20577"/>
-      <pc:docMkLst>
-        <pc:docMk/>
-      </pc:docMkLst>
-      <pc:sldChg chg="modSp">
-        <pc:chgData name="IIO IOE" userId="7e3c65b5add44e69" providerId="Windows Live" clId="Web-{90E7B24F-338B-419A-9941-A7D7DD95F9FB}" dt="2018-12-17T06:55:54.213" v="44" actId="20577"/>
-        <pc:sldMkLst>
-          <pc:docMk/>
-          <pc:sldMk cId="1378452444" sldId="259"/>
-        </pc:sldMkLst>
-        <pc:spChg chg="mod">
-          <ac:chgData name="IIO IOE" userId="7e3c65b5add44e69" providerId="Windows Live" clId="Web-{90E7B24F-338B-419A-9941-A7D7DD95F9FB}" dt="2018-12-17T06:55:54.213" v="44" actId="20577"/>
-          <ac:spMkLst>
-            <pc:docMk/>
-            <pc:sldMk cId="1378452444" sldId="259"/>
-            <ac:spMk id="3" creationId="{00000000-0000-0000-0000-000000000000}"/>
           </ac:spMkLst>
         </pc:spChg>
       </pc:sldChg>
@@ -3931,7 +3932,7 @@
           <a:p>
             <a:fld id="{D3EB3054-B75A-4BD7-8B3E-8DC0F614FAF3}" type="datetimeFigureOut">
               <a:rPr lang="de-DE" smtClean="0"/>
-              <a:t>10.01.2019</a:t>
+              <a:t>14.01.2019</a:t>
             </a:fld>
             <a:endParaRPr lang="de-DE"/>
           </a:p>
@@ -4099,7 +4100,7 @@
           <a:p>
             <a:fld id="{D3EB3054-B75A-4BD7-8B3E-8DC0F614FAF3}" type="datetimeFigureOut">
               <a:rPr lang="de-DE" smtClean="0"/>
-              <a:t>10.01.2019</a:t>
+              <a:t>14.01.2019</a:t>
             </a:fld>
             <a:endParaRPr lang="de-DE"/>
           </a:p>
@@ -4277,7 +4278,7 @@
           <a:p>
             <a:fld id="{D3EB3054-B75A-4BD7-8B3E-8DC0F614FAF3}" type="datetimeFigureOut">
               <a:rPr lang="de-DE" smtClean="0"/>
-              <a:t>10.01.2019</a:t>
+              <a:t>14.01.2019</a:t>
             </a:fld>
             <a:endParaRPr lang="de-DE"/>
           </a:p>
@@ -4445,7 +4446,7 @@
           <a:p>
             <a:fld id="{D3EB3054-B75A-4BD7-8B3E-8DC0F614FAF3}" type="datetimeFigureOut">
               <a:rPr lang="de-DE" smtClean="0"/>
-              <a:t>10.01.2019</a:t>
+              <a:t>14.01.2019</a:t>
             </a:fld>
             <a:endParaRPr lang="de-DE"/>
           </a:p>
@@ -4690,7 +4691,7 @@
           <a:p>
             <a:fld id="{D3EB3054-B75A-4BD7-8B3E-8DC0F614FAF3}" type="datetimeFigureOut">
               <a:rPr lang="de-DE" smtClean="0"/>
-              <a:t>10.01.2019</a:t>
+              <a:t>14.01.2019</a:t>
             </a:fld>
             <a:endParaRPr lang="de-DE"/>
           </a:p>
@@ -4919,7 +4920,7 @@
           <a:p>
             <a:fld id="{D3EB3054-B75A-4BD7-8B3E-8DC0F614FAF3}" type="datetimeFigureOut">
               <a:rPr lang="de-DE" smtClean="0"/>
-              <a:t>10.01.2019</a:t>
+              <a:t>14.01.2019</a:t>
             </a:fld>
             <a:endParaRPr lang="de-DE"/>
           </a:p>
@@ -5283,7 +5284,7 @@
           <a:p>
             <a:fld id="{D3EB3054-B75A-4BD7-8B3E-8DC0F614FAF3}" type="datetimeFigureOut">
               <a:rPr lang="de-DE" smtClean="0"/>
-              <a:t>10.01.2019</a:t>
+              <a:t>14.01.2019</a:t>
             </a:fld>
             <a:endParaRPr lang="de-DE"/>
           </a:p>
@@ -5400,7 +5401,7 @@
           <a:p>
             <a:fld id="{D3EB3054-B75A-4BD7-8B3E-8DC0F614FAF3}" type="datetimeFigureOut">
               <a:rPr lang="de-DE" smtClean="0"/>
-              <a:t>10.01.2019</a:t>
+              <a:t>14.01.2019</a:t>
             </a:fld>
             <a:endParaRPr lang="de-DE"/>
           </a:p>
@@ -5495,7 +5496,7 @@
           <a:p>
             <a:fld id="{D3EB3054-B75A-4BD7-8B3E-8DC0F614FAF3}" type="datetimeFigureOut">
               <a:rPr lang="de-DE" smtClean="0"/>
-              <a:t>10.01.2019</a:t>
+              <a:t>14.01.2019</a:t>
             </a:fld>
             <a:endParaRPr lang="de-DE"/>
           </a:p>
@@ -5770,7 +5771,7 @@
           <a:p>
             <a:fld id="{D3EB3054-B75A-4BD7-8B3E-8DC0F614FAF3}" type="datetimeFigureOut">
               <a:rPr lang="de-DE" smtClean="0"/>
-              <a:t>10.01.2019</a:t>
+              <a:t>14.01.2019</a:t>
             </a:fld>
             <a:endParaRPr lang="de-DE"/>
           </a:p>
@@ -6022,7 +6023,7 @@
           <a:p>
             <a:fld id="{D3EB3054-B75A-4BD7-8B3E-8DC0F614FAF3}" type="datetimeFigureOut">
               <a:rPr lang="de-DE" smtClean="0"/>
-              <a:t>10.01.2019</a:t>
+              <a:t>14.01.2019</a:t>
             </a:fld>
             <a:endParaRPr lang="de-DE"/>
           </a:p>
@@ -6233,7 +6234,7 @@
           <a:p>
             <a:fld id="{D3EB3054-B75A-4BD7-8B3E-8DC0F614FAF3}" type="datetimeFigureOut">
               <a:rPr lang="de-DE" smtClean="0"/>
-              <a:t>10.01.2019</a:t>
+              <a:t>14.01.2019</a:t>
             </a:fld>
             <a:endParaRPr lang="de-DE"/>
           </a:p>
@@ -14992,7 +14993,7 @@
               <a:buChar char="•"/>
             </a:pPr>
             <a:r>
-              <a:rPr lang="de-DE">
+              <a:rPr lang="de-DE" dirty="0">
                 <a:cs typeface="Calibri"/>
               </a:rPr>
               <a:t>Einleitung</a:t>
@@ -15006,7 +15007,7 @@
               <a:buChar char="•"/>
             </a:pPr>
             <a:r>
-              <a:rPr lang="de-DE">
+              <a:rPr lang="de-DE" dirty="0">
                 <a:cs typeface="Calibri"/>
               </a:rPr>
               <a:t>Automatisiertes Testen</a:t>
@@ -15020,7 +15021,7 @@
               <a:buChar char="•"/>
             </a:pPr>
             <a:r>
-              <a:rPr lang="de-DE">
+              <a:rPr lang="de-DE" dirty="0">
                 <a:cs typeface="Calibri"/>
               </a:rPr>
               <a:t>Evaluation von Softwarequalität</a:t>
@@ -15034,11 +15035,37 @@
               <a:buChar char="•"/>
             </a:pPr>
             <a:r>
-              <a:rPr lang="de-DE">
+              <a:rPr lang="de-DE" dirty="0">
                 <a:cs typeface="Calibri"/>
               </a:rPr>
               <a:t>Vorhersage von Softwarequalität</a:t>
             </a:r>
+          </a:p>
+          <a:p>
+            <a:pPr lvl="8" algn="l">
+              <a:lnSpc>
+                <a:spcPct val="150000"/>
+              </a:lnSpc>
+            </a:pPr>
+            <a:endParaRPr lang="de-DE" dirty="0">
+              <a:cs typeface="Calibri"/>
+            </a:endParaRPr>
+          </a:p>
+          <a:p>
+            <a:pPr lvl="8" algn="l">
+              <a:lnSpc>
+                <a:spcPct val="150000"/>
+              </a:lnSpc>
+            </a:pPr>
+            <a:r>
+              <a:rPr lang="de-DE" dirty="0">
+                <a:cs typeface="Calibri"/>
+              </a:rPr>
+              <a:t>           </a:t>
+            </a:r>
+            <a:endParaRPr lang="de-DE" sz="2400" dirty="0">
+              <a:cs typeface="Calibri"/>
+            </a:endParaRPr>
           </a:p>
         </p:txBody>
       </p:sp>
@@ -15610,24 +15637,24 @@
               <a:buChar char="•"/>
             </a:pPr>
             <a:r>
-              <a:rPr lang="de-DE">
+              <a:rPr lang="de-DE" dirty="0">
                 <a:cs typeface="Calibri"/>
               </a:rPr>
               <a:t>Softwarequalität -&gt; Erfüllung von Anforderungen eines Softwareprodukts nach </a:t>
             </a:r>
             <a:r>
-              <a:rPr lang="de-DE"/>
+              <a:rPr lang="de-DE" dirty="0"/>
               <a:t>ISO/</a:t>
             </a:r>
             <a:r>
-              <a:rPr lang="de-DE" u="sng"/>
+              <a:rPr lang="de-DE" u="sng" dirty="0"/>
               <a:t>IEC</a:t>
             </a:r>
             <a:r>
-              <a:rPr lang="de-DE"/>
+              <a:rPr lang="de-DE" dirty="0"/>
               <a:t> 25000</a:t>
             </a:r>
-            <a:endParaRPr lang="de-DE">
+            <a:endParaRPr lang="de-DE" dirty="0">
               <a:cs typeface="Calibri"/>
             </a:endParaRPr>
           </a:p>
@@ -15639,7 +15666,7 @@
               <a:buChar char="•"/>
             </a:pPr>
             <a:r>
-              <a:rPr lang="de-DE">
+              <a:rPr lang="de-DE" dirty="0">
                 <a:cs typeface="Calibri"/>
               </a:rPr>
               <a:t>Methoden zur Qualitätssicherung</a:t>
@@ -15653,7 +15680,7 @@
               <a:buChar char="•"/>
             </a:pPr>
             <a:r>
-              <a:rPr lang="de-DE">
+              <a:rPr lang="de-DE" dirty="0">
                 <a:cs typeface="Calibri"/>
               </a:rPr>
               <a:t>Testmethoden</a:t>
@@ -15667,7 +15694,7 @@
               <a:buChar char="•"/>
             </a:pPr>
             <a:r>
-              <a:rPr lang="de-DE">
+              <a:rPr lang="de-DE" dirty="0">
                 <a:cs typeface="Calibri"/>
               </a:rPr>
               <a:t>Testwerkzeug</a:t>
@@ -15681,7 +15708,7 @@
               <a:buChar char="•"/>
             </a:pPr>
             <a:r>
-              <a:rPr lang="de-DE">
+              <a:rPr lang="de-DE" dirty="0">
                 <a:cs typeface="Calibri"/>
               </a:rPr>
               <a:t>Schulungen von Mitarbeitern</a:t>
@@ -15695,10 +15722,16 @@
               <a:buChar char="•"/>
             </a:pPr>
             <a:r>
-              <a:rPr lang="de-DE">
-                <a:cs typeface="Calibri"/>
-              </a:rPr>
-              <a:t>…</a:t>
+              <a:rPr lang="de-DE" dirty="0">
+                <a:cs typeface="Calibri"/>
+              </a:rPr>
+              <a:t>…			            </a:t>
+            </a:r>
+            <a:r>
+              <a:rPr lang="de-DE" sz="2400" dirty="0">
+                <a:cs typeface="Calibri"/>
+              </a:rPr>
+              <a:t>[29]</a:t>
             </a:r>
           </a:p>
         </p:txBody>
@@ -16270,7 +16303,7 @@
               <a:buChar char="•"/>
             </a:pPr>
             <a:r>
-              <a:rPr lang="de-DE">
+              <a:rPr lang="de-DE" dirty="0">
                 <a:cs typeface="Calibri"/>
               </a:rPr>
               <a:t>Absicherung eines bestehenden Systems durch funktionale Softwaretests</a:t>
@@ -16284,7 +16317,7 @@
               <a:buChar char="•"/>
             </a:pPr>
             <a:r>
-              <a:rPr lang="de-DE">
+              <a:rPr lang="de-DE" dirty="0">
                 <a:cs typeface="Calibri"/>
               </a:rPr>
               <a:t>Erzeugen von Testdaten</a:t>
@@ -16298,7 +16331,7 @@
               <a:buChar char="•"/>
             </a:pPr>
             <a:r>
-              <a:rPr lang="de-DE">
+              <a:rPr lang="de-DE" dirty="0">
                 <a:cs typeface="Calibri"/>
               </a:rPr>
               <a:t>Erzeugen von Erwartungswerten</a:t>
@@ -16312,7 +16345,7 @@
               <a:buChar char="•"/>
             </a:pPr>
             <a:r>
-              <a:rPr lang="de-DE">
+              <a:rPr lang="de-DE" dirty="0">
                 <a:cs typeface="Calibri"/>
               </a:rPr>
               <a:t>Training des NN mit Testdaten und Erwartungswerten</a:t>
@@ -16326,10 +16359,29 @@
               <a:buChar char="•"/>
             </a:pPr>
             <a:r>
-              <a:rPr lang="de-DE">
+              <a:rPr lang="de-DE" dirty="0">
                 <a:cs typeface="Calibri"/>
               </a:rPr>
               <a:t>Ableiten von Testfällen</a:t>
+            </a:r>
+          </a:p>
+          <a:p>
+            <a:pPr lvl="7" algn="l">
+              <a:lnSpc>
+                <a:spcPct val="150000"/>
+              </a:lnSpc>
+            </a:pPr>
+            <a:r>
+              <a:rPr lang="de-DE" dirty="0">
+                <a:cs typeface="Calibri"/>
+              </a:rPr>
+              <a:t>	            </a:t>
+            </a:r>
+            <a:r>
+              <a:rPr lang="de-DE" sz="2400" dirty="0">
+                <a:cs typeface="Calibri"/>
+              </a:rPr>
+              <a:t>[32]</a:t>
             </a:r>
           </a:p>
         </p:txBody>
@@ -16348,6 +16400,206 @@
 </file>
 
 <file path=ppt/slides/slide28.xml><?xml version="1.0" encoding="utf-8"?>
+<p:sld xmlns:a="http://schemas.openxmlformats.org/drawingml/2006/main" xmlns:r="http://schemas.openxmlformats.org/officeDocument/2006/relationships" xmlns:p="http://schemas.openxmlformats.org/presentationml/2006/main">
+  <p:cSld>
+    <p:spTree>
+      <p:nvGrpSpPr>
+        <p:cNvPr id="1" name=""/>
+        <p:cNvGrpSpPr/>
+        <p:nvPr/>
+      </p:nvGrpSpPr>
+      <p:grpSpPr>
+        <a:xfrm>
+          <a:off x="0" y="0"/>
+          <a:ext cx="0" cy="0"/>
+          <a:chOff x="0" y="0"/>
+          <a:chExt cx="0" cy="0"/>
+        </a:xfrm>
+      </p:grpSpPr>
+      <p:pic>
+        <p:nvPicPr>
+          <p:cNvPr id="4" name="Grafik 4">
+            <a:extLst>
+              <a:ext uri="{FF2B5EF4-FFF2-40B4-BE49-F238E27FC236}">
+                <a16:creationId xmlns:a16="http://schemas.microsoft.com/office/drawing/2014/main" id="{B2D52235-B3FE-4301-8907-77C8B8C93DC7}"/>
+              </a:ext>
+            </a:extLst>
+          </p:cNvPr>
+          <p:cNvPicPr>
+            <a:picLocks noChangeAspect="1"/>
+          </p:cNvPicPr>
+          <p:nvPr/>
+        </p:nvPicPr>
+        <p:blipFill>
+          <a:blip r:embed="rId2"/>
+          <a:stretch>
+            <a:fillRect/>
+          </a:stretch>
+        </p:blipFill>
+        <p:spPr>
+          <a:xfrm>
+            <a:off x="10269745" y="-690"/>
+            <a:ext cx="1924050" cy="1343025"/>
+          </a:xfrm>
+          <a:prstGeom prst="rect">
+            <a:avLst/>
+          </a:prstGeom>
+        </p:spPr>
+      </p:pic>
+      <p:pic>
+        <p:nvPicPr>
+          <p:cNvPr id="6" name="Grafik 6">
+            <a:extLst>
+              <a:ext uri="{FF2B5EF4-FFF2-40B4-BE49-F238E27FC236}">
+                <a16:creationId xmlns:a16="http://schemas.microsoft.com/office/drawing/2014/main" id="{EAAC0DC2-A3AA-4BDD-8444-F06FD0B4D9BA}"/>
+              </a:ext>
+            </a:extLst>
+          </p:cNvPr>
+          <p:cNvPicPr>
+            <a:picLocks noChangeAspect="1"/>
+          </p:cNvPicPr>
+          <p:nvPr/>
+        </p:nvPicPr>
+        <p:blipFill>
+          <a:blip r:embed="rId3"/>
+          <a:stretch>
+            <a:fillRect/>
+          </a:stretch>
+        </p:blipFill>
+        <p:spPr>
+          <a:xfrm>
+            <a:off x="-1380" y="6293403"/>
+            <a:ext cx="12201525" cy="476250"/>
+          </a:xfrm>
+          <a:prstGeom prst="rect">
+            <a:avLst/>
+          </a:prstGeom>
+        </p:spPr>
+      </p:pic>
+      <p:sp>
+        <p:nvSpPr>
+          <p:cNvPr id="12" name="Textfeld 11">
+            <a:extLst>
+              <a:ext uri="{FF2B5EF4-FFF2-40B4-BE49-F238E27FC236}">
+                <a16:creationId xmlns:a16="http://schemas.microsoft.com/office/drawing/2014/main" id="{78EC26CB-B0D9-45FA-82F7-A69F694A4814}"/>
+              </a:ext>
+            </a:extLst>
+          </p:cNvPr>
+          <p:cNvSpPr txBox="1"/>
+          <p:nvPr/>
+        </p:nvSpPr>
+        <p:spPr>
+          <a:xfrm>
+            <a:off x="7231268" y="6397487"/>
+            <a:ext cx="4830417" cy="276999"/>
+          </a:xfrm>
+          <a:prstGeom prst="rect">
+            <a:avLst/>
+          </a:prstGeom>
+        </p:spPr>
+        <p:txBody>
+          <a:bodyPr rot="0" spcFirstLastPara="0" vertOverflow="overflow" horzOverflow="overflow" vert="horz" wrap="square" lIns="91440" tIns="45720" rIns="91440" bIns="45720" numCol="1" spcCol="0" rtlCol="0" fromWordArt="0" anchor="t" anchorCtr="0" forceAA="0" compatLnSpc="1">
+            <a:prstTxWarp prst="textNoShape">
+              <a:avLst/>
+            </a:prstTxWarp>
+            <a:spAutoFit/>
+          </a:bodyPr>
+          <a:lstStyle/>
+          <a:p>
+            <a:r>
+              <a:rPr lang="de-DE" sz="1200">
+                <a:cs typeface="Calibri"/>
+              </a:rPr>
+              <a:t>Neuronale Netze in der Softwaretechnik – Robin S., Konstantin R., Ravell H.</a:t>
+            </a:r>
+          </a:p>
+        </p:txBody>
+      </p:sp>
+      <p:pic>
+        <p:nvPicPr>
+          <p:cNvPr id="7" name="Grafik 6">
+            <a:extLst>
+              <a:ext uri="{FF2B5EF4-FFF2-40B4-BE49-F238E27FC236}">
+                <a16:creationId xmlns:a16="http://schemas.microsoft.com/office/drawing/2014/main" id="{CB0BBCEE-27B3-4B42-B6DD-E5FB09103404}"/>
+              </a:ext>
+            </a:extLst>
+          </p:cNvPr>
+          <p:cNvPicPr>
+            <a:picLocks noChangeAspect="1"/>
+          </p:cNvPicPr>
+          <p:nvPr/>
+        </p:nvPicPr>
+        <p:blipFill>
+          <a:blip r:embed="rId4">
+            <a:extLst>
+              <a:ext uri="{28A0092B-C50C-407E-A947-70E740481C1C}">
+                <a14:useLocalDpi xmlns:a14="http://schemas.microsoft.com/office/drawing/2010/main" val="0"/>
+              </a:ext>
+            </a:extLst>
+          </a:blip>
+          <a:stretch>
+            <a:fillRect/>
+          </a:stretch>
+        </p:blipFill>
+        <p:spPr>
+          <a:xfrm>
+            <a:off x="3570514" y="202963"/>
+            <a:ext cx="4346921" cy="6036011"/>
+          </a:xfrm>
+          <a:prstGeom prst="rect">
+            <a:avLst/>
+          </a:prstGeom>
+        </p:spPr>
+      </p:pic>
+      <p:sp>
+        <p:nvSpPr>
+          <p:cNvPr id="9" name="Textfeld 8">
+            <a:extLst>
+              <a:ext uri="{FF2B5EF4-FFF2-40B4-BE49-F238E27FC236}">
+                <a16:creationId xmlns:a16="http://schemas.microsoft.com/office/drawing/2014/main" id="{916E5BE4-06A7-41AC-8797-02EE11F68D01}"/>
+              </a:ext>
+            </a:extLst>
+          </p:cNvPr>
+          <p:cNvSpPr txBox="1"/>
+          <p:nvPr/>
+        </p:nvSpPr>
+        <p:spPr>
+          <a:xfrm>
+            <a:off x="8033656" y="5643063"/>
+            <a:ext cx="968829" cy="461665"/>
+          </a:xfrm>
+          <a:prstGeom prst="rect">
+            <a:avLst/>
+          </a:prstGeom>
+          <a:noFill/>
+        </p:spPr>
+        <p:txBody>
+          <a:bodyPr wrap="square" rtlCol="0">
+            <a:spAutoFit/>
+          </a:bodyPr>
+          <a:lstStyle/>
+          <a:p>
+            <a:r>
+              <a:rPr lang="de-DE" sz="2400" dirty="0"/>
+              <a:t>[32]</a:t>
+            </a:r>
+          </a:p>
+        </p:txBody>
+      </p:sp>
+    </p:spTree>
+    <p:extLst>
+      <p:ext uri="{BB962C8B-B14F-4D97-AF65-F5344CB8AC3E}">
+        <p14:creationId xmlns:p14="http://schemas.microsoft.com/office/powerpoint/2010/main" val="2417566609"/>
+      </p:ext>
+    </p:extLst>
+  </p:cSld>
+  <p:clrMapOvr>
+    <a:masterClrMapping/>
+  </p:clrMapOvr>
+</p:sld>
+</file>
+
+<file path=ppt/slides/slide29.xml><?xml version="1.0" encoding="utf-8"?>
 <p:sld xmlns:a="http://schemas.openxmlformats.org/drawingml/2006/main" xmlns:r="http://schemas.openxmlformats.org/officeDocument/2006/relationships" xmlns:p="http://schemas.openxmlformats.org/presentationml/2006/main">
   <p:cSld>
     <p:spTree>
@@ -16920,7 +17172,7 @@
           <p:nvPr>
             <p:extLst>
               <p:ext uri="{D42A27DB-BD31-4B8C-83A1-F6EECF244321}">
-                <p14:modId xmlns:p14="http://schemas.microsoft.com/office/powerpoint/2010/main" val="3302778874"/>
+                <p14:modId xmlns:p14="http://schemas.microsoft.com/office/powerpoint/2010/main" val="1293363211"/>
               </p:ext>
             </p:extLst>
           </p:nvPr>
@@ -17063,7 +17315,7 @@
                     <a:lstStyle/>
                     <a:p>
                       <a:r>
-                        <a:rPr lang="de-DE" sz="2300"/>
+                        <a:rPr lang="de-DE" sz="2300" dirty="0"/>
                         <a:t>Initialer Aufwand</a:t>
                       </a:r>
                     </a:p>
@@ -17084,6 +17336,41 @@
           </a:graphicData>
         </a:graphic>
       </p:graphicFrame>
+      <p:sp>
+        <p:nvSpPr>
+          <p:cNvPr id="11" name="Textfeld 10">
+            <a:extLst>
+              <a:ext uri="{FF2B5EF4-FFF2-40B4-BE49-F238E27FC236}">
+                <a16:creationId xmlns:a16="http://schemas.microsoft.com/office/drawing/2014/main" id="{E8013D07-C376-4ECD-94ED-5C5B4608E8F8}"/>
+              </a:ext>
+            </a:extLst>
+          </p:cNvPr>
+          <p:cNvSpPr txBox="1"/>
+          <p:nvPr/>
+        </p:nvSpPr>
+        <p:spPr>
+          <a:xfrm>
+            <a:off x="5355689" y="5502916"/>
+            <a:ext cx="729668" cy="461665"/>
+          </a:xfrm>
+          <a:prstGeom prst="rect">
+            <a:avLst/>
+          </a:prstGeom>
+          <a:noFill/>
+        </p:spPr>
+        <p:txBody>
+          <a:bodyPr wrap="square" rtlCol="0">
+            <a:spAutoFit/>
+          </a:bodyPr>
+          <a:lstStyle/>
+          <a:p>
+            <a:r>
+              <a:rPr lang="de-DE" sz="2400" dirty="0"/>
+              <a:t>[32]</a:t>
+            </a:r>
+          </a:p>
+        </p:txBody>
+      </p:sp>
     </p:spTree>
     <p:extLst>
       <p:ext uri="{BB962C8B-B14F-4D97-AF65-F5344CB8AC3E}">
@@ -17097,7 +17384,311 @@
 </p:sld>
 </file>
 
-<file path=ppt/slides/slide29.xml><?xml version="1.0" encoding="utf-8"?>
+<file path=ppt/slides/slide3.xml><?xml version="1.0" encoding="utf-8"?>
+<p:sld xmlns:a="http://schemas.openxmlformats.org/drawingml/2006/main" xmlns:r="http://schemas.openxmlformats.org/officeDocument/2006/relationships" xmlns:p="http://schemas.openxmlformats.org/presentationml/2006/main">
+  <p:cSld>
+    <p:spTree>
+      <p:nvGrpSpPr>
+        <p:cNvPr id="1" name=""/>
+        <p:cNvGrpSpPr/>
+        <p:nvPr/>
+      </p:nvGrpSpPr>
+      <p:grpSpPr>
+        <a:xfrm>
+          <a:off x="0" y="0"/>
+          <a:ext cx="0" cy="0"/>
+          <a:chOff x="0" y="0"/>
+          <a:chExt cx="0" cy="0"/>
+        </a:xfrm>
+      </p:grpSpPr>
+      <p:sp>
+        <p:nvSpPr>
+          <p:cNvPr id="2" name="Titel 1"/>
+          <p:cNvSpPr>
+            <a:spLocks noGrp="1"/>
+          </p:cNvSpPr>
+          <p:nvPr>
+            <p:ph type="ctrTitle"/>
+          </p:nvPr>
+        </p:nvSpPr>
+        <p:spPr>
+          <a:xfrm>
+            <a:off x="1524000" y="216798"/>
+            <a:ext cx="9144000" cy="907774"/>
+          </a:xfrm>
+        </p:spPr>
+        <p:txBody>
+          <a:bodyPr>
+            <a:normAutofit fontScale="90000"/>
+          </a:bodyPr>
+          <a:lstStyle/>
+          <a:p>
+            <a:r>
+              <a:rPr lang="de-DE" dirty="0">
+                <a:cs typeface="Calibri Light"/>
+              </a:rPr>
+              <a:t>Gliederung (Konstantin R.)</a:t>
+            </a:r>
+            <a:endParaRPr lang="de-DE" dirty="0"/>
+          </a:p>
+        </p:txBody>
+      </p:sp>
+      <p:sp>
+        <p:nvSpPr>
+          <p:cNvPr id="3" name="Untertitel 2"/>
+          <p:cNvSpPr>
+            <a:spLocks noGrp="1"/>
+          </p:cNvSpPr>
+          <p:nvPr>
+            <p:ph type="subTitle" idx="1"/>
+          </p:nvPr>
+        </p:nvSpPr>
+        <p:spPr>
+          <a:xfrm>
+            <a:off x="1524000" y="1558994"/>
+            <a:ext cx="9144000" cy="4295153"/>
+          </a:xfrm>
+        </p:spPr>
+        <p:txBody>
+          <a:bodyPr vert="horz" lIns="91440" tIns="45720" rIns="91440" bIns="45720" rtlCol="0" anchor="t">
+            <a:normAutofit/>
+          </a:bodyPr>
+          <a:lstStyle/>
+          <a:p>
+            <a:pPr marL="457200" indent="-457200" algn="l">
+              <a:lnSpc>
+                <a:spcPct val="150000"/>
+              </a:lnSpc>
+              <a:buAutoNum type="arabicPeriod"/>
+            </a:pPr>
+            <a:r>
+              <a:rPr lang="de-DE">
+                <a:cs typeface="Calibri"/>
+              </a:rPr>
+              <a:t>Neuronale Netze</a:t>
+            </a:r>
+          </a:p>
+          <a:p>
+            <a:pPr marL="457200" indent="-457200" algn="l">
+              <a:lnSpc>
+                <a:spcPct val="150000"/>
+              </a:lnSpc>
+              <a:buAutoNum type="arabicPeriod"/>
+            </a:pPr>
+            <a:r>
+              <a:rPr lang="de-DE">
+                <a:cs typeface="Calibri"/>
+              </a:rPr>
+              <a:t>Mustererkennung</a:t>
+            </a:r>
+          </a:p>
+          <a:p>
+            <a:pPr marL="457200" indent="-457200" algn="l">
+              <a:lnSpc>
+                <a:spcPct val="150000"/>
+              </a:lnSpc>
+              <a:buAutoNum type="arabicPeriod"/>
+            </a:pPr>
+            <a:r>
+              <a:rPr lang="de-DE">
+                <a:cs typeface="Calibri"/>
+              </a:rPr>
+              <a:t>Kosten- und Aufwandsschätzung</a:t>
+            </a:r>
+          </a:p>
+          <a:p>
+            <a:pPr marL="457200" indent="-457200" algn="l">
+              <a:lnSpc>
+                <a:spcPct val="150000"/>
+              </a:lnSpc>
+              <a:buAutoNum type="arabicPeriod"/>
+            </a:pPr>
+            <a:r>
+              <a:rPr lang="de-DE">
+                <a:cs typeface="Calibri"/>
+              </a:rPr>
+              <a:t>Softwarequalität</a:t>
+            </a:r>
+          </a:p>
+          <a:p>
+            <a:pPr marL="457200" indent="-457200" algn="l">
+              <a:lnSpc>
+                <a:spcPct val="150000"/>
+              </a:lnSpc>
+              <a:buAutoNum type="arabicPeriod"/>
+            </a:pPr>
+            <a:r>
+              <a:rPr lang="de-DE">
+                <a:cs typeface="Calibri"/>
+              </a:rPr>
+              <a:t>Fazit</a:t>
+            </a:r>
+          </a:p>
+          <a:p>
+            <a:pPr marL="457200" indent="-457200" algn="l">
+              <a:lnSpc>
+                <a:spcPct val="150000"/>
+              </a:lnSpc>
+              <a:buAutoNum type="arabicPeriod"/>
+            </a:pPr>
+            <a:r>
+              <a:rPr lang="de-DE">
+                <a:cs typeface="Calibri"/>
+              </a:rPr>
+              <a:t>Literaturverzeichnis</a:t>
+            </a:r>
+          </a:p>
+        </p:txBody>
+      </p:sp>
+      <p:pic>
+        <p:nvPicPr>
+          <p:cNvPr id="4" name="Grafik 4">
+            <a:extLst>
+              <a:ext uri="{FF2B5EF4-FFF2-40B4-BE49-F238E27FC236}">
+                <a16:creationId xmlns:a16="http://schemas.microsoft.com/office/drawing/2014/main" id="{B2D52235-B3FE-4301-8907-77C8B8C93DC7}"/>
+              </a:ext>
+            </a:extLst>
+          </p:cNvPr>
+          <p:cNvPicPr>
+            <a:picLocks noChangeAspect="1"/>
+          </p:cNvPicPr>
+          <p:nvPr/>
+        </p:nvPicPr>
+        <p:blipFill>
+          <a:blip r:embed="rId2"/>
+          <a:stretch>
+            <a:fillRect/>
+          </a:stretch>
+        </p:blipFill>
+        <p:spPr>
+          <a:xfrm>
+            <a:off x="10269745" y="-690"/>
+            <a:ext cx="1924050" cy="1343025"/>
+          </a:xfrm>
+          <a:prstGeom prst="rect">
+            <a:avLst/>
+          </a:prstGeom>
+        </p:spPr>
+      </p:pic>
+      <p:pic>
+        <p:nvPicPr>
+          <p:cNvPr id="6" name="Grafik 6">
+            <a:extLst>
+              <a:ext uri="{FF2B5EF4-FFF2-40B4-BE49-F238E27FC236}">
+                <a16:creationId xmlns:a16="http://schemas.microsoft.com/office/drawing/2014/main" id="{EAAC0DC2-A3AA-4BDD-8444-F06FD0B4D9BA}"/>
+              </a:ext>
+            </a:extLst>
+          </p:cNvPr>
+          <p:cNvPicPr>
+            <a:picLocks noChangeAspect="1"/>
+          </p:cNvPicPr>
+          <p:nvPr/>
+        </p:nvPicPr>
+        <p:blipFill>
+          <a:blip r:embed="rId3"/>
+          <a:stretch>
+            <a:fillRect/>
+          </a:stretch>
+        </p:blipFill>
+        <p:spPr>
+          <a:xfrm>
+            <a:off x="-1380" y="6293403"/>
+            <a:ext cx="12201525" cy="476250"/>
+          </a:xfrm>
+          <a:prstGeom prst="rect">
+            <a:avLst/>
+          </a:prstGeom>
+        </p:spPr>
+      </p:pic>
+      <p:sp>
+        <p:nvSpPr>
+          <p:cNvPr id="5" name="Textfeld 4">
+            <a:extLst>
+              <a:ext uri="{FF2B5EF4-FFF2-40B4-BE49-F238E27FC236}">
+                <a16:creationId xmlns:a16="http://schemas.microsoft.com/office/drawing/2014/main" id="{1B7FB5AD-C3DA-4F64-86DB-F0D223EB8ADD}"/>
+              </a:ext>
+            </a:extLst>
+          </p:cNvPr>
+          <p:cNvSpPr txBox="1"/>
+          <p:nvPr/>
+        </p:nvSpPr>
+        <p:spPr>
+          <a:xfrm>
+            <a:off x="7120834" y="6375400"/>
+            <a:ext cx="5084418" cy="307777"/>
+          </a:xfrm>
+          <a:prstGeom prst="rect">
+            <a:avLst/>
+          </a:prstGeom>
+        </p:spPr>
+        <p:txBody>
+          <a:bodyPr rot="0" spcFirstLastPara="0" vertOverflow="overflow" horzOverflow="overflow" vert="horz" wrap="square" lIns="91440" tIns="45720" rIns="91440" bIns="45720" numCol="1" spcCol="0" rtlCol="0" fromWordArt="0" anchor="t" anchorCtr="0" forceAA="0" compatLnSpc="1">
+            <a:prstTxWarp prst="textNoShape">
+              <a:avLst/>
+            </a:prstTxWarp>
+            <a:spAutoFit/>
+          </a:bodyPr>
+          <a:lstStyle/>
+          <a:p>
+            <a:endParaRPr lang="de-DE" sz="1400">
+              <a:cs typeface="Calibri"/>
+            </a:endParaRPr>
+          </a:p>
+        </p:txBody>
+      </p:sp>
+      <p:sp>
+        <p:nvSpPr>
+          <p:cNvPr id="8" name="Textfeld 7">
+            <a:extLst>
+              <a:ext uri="{FF2B5EF4-FFF2-40B4-BE49-F238E27FC236}">
+                <a16:creationId xmlns:a16="http://schemas.microsoft.com/office/drawing/2014/main" id="{1AA556E1-C8CA-4732-AC5C-2FE57CE5D968}"/>
+              </a:ext>
+            </a:extLst>
+          </p:cNvPr>
+          <p:cNvSpPr txBox="1"/>
+          <p:nvPr/>
+        </p:nvSpPr>
+        <p:spPr>
+          <a:xfrm>
+            <a:off x="7231268" y="6397487"/>
+            <a:ext cx="4830417" cy="276999"/>
+          </a:xfrm>
+          <a:prstGeom prst="rect">
+            <a:avLst/>
+          </a:prstGeom>
+        </p:spPr>
+        <p:txBody>
+          <a:bodyPr rot="0" spcFirstLastPara="0" vertOverflow="overflow" horzOverflow="overflow" vert="horz" wrap="square" lIns="91440" tIns="45720" rIns="91440" bIns="45720" numCol="1" spcCol="0" rtlCol="0" fromWordArt="0" anchor="t" anchorCtr="0" forceAA="0" compatLnSpc="1">
+            <a:prstTxWarp prst="textNoShape">
+              <a:avLst/>
+            </a:prstTxWarp>
+            <a:spAutoFit/>
+          </a:bodyPr>
+          <a:lstStyle/>
+          <a:p>
+            <a:r>
+              <a:rPr lang="de-DE" sz="1200">
+                <a:cs typeface="Calibri"/>
+              </a:rPr>
+              <a:t>Neuronale Netze in der Softwaretechnik – Robin S., Konstantin R., Ravell H.</a:t>
+            </a:r>
+          </a:p>
+        </p:txBody>
+      </p:sp>
+    </p:spTree>
+    <p:extLst>
+      <p:ext uri="{BB962C8B-B14F-4D97-AF65-F5344CB8AC3E}">
+        <p14:creationId xmlns:p14="http://schemas.microsoft.com/office/powerpoint/2010/main" val="157624231"/>
+      </p:ext>
+    </p:extLst>
+  </p:cSld>
+  <p:clrMapOvr>
+    <a:masterClrMapping/>
+  </p:clrMapOvr>
+</p:sld>
+</file>
+
+<file path=ppt/slides/slide30.xml><?xml version="1.0" encoding="utf-8"?>
 <p:sld xmlns:a="http://schemas.openxmlformats.org/drawingml/2006/main" xmlns:r="http://schemas.openxmlformats.org/officeDocument/2006/relationships" xmlns:p="http://schemas.openxmlformats.org/presentationml/2006/main">
   <p:cSld>
     <p:spTree>
@@ -17651,7 +18242,7 @@
               <a:buChar char="•"/>
             </a:pPr>
             <a:r>
-              <a:rPr lang="de-DE">
+              <a:rPr lang="de-DE" dirty="0">
                 <a:cs typeface="Calibri"/>
               </a:rPr>
               <a:t>Softwareeigenschaften werden Zahlen zugeordnet</a:t>
@@ -17665,7 +18256,7 @@
               <a:buChar char="•"/>
             </a:pPr>
             <a:r>
-              <a:rPr lang="de-DE">
+              <a:rPr lang="de-DE" dirty="0">
                 <a:cs typeface="Calibri"/>
               </a:rPr>
               <a:t>Bsp.  Anzahl Verzweigungen, Anzahl der Klassen…</a:t>
@@ -17680,7 +18271,7 @@
               <a:buChar char="•"/>
             </a:pPr>
             <a:r>
-              <a:rPr lang="de-DE">
+              <a:rPr lang="de-DE" dirty="0">
                 <a:cs typeface="Calibri"/>
               </a:rPr>
               <a:t>Dient der qualitativen Einschätzung eines Softwareprodukts</a:t>
@@ -17692,9 +18283,32 @@
                 <a:spcPct val="150000"/>
               </a:lnSpc>
             </a:pPr>
-            <a:endParaRPr lang="de-DE">
+            <a:endParaRPr lang="de-DE" dirty="0">
               <a:cs typeface="Calibri"/>
             </a:endParaRPr>
+          </a:p>
+          <a:p>
+            <a:pPr algn="l">
+              <a:lnSpc>
+                <a:spcPct val="150000"/>
+              </a:lnSpc>
+            </a:pPr>
+            <a:endParaRPr lang="de-DE" dirty="0">
+              <a:cs typeface="Calibri"/>
+            </a:endParaRPr>
+          </a:p>
+          <a:p>
+            <a:pPr algn="l">
+              <a:lnSpc>
+                <a:spcPct val="150000"/>
+              </a:lnSpc>
+            </a:pPr>
+            <a:r>
+              <a:rPr lang="de-DE" dirty="0">
+                <a:cs typeface="Calibri"/>
+              </a:rPr>
+              <a:t>				        [31]</a:t>
+            </a:r>
           </a:p>
         </p:txBody>
       </p:sp>
@@ -17711,311 +18325,7 @@
 </p:sld>
 </file>
 
-<file path=ppt/slides/slide3.xml><?xml version="1.0" encoding="utf-8"?>
-<p:sld xmlns:a="http://schemas.openxmlformats.org/drawingml/2006/main" xmlns:r="http://schemas.openxmlformats.org/officeDocument/2006/relationships" xmlns:p="http://schemas.openxmlformats.org/presentationml/2006/main">
-  <p:cSld>
-    <p:spTree>
-      <p:nvGrpSpPr>
-        <p:cNvPr id="1" name=""/>
-        <p:cNvGrpSpPr/>
-        <p:nvPr/>
-      </p:nvGrpSpPr>
-      <p:grpSpPr>
-        <a:xfrm>
-          <a:off x="0" y="0"/>
-          <a:ext cx="0" cy="0"/>
-          <a:chOff x="0" y="0"/>
-          <a:chExt cx="0" cy="0"/>
-        </a:xfrm>
-      </p:grpSpPr>
-      <p:sp>
-        <p:nvSpPr>
-          <p:cNvPr id="2" name="Titel 1"/>
-          <p:cNvSpPr>
-            <a:spLocks noGrp="1"/>
-          </p:cNvSpPr>
-          <p:nvPr>
-            <p:ph type="ctrTitle"/>
-          </p:nvPr>
-        </p:nvSpPr>
-        <p:spPr>
-          <a:xfrm>
-            <a:off x="1524000" y="216798"/>
-            <a:ext cx="9144000" cy="907774"/>
-          </a:xfrm>
-        </p:spPr>
-        <p:txBody>
-          <a:bodyPr>
-            <a:normAutofit fontScale="90000"/>
-          </a:bodyPr>
-          <a:lstStyle/>
-          <a:p>
-            <a:r>
-              <a:rPr lang="de-DE" dirty="0">
-                <a:cs typeface="Calibri Light"/>
-              </a:rPr>
-              <a:t>Gliederung (Konstantin R.)</a:t>
-            </a:r>
-            <a:endParaRPr lang="de-DE" dirty="0"/>
-          </a:p>
-        </p:txBody>
-      </p:sp>
-      <p:sp>
-        <p:nvSpPr>
-          <p:cNvPr id="3" name="Untertitel 2"/>
-          <p:cNvSpPr>
-            <a:spLocks noGrp="1"/>
-          </p:cNvSpPr>
-          <p:nvPr>
-            <p:ph type="subTitle" idx="1"/>
-          </p:nvPr>
-        </p:nvSpPr>
-        <p:spPr>
-          <a:xfrm>
-            <a:off x="1524000" y="1558994"/>
-            <a:ext cx="9144000" cy="4295153"/>
-          </a:xfrm>
-        </p:spPr>
-        <p:txBody>
-          <a:bodyPr vert="horz" lIns="91440" tIns="45720" rIns="91440" bIns="45720" rtlCol="0" anchor="t">
-            <a:normAutofit/>
-          </a:bodyPr>
-          <a:lstStyle/>
-          <a:p>
-            <a:pPr marL="457200" indent="-457200" algn="l">
-              <a:lnSpc>
-                <a:spcPct val="150000"/>
-              </a:lnSpc>
-              <a:buAutoNum type="arabicPeriod"/>
-            </a:pPr>
-            <a:r>
-              <a:rPr lang="de-DE">
-                <a:cs typeface="Calibri"/>
-              </a:rPr>
-              <a:t>Neuronale Netze</a:t>
-            </a:r>
-          </a:p>
-          <a:p>
-            <a:pPr marL="457200" indent="-457200" algn="l">
-              <a:lnSpc>
-                <a:spcPct val="150000"/>
-              </a:lnSpc>
-              <a:buAutoNum type="arabicPeriod"/>
-            </a:pPr>
-            <a:r>
-              <a:rPr lang="de-DE">
-                <a:cs typeface="Calibri"/>
-              </a:rPr>
-              <a:t>Mustererkennung</a:t>
-            </a:r>
-          </a:p>
-          <a:p>
-            <a:pPr marL="457200" indent="-457200" algn="l">
-              <a:lnSpc>
-                <a:spcPct val="150000"/>
-              </a:lnSpc>
-              <a:buAutoNum type="arabicPeriod"/>
-            </a:pPr>
-            <a:r>
-              <a:rPr lang="de-DE">
-                <a:cs typeface="Calibri"/>
-              </a:rPr>
-              <a:t>Kosten- und Aufwandsschätzung</a:t>
-            </a:r>
-          </a:p>
-          <a:p>
-            <a:pPr marL="457200" indent="-457200" algn="l">
-              <a:lnSpc>
-                <a:spcPct val="150000"/>
-              </a:lnSpc>
-              <a:buAutoNum type="arabicPeriod"/>
-            </a:pPr>
-            <a:r>
-              <a:rPr lang="de-DE">
-                <a:cs typeface="Calibri"/>
-              </a:rPr>
-              <a:t>Softwarequalität</a:t>
-            </a:r>
-          </a:p>
-          <a:p>
-            <a:pPr marL="457200" indent="-457200" algn="l">
-              <a:lnSpc>
-                <a:spcPct val="150000"/>
-              </a:lnSpc>
-              <a:buAutoNum type="arabicPeriod"/>
-            </a:pPr>
-            <a:r>
-              <a:rPr lang="de-DE">
-                <a:cs typeface="Calibri"/>
-              </a:rPr>
-              <a:t>Fazit</a:t>
-            </a:r>
-          </a:p>
-          <a:p>
-            <a:pPr marL="457200" indent="-457200" algn="l">
-              <a:lnSpc>
-                <a:spcPct val="150000"/>
-              </a:lnSpc>
-              <a:buAutoNum type="arabicPeriod"/>
-            </a:pPr>
-            <a:r>
-              <a:rPr lang="de-DE">
-                <a:cs typeface="Calibri"/>
-              </a:rPr>
-              <a:t>Literaturverzeichnis</a:t>
-            </a:r>
-          </a:p>
-        </p:txBody>
-      </p:sp>
-      <p:pic>
-        <p:nvPicPr>
-          <p:cNvPr id="4" name="Grafik 4">
-            <a:extLst>
-              <a:ext uri="{FF2B5EF4-FFF2-40B4-BE49-F238E27FC236}">
-                <a16:creationId xmlns:a16="http://schemas.microsoft.com/office/drawing/2014/main" id="{B2D52235-B3FE-4301-8907-77C8B8C93DC7}"/>
-              </a:ext>
-            </a:extLst>
-          </p:cNvPr>
-          <p:cNvPicPr>
-            <a:picLocks noChangeAspect="1"/>
-          </p:cNvPicPr>
-          <p:nvPr/>
-        </p:nvPicPr>
-        <p:blipFill>
-          <a:blip r:embed="rId2"/>
-          <a:stretch>
-            <a:fillRect/>
-          </a:stretch>
-        </p:blipFill>
-        <p:spPr>
-          <a:xfrm>
-            <a:off x="10269745" y="-690"/>
-            <a:ext cx="1924050" cy="1343025"/>
-          </a:xfrm>
-          <a:prstGeom prst="rect">
-            <a:avLst/>
-          </a:prstGeom>
-        </p:spPr>
-      </p:pic>
-      <p:pic>
-        <p:nvPicPr>
-          <p:cNvPr id="6" name="Grafik 6">
-            <a:extLst>
-              <a:ext uri="{FF2B5EF4-FFF2-40B4-BE49-F238E27FC236}">
-                <a16:creationId xmlns:a16="http://schemas.microsoft.com/office/drawing/2014/main" id="{EAAC0DC2-A3AA-4BDD-8444-F06FD0B4D9BA}"/>
-              </a:ext>
-            </a:extLst>
-          </p:cNvPr>
-          <p:cNvPicPr>
-            <a:picLocks noChangeAspect="1"/>
-          </p:cNvPicPr>
-          <p:nvPr/>
-        </p:nvPicPr>
-        <p:blipFill>
-          <a:blip r:embed="rId3"/>
-          <a:stretch>
-            <a:fillRect/>
-          </a:stretch>
-        </p:blipFill>
-        <p:spPr>
-          <a:xfrm>
-            <a:off x="-1380" y="6293403"/>
-            <a:ext cx="12201525" cy="476250"/>
-          </a:xfrm>
-          <a:prstGeom prst="rect">
-            <a:avLst/>
-          </a:prstGeom>
-        </p:spPr>
-      </p:pic>
-      <p:sp>
-        <p:nvSpPr>
-          <p:cNvPr id="5" name="Textfeld 4">
-            <a:extLst>
-              <a:ext uri="{FF2B5EF4-FFF2-40B4-BE49-F238E27FC236}">
-                <a16:creationId xmlns:a16="http://schemas.microsoft.com/office/drawing/2014/main" id="{1B7FB5AD-C3DA-4F64-86DB-F0D223EB8ADD}"/>
-              </a:ext>
-            </a:extLst>
-          </p:cNvPr>
-          <p:cNvSpPr txBox="1"/>
-          <p:nvPr/>
-        </p:nvSpPr>
-        <p:spPr>
-          <a:xfrm>
-            <a:off x="7120834" y="6375400"/>
-            <a:ext cx="5084418" cy="307777"/>
-          </a:xfrm>
-          <a:prstGeom prst="rect">
-            <a:avLst/>
-          </a:prstGeom>
-        </p:spPr>
-        <p:txBody>
-          <a:bodyPr rot="0" spcFirstLastPara="0" vertOverflow="overflow" horzOverflow="overflow" vert="horz" wrap="square" lIns="91440" tIns="45720" rIns="91440" bIns="45720" numCol="1" spcCol="0" rtlCol="0" fromWordArt="0" anchor="t" anchorCtr="0" forceAA="0" compatLnSpc="1">
-            <a:prstTxWarp prst="textNoShape">
-              <a:avLst/>
-            </a:prstTxWarp>
-            <a:spAutoFit/>
-          </a:bodyPr>
-          <a:lstStyle/>
-          <a:p>
-            <a:endParaRPr lang="de-DE" sz="1400">
-              <a:cs typeface="Calibri"/>
-            </a:endParaRPr>
-          </a:p>
-        </p:txBody>
-      </p:sp>
-      <p:sp>
-        <p:nvSpPr>
-          <p:cNvPr id="8" name="Textfeld 7">
-            <a:extLst>
-              <a:ext uri="{FF2B5EF4-FFF2-40B4-BE49-F238E27FC236}">
-                <a16:creationId xmlns:a16="http://schemas.microsoft.com/office/drawing/2014/main" id="{1AA556E1-C8CA-4732-AC5C-2FE57CE5D968}"/>
-              </a:ext>
-            </a:extLst>
-          </p:cNvPr>
-          <p:cNvSpPr txBox="1"/>
-          <p:nvPr/>
-        </p:nvSpPr>
-        <p:spPr>
-          <a:xfrm>
-            <a:off x="7231268" y="6397487"/>
-            <a:ext cx="4830417" cy="276999"/>
-          </a:xfrm>
-          <a:prstGeom prst="rect">
-            <a:avLst/>
-          </a:prstGeom>
-        </p:spPr>
-        <p:txBody>
-          <a:bodyPr rot="0" spcFirstLastPara="0" vertOverflow="overflow" horzOverflow="overflow" vert="horz" wrap="square" lIns="91440" tIns="45720" rIns="91440" bIns="45720" numCol="1" spcCol="0" rtlCol="0" fromWordArt="0" anchor="t" anchorCtr="0" forceAA="0" compatLnSpc="1">
-            <a:prstTxWarp prst="textNoShape">
-              <a:avLst/>
-            </a:prstTxWarp>
-            <a:spAutoFit/>
-          </a:bodyPr>
-          <a:lstStyle/>
-          <a:p>
-            <a:r>
-              <a:rPr lang="de-DE" sz="1200">
-                <a:cs typeface="Calibri"/>
-              </a:rPr>
-              <a:t>Neuronale Netze in der Softwaretechnik – Robin S., Konstantin R., Ravell H.</a:t>
-            </a:r>
-          </a:p>
-        </p:txBody>
-      </p:sp>
-    </p:spTree>
-    <p:extLst>
-      <p:ext uri="{BB962C8B-B14F-4D97-AF65-F5344CB8AC3E}">
-        <p14:creationId xmlns:p14="http://schemas.microsoft.com/office/powerpoint/2010/main" val="157624231"/>
-      </p:ext>
-    </p:extLst>
-  </p:cSld>
-  <p:clrMapOvr>
-    <a:masterClrMapping/>
-  </p:clrMapOvr>
-</p:sld>
-</file>
-
-<file path=ppt/slides/slide30.xml><?xml version="1.0" encoding="utf-8"?>
+<file path=ppt/slides/slide31.xml><?xml version="1.0" encoding="utf-8"?>
 <p:sld xmlns:a="http://schemas.openxmlformats.org/drawingml/2006/main" xmlns:r="http://schemas.openxmlformats.org/officeDocument/2006/relationships" xmlns:p="http://schemas.openxmlformats.org/presentationml/2006/main">
   <p:cSld>
     <p:spTree>
@@ -18569,7 +18879,7 @@
               <a:buChar char="•"/>
             </a:pPr>
             <a:r>
-              <a:rPr lang="de-DE">
+              <a:rPr lang="de-DE" dirty="0">
                 <a:cs typeface="Calibri"/>
               </a:rPr>
               <a:t>Motivation:</a:t>
@@ -18583,7 +18893,7 @@
               <a:buChar char="•"/>
             </a:pPr>
             <a:r>
-              <a:rPr lang="de-DE">
+              <a:rPr lang="de-DE" dirty="0">
                 <a:cs typeface="Calibri"/>
               </a:rPr>
               <a:t>Frühzeitiges Erkennen von Mängeln</a:t>
@@ -18597,7 +18907,7 @@
               <a:buChar char="•"/>
             </a:pPr>
             <a:r>
-              <a:rPr lang="de-DE">
+              <a:rPr lang="de-DE" dirty="0">
                 <a:cs typeface="Calibri"/>
               </a:rPr>
               <a:t>Bessere Planung</a:t>
@@ -18611,10 +18921,36 @@
               <a:buChar char="•"/>
             </a:pPr>
             <a:r>
-              <a:rPr lang="de-DE">
-                <a:cs typeface="Calibri"/>
-              </a:rPr>
-              <a:t>Verarbeitung von Software Metriken</a:t>
+              <a:rPr lang="de-DE" dirty="0">
+                <a:cs typeface="Calibri"/>
+              </a:rPr>
+              <a:t>Input: Software Metriken	</a:t>
+            </a:r>
+          </a:p>
+          <a:p>
+            <a:pPr algn="l">
+              <a:lnSpc>
+                <a:spcPct val="150000"/>
+              </a:lnSpc>
+            </a:pPr>
+            <a:r>
+              <a:rPr lang="de-DE" dirty="0">
+                <a:cs typeface="Calibri"/>
+              </a:rPr>
+              <a:t>					</a:t>
+            </a:r>
+          </a:p>
+          <a:p>
+            <a:pPr algn="l">
+              <a:lnSpc>
+                <a:spcPct val="150000"/>
+              </a:lnSpc>
+            </a:pPr>
+            <a:r>
+              <a:rPr lang="de-DE" dirty="0">
+                <a:cs typeface="Calibri"/>
+              </a:rPr>
+              <a:t>				       [34]</a:t>
             </a:r>
           </a:p>
           <a:p>
@@ -18624,7 +18960,7 @@
               </a:lnSpc>
               <a:buChar char="•"/>
             </a:pPr>
-            <a:endParaRPr lang="de-DE">
+            <a:endParaRPr lang="de-DE" dirty="0">
               <a:cs typeface="Calibri"/>
             </a:endParaRPr>
           </a:p>
@@ -18643,7 +18979,7 @@
 </p:sld>
 </file>
 
-<file path=ppt/slides/slide31.xml><?xml version="1.0" encoding="utf-8"?>
+<file path=ppt/slides/slide32.xml><?xml version="1.0" encoding="utf-8"?>
 <p:sld xmlns:a="http://schemas.openxmlformats.org/drawingml/2006/main" xmlns:r="http://schemas.openxmlformats.org/officeDocument/2006/relationships" xmlns:p="http://schemas.openxmlformats.org/presentationml/2006/main">
   <p:cSld>
     <p:spTree>
@@ -19198,7 +19534,7 @@
               <a:buChar char="•"/>
             </a:pPr>
             <a:r>
-              <a:rPr lang="de-DE">
+              <a:rPr lang="de-DE" dirty="0">
                 <a:cs typeface="Calibri"/>
               </a:rPr>
               <a:t>Evaluation der Methode anhand alter Projekte</a:t>
@@ -19213,7 +19549,7 @@
               <a:buChar char="•"/>
             </a:pPr>
             <a:r>
-              <a:rPr lang="de-DE">
+              <a:rPr lang="de-DE" dirty="0">
                 <a:cs typeface="Calibri"/>
               </a:rPr>
               <a:t>Ergebnisse:</a:t>
@@ -19228,7 +19564,7 @@
               <a:buChar char="•"/>
             </a:pPr>
             <a:r>
-              <a:rPr lang="de-DE">
+              <a:rPr lang="de-DE" dirty="0">
                 <a:cs typeface="Calibri"/>
               </a:rPr>
               <a:t>Genaue Einschätzung</a:t>
@@ -19243,19 +19579,66 @@
               <a:buChar char="•"/>
             </a:pPr>
             <a:r>
-              <a:rPr lang="de-DE">
+              <a:rPr lang="de-DE" dirty="0">
                 <a:cs typeface="Calibri"/>
               </a:rPr>
               <a:t>Unzureichende Ergebnisse </a:t>
             </a:r>
             <a:r>
-              <a:rPr lang="de-DE">
+              <a:rPr lang="de-DE" dirty="0">
                 <a:cs typeface="Calibri"/>
                 <a:sym typeface="Wingdings" panose="05000000000000000000" pitchFamily="2" charset="2"/>
               </a:rPr>
               <a:t> Schlechte Ergebnisse</a:t>
             </a:r>
-            <a:endParaRPr lang="de-DE">
+          </a:p>
+          <a:p>
+            <a:pPr marL="800100" lvl="1" indent="-342900" algn="l">
+              <a:lnSpc>
+                <a:spcPct val="150000"/>
+              </a:lnSpc>
+              <a:buFont typeface="Arial" panose="020B0604020202020204" pitchFamily="34" charset="0"/>
+              <a:buChar char="•"/>
+            </a:pPr>
+            <a:endParaRPr lang="de-DE" dirty="0">
+              <a:cs typeface="Calibri"/>
+              <a:sym typeface="Wingdings" panose="05000000000000000000" pitchFamily="2" charset="2"/>
+            </a:endParaRPr>
+          </a:p>
+          <a:p>
+            <a:pPr marL="800100" lvl="1" indent="-342900" algn="l">
+              <a:lnSpc>
+                <a:spcPct val="150000"/>
+              </a:lnSpc>
+              <a:buFont typeface="Arial" panose="020B0604020202020204" pitchFamily="34" charset="0"/>
+              <a:buChar char="•"/>
+            </a:pPr>
+            <a:endParaRPr lang="de-DE" dirty="0">
+              <a:cs typeface="Calibri"/>
+              <a:sym typeface="Wingdings" panose="05000000000000000000" pitchFamily="2" charset="2"/>
+            </a:endParaRPr>
+          </a:p>
+          <a:p>
+            <a:pPr lvl="5" algn="l">
+              <a:lnSpc>
+                <a:spcPct val="150000"/>
+              </a:lnSpc>
+            </a:pPr>
+            <a:r>
+              <a:rPr lang="de-DE" dirty="0">
+                <a:cs typeface="Calibri"/>
+                <a:sym typeface="Wingdings" panose="05000000000000000000" pitchFamily="2" charset="2"/>
+              </a:rPr>
+              <a:t>		           </a:t>
+            </a:r>
+            <a:r>
+              <a:rPr lang="de-DE" sz="2400" dirty="0">
+                <a:cs typeface="Calibri"/>
+                <a:sym typeface="Wingdings" panose="05000000000000000000" pitchFamily="2" charset="2"/>
+              </a:rPr>
+              <a:t>[34]</a:t>
+            </a:r>
+            <a:endParaRPr lang="de-DE" sz="2400" dirty="0">
               <a:cs typeface="Calibri"/>
             </a:endParaRPr>
           </a:p>
@@ -19266,7 +19649,7 @@
               </a:lnSpc>
               <a:buChar char="•"/>
             </a:pPr>
-            <a:endParaRPr lang="de-DE">
+            <a:endParaRPr lang="de-DE" dirty="0">
               <a:cs typeface="Calibri"/>
             </a:endParaRPr>
           </a:p>
@@ -19285,7 +19668,7 @@
 </p:sld>
 </file>
 
-<file path=ppt/slides/slide32.xml><?xml version="1.0" encoding="utf-8"?>
+<file path=ppt/slides/slide33.xml><?xml version="1.0" encoding="utf-8"?>
 <p:sld xmlns:a="http://schemas.openxmlformats.org/drawingml/2006/main" xmlns:r="http://schemas.openxmlformats.org/officeDocument/2006/relationships" xmlns:p="http://schemas.openxmlformats.org/presentationml/2006/main">
   <p:cSld>
     <p:spTree>
@@ -19839,7 +20222,7 @@
               <a:buChar char="•"/>
             </a:pPr>
             <a:r>
-              <a:rPr lang="de-DE">
+              <a:rPr lang="de-DE" dirty="0">
                 <a:cs typeface="Calibri"/>
               </a:rPr>
               <a:t>Motivation:</a:t>
@@ -19853,7 +20236,7 @@
               <a:buChar char="•"/>
             </a:pPr>
             <a:r>
-              <a:rPr lang="de-DE">
+              <a:rPr lang="de-DE" dirty="0">
                 <a:cs typeface="Calibri"/>
               </a:rPr>
               <a:t>Bessere Planung</a:t>
@@ -19867,7 +20250,7 @@
               <a:buChar char="•"/>
             </a:pPr>
             <a:r>
-              <a:rPr lang="de-DE">
+              <a:rPr lang="de-DE" dirty="0">
                 <a:cs typeface="Calibri"/>
               </a:rPr>
               <a:t>Frühes Erkennen von Defiziten</a:t>
@@ -19881,7 +20264,7 @@
               <a:buChar char="•"/>
             </a:pPr>
             <a:r>
-              <a:rPr lang="de-DE">
+              <a:rPr lang="de-DE" dirty="0">
                 <a:cs typeface="Calibri"/>
               </a:rPr>
               <a:t>Erkennen von Zusammenhängen in der Entwicklung</a:t>
@@ -19895,10 +20278,32 @@
               <a:buChar char="•"/>
             </a:pPr>
             <a:r>
-              <a:rPr lang="de-DE">
-                <a:cs typeface="Calibri"/>
-              </a:rPr>
-              <a:t>Software Metriken dienen als Input</a:t>
+              <a:rPr lang="de-DE" dirty="0">
+                <a:cs typeface="Calibri"/>
+              </a:rPr>
+              <a:t>Input: </a:t>
+            </a:r>
+            <a:r>
+              <a:rPr lang="de-DE" dirty="0" err="1">
+                <a:cs typeface="Calibri"/>
+              </a:rPr>
+              <a:t>Softwaremetriken</a:t>
+            </a:r>
+            <a:endParaRPr lang="de-DE" dirty="0">
+              <a:cs typeface="Calibri"/>
+            </a:endParaRPr>
+          </a:p>
+          <a:p>
+            <a:pPr algn="l">
+              <a:lnSpc>
+                <a:spcPct val="150000"/>
+              </a:lnSpc>
+            </a:pPr>
+            <a:r>
+              <a:rPr lang="de-DE" dirty="0">
+                <a:cs typeface="Calibri"/>
+              </a:rPr>
+              <a:t>				        [35]</a:t>
             </a:r>
           </a:p>
         </p:txBody>
@@ -19916,7 +20321,7 @@
 </p:sld>
 </file>
 
-<file path=ppt/slides/slide33.xml><?xml version="1.0" encoding="utf-8"?>
+<file path=ppt/slides/slide34.xml><?xml version="1.0" encoding="utf-8"?>
 <p:sld xmlns:a="http://schemas.openxmlformats.org/drawingml/2006/main" xmlns:r="http://schemas.openxmlformats.org/officeDocument/2006/relationships" xmlns:p="http://schemas.openxmlformats.org/presentationml/2006/main">
   <p:cSld>
     <p:spTree>
@@ -20262,12 +20667,12 @@
               </a:lnSpc>
             </a:pPr>
             <a:r>
-              <a:rPr lang="de-DE" sz="3600">
+              <a:rPr lang="de-DE" sz="3600" dirty="0">
                 <a:cs typeface="Calibri"/>
               </a:rPr>
               <a:t>Vorhersage von Softwarequalität</a:t>
             </a:r>
-            <a:endParaRPr lang="de-DE"/>
+            <a:endParaRPr lang="de-DE" dirty="0"/>
           </a:p>
         </p:txBody>
       </p:sp>
@@ -20470,30 +20875,30 @@
               <a:buChar char="•"/>
             </a:pPr>
             <a:r>
-              <a:rPr lang="de-DE">
+              <a:rPr lang="de-DE" dirty="0">
                 <a:cs typeface="Calibri"/>
               </a:rPr>
               <a:t>Einsatz von </a:t>
             </a:r>
             <a:r>
-              <a:rPr lang="de-DE" err="1">
+              <a:rPr lang="de-DE" dirty="0" err="1">
                 <a:cs typeface="Calibri"/>
               </a:rPr>
               <a:t>Fuzzy</a:t>
             </a:r>
             <a:r>
-              <a:rPr lang="de-DE">
+              <a:rPr lang="de-DE" dirty="0">
                 <a:cs typeface="Calibri"/>
               </a:rPr>
               <a:t> </a:t>
             </a:r>
             <a:r>
-              <a:rPr lang="de-DE" err="1">
+              <a:rPr lang="de-DE" dirty="0" err="1">
                 <a:cs typeface="Calibri"/>
               </a:rPr>
               <a:t>NN‘s</a:t>
             </a:r>
-            <a:endParaRPr lang="de-DE">
+            <a:endParaRPr lang="de-DE" dirty="0">
               <a:cs typeface="Calibri"/>
             </a:endParaRPr>
           </a:p>
@@ -20505,7 +20910,7 @@
               <a:buChar char="•"/>
             </a:pPr>
             <a:r>
-              <a:rPr lang="de-DE">
+              <a:rPr lang="de-DE" dirty="0">
                 <a:cs typeface="Calibri"/>
               </a:rPr>
               <a:t>Software Metriken dienen als Input</a:t>
@@ -20519,7 +20924,7 @@
               <a:buChar char="•"/>
             </a:pPr>
             <a:r>
-              <a:rPr lang="de-DE">
+              <a:rPr lang="de-DE" dirty="0">
                 <a:cs typeface="Calibri"/>
               </a:rPr>
               <a:t>Ergebnisse:</a:t>
@@ -20533,7 +20938,7 @@
               <a:buChar char="•"/>
             </a:pPr>
             <a:r>
-              <a:rPr lang="de-DE">
+              <a:rPr lang="de-DE" dirty="0">
                 <a:cs typeface="Calibri"/>
               </a:rPr>
               <a:t>Genaue Vorhersage</a:t>
@@ -20547,7 +20952,7 @@
               <a:buChar char="•"/>
             </a:pPr>
             <a:r>
-              <a:rPr lang="de-DE">
+              <a:rPr lang="de-DE" dirty="0">
                 <a:cs typeface="Calibri"/>
               </a:rPr>
               <a:t>Zeigt Ursache und Wirkung von Entscheidungen</a:t>
@@ -20561,20 +20966,33 @@
               <a:buChar char="•"/>
             </a:pPr>
             <a:r>
-              <a:rPr lang="de-DE">
+              <a:rPr lang="de-DE" dirty="0">
                 <a:cs typeface="Calibri"/>
               </a:rPr>
               <a:t>Kommt mit vielerlei </a:t>
             </a:r>
             <a:r>
-              <a:rPr lang="de-DE"/>
+              <a:rPr lang="de-DE" dirty="0"/>
               <a:t>Dateiformaten</a:t>
             </a:r>
             <a:r>
-              <a:rPr lang="de-DE">
+              <a:rPr lang="de-DE" dirty="0">
                 <a:cs typeface="Calibri"/>
               </a:rPr>
               <a:t> aus</a:t>
+            </a:r>
+          </a:p>
+          <a:p>
+            <a:pPr lvl="8" algn="l">
+              <a:lnSpc>
+                <a:spcPct val="150000"/>
+              </a:lnSpc>
+            </a:pPr>
+            <a:r>
+              <a:rPr lang="de-DE" sz="2400" dirty="0">
+                <a:cs typeface="Calibri"/>
+              </a:rPr>
+              <a:t>        [35]</a:t>
             </a:r>
           </a:p>
           <a:p>
@@ -20584,7 +21002,7 @@
               </a:lnSpc>
               <a:buChar char="•"/>
             </a:pPr>
-            <a:endParaRPr lang="de-DE">
+            <a:endParaRPr lang="de-DE" dirty="0">
               <a:cs typeface="Calibri"/>
             </a:endParaRPr>
           </a:p>
@@ -20595,29 +21013,7 @@
               </a:lnSpc>
               <a:buChar char="•"/>
             </a:pPr>
-            <a:endParaRPr lang="de-DE">
-              <a:cs typeface="Calibri"/>
-            </a:endParaRPr>
-          </a:p>
-          <a:p>
-            <a:pPr marL="800100" lvl="1" indent="-342900" algn="l">
-              <a:lnSpc>
-                <a:spcPct val="150000"/>
-              </a:lnSpc>
-              <a:buChar char="•"/>
-            </a:pPr>
-            <a:endParaRPr lang="de-DE">
-              <a:cs typeface="Calibri"/>
-            </a:endParaRPr>
-          </a:p>
-          <a:p>
-            <a:pPr marL="800100" lvl="1" indent="-342900" algn="l">
-              <a:lnSpc>
-                <a:spcPct val="150000"/>
-              </a:lnSpc>
-              <a:buChar char="•"/>
-            </a:pPr>
-            <a:endParaRPr lang="de-DE">
+            <a:endParaRPr lang="de-DE" dirty="0">
               <a:cs typeface="Calibri"/>
             </a:endParaRPr>
           </a:p>
@@ -20636,7 +21032,7 @@
 </p:sld>
 </file>
 
-<file path=ppt/slides/slide34.xml><?xml version="1.0" encoding="utf-8"?>
+<file path=ppt/slides/slide35.xml><?xml version="1.0" encoding="utf-8"?>
 <p:sld xmlns:a="http://schemas.openxmlformats.org/drawingml/2006/main" xmlns:r="http://schemas.openxmlformats.org/officeDocument/2006/relationships" xmlns:p="http://schemas.openxmlformats.org/presentationml/2006/main">
   <p:cSld>
     <p:spTree>
@@ -20797,7 +21193,7 @@
 </p:sld>
 </file>
 
-<file path=ppt/slides/slide35.xml><?xml version="1.0" encoding="utf-8"?>
+<file path=ppt/slides/slide36.xml><?xml version="1.0" encoding="utf-8"?>
 <p:sld xmlns:a="http://schemas.openxmlformats.org/drawingml/2006/main" xmlns:r="http://schemas.openxmlformats.org/officeDocument/2006/relationships" xmlns:p="http://schemas.openxmlformats.org/presentationml/2006/main">
   <p:cSld>
     <p:spTree>
@@ -20979,12 +21375,84 @@
               </a:lnSpc>
             </a:pPr>
             <a:r>
-              <a:rPr lang="de-DE" sz="1400">
-                <a:cs typeface="Calibri"/>
-              </a:rPr>
-              <a:t>Meng, J., Zhang, J., Zhao, H.: Overview of the speech recognition technology. Proceedings - 4th International Conference on Computational and Information Sciences, ICCIS 2012, pp. 199{202 (2012). https://doi.org/10.1109/ICCIS.2012.202</a:t>
-            </a:r>
-            <a:endParaRPr lang="de-DE">
+              <a:rPr lang="de-DE" sz="1400" dirty="0">
+                <a:cs typeface="Calibri"/>
+              </a:rPr>
+              <a:t>[1]Meng, J., Zhang, J., Zhao, H.: </a:t>
+            </a:r>
+            <a:r>
+              <a:rPr lang="de-DE" sz="1400" dirty="0" err="1">
+                <a:cs typeface="Calibri"/>
+              </a:rPr>
+              <a:t>Overview</a:t>
+            </a:r>
+            <a:r>
+              <a:rPr lang="de-DE" sz="1400" dirty="0">
+                <a:cs typeface="Calibri"/>
+              </a:rPr>
+              <a:t> </a:t>
+            </a:r>
+            <a:r>
+              <a:rPr lang="de-DE" sz="1400" dirty="0" err="1">
+                <a:cs typeface="Calibri"/>
+              </a:rPr>
+              <a:t>of</a:t>
+            </a:r>
+            <a:r>
+              <a:rPr lang="de-DE" sz="1400" dirty="0">
+                <a:cs typeface="Calibri"/>
+              </a:rPr>
+              <a:t> </a:t>
+            </a:r>
+            <a:r>
+              <a:rPr lang="de-DE" sz="1400" dirty="0" err="1">
+                <a:cs typeface="Calibri"/>
+              </a:rPr>
+              <a:t>the</a:t>
+            </a:r>
+            <a:r>
+              <a:rPr lang="de-DE" sz="1400" dirty="0">
+                <a:cs typeface="Calibri"/>
+              </a:rPr>
+              <a:t> </a:t>
+            </a:r>
+            <a:r>
+              <a:rPr lang="de-DE" sz="1400" dirty="0" err="1">
+                <a:cs typeface="Calibri"/>
+              </a:rPr>
+              <a:t>speech</a:t>
+            </a:r>
+            <a:r>
+              <a:rPr lang="de-DE" sz="1400" dirty="0">
+                <a:cs typeface="Calibri"/>
+              </a:rPr>
+              <a:t> </a:t>
+            </a:r>
+            <a:r>
+              <a:rPr lang="de-DE" sz="1400" dirty="0" err="1">
+                <a:cs typeface="Calibri"/>
+              </a:rPr>
+              <a:t>recognition</a:t>
+            </a:r>
+            <a:r>
+              <a:rPr lang="de-DE" sz="1400" dirty="0">
+                <a:cs typeface="Calibri"/>
+              </a:rPr>
+              <a:t> </a:t>
+            </a:r>
+            <a:r>
+              <a:rPr lang="de-DE" sz="1400" dirty="0" err="1">
+                <a:cs typeface="Calibri"/>
+              </a:rPr>
+              <a:t>technology</a:t>
+            </a:r>
+            <a:r>
+              <a:rPr lang="de-DE" sz="1400" dirty="0">
+                <a:cs typeface="Calibri"/>
+              </a:rPr>
+              <a:t>. Proceedings - 4th International Conference on Computational and Information Sciences, ICCIS 2012, pp. 199{202 (2012). https://doi.org/10.1109/ICCIS.2012.202</a:t>
+            </a:r>
+            <a:endParaRPr lang="de-DE" dirty="0">
               <a:cs typeface="Calibri" panose="020F0502020204030204"/>
             </a:endParaRPr>
           </a:p>
@@ -20994,7 +21462,7 @@
                 <a:spcPct val="100000"/>
               </a:lnSpc>
             </a:pPr>
-            <a:endParaRPr lang="de-DE" sz="1400">
+            <a:endParaRPr lang="de-DE" sz="1400" dirty="0">
               <a:cs typeface="Calibri"/>
             </a:endParaRPr>
           </a:p>
@@ -21005,10 +21473,94 @@
               </a:lnSpc>
             </a:pPr>
             <a:r>
-              <a:rPr lang="de-DE" sz="1400">
-                <a:cs typeface="Calibri"/>
-              </a:rPr>
-              <a:t>Vydana, H.K., Vuppala, A.K.: Residual neural networks for speech recognition. 25th European Signal Processing Conference, EUSIPCO 2017 pp. 543{547. https://doi.org/10.23919/EUSIPCO.2017.8081266</a:t>
+              <a:rPr lang="de-DE" sz="1400" dirty="0">
+                <a:cs typeface="Calibri"/>
+              </a:rPr>
+              <a:t>[2]</a:t>
+            </a:r>
+            <a:r>
+              <a:rPr lang="de-DE" sz="1400" dirty="0" err="1">
+                <a:cs typeface="Calibri"/>
+              </a:rPr>
+              <a:t>Vydana</a:t>
+            </a:r>
+            <a:r>
+              <a:rPr lang="de-DE" sz="1400" dirty="0">
+                <a:cs typeface="Calibri"/>
+              </a:rPr>
+              <a:t>, H.K., </a:t>
+            </a:r>
+            <a:r>
+              <a:rPr lang="de-DE" sz="1400" dirty="0" err="1">
+                <a:cs typeface="Calibri"/>
+              </a:rPr>
+              <a:t>Vuppala</a:t>
+            </a:r>
+            <a:r>
+              <a:rPr lang="de-DE" sz="1400" dirty="0">
+                <a:cs typeface="Calibri"/>
+              </a:rPr>
+              <a:t>, A.K.: Residual </a:t>
+            </a:r>
+            <a:r>
+              <a:rPr lang="de-DE" sz="1400" dirty="0" err="1">
+                <a:cs typeface="Calibri"/>
+              </a:rPr>
+              <a:t>neural</a:t>
+            </a:r>
+            <a:r>
+              <a:rPr lang="de-DE" sz="1400" dirty="0">
+                <a:cs typeface="Calibri"/>
+              </a:rPr>
+              <a:t> </a:t>
+            </a:r>
+            <a:r>
+              <a:rPr lang="de-DE" sz="1400" dirty="0" err="1">
+                <a:cs typeface="Calibri"/>
+              </a:rPr>
+              <a:t>networks</a:t>
+            </a:r>
+            <a:r>
+              <a:rPr lang="de-DE" sz="1400" dirty="0">
+                <a:cs typeface="Calibri"/>
+              </a:rPr>
+              <a:t> </a:t>
+            </a:r>
+            <a:r>
+              <a:rPr lang="de-DE" sz="1400" dirty="0" err="1">
+                <a:cs typeface="Calibri"/>
+              </a:rPr>
+              <a:t>for</a:t>
+            </a:r>
+            <a:r>
+              <a:rPr lang="de-DE" sz="1400" dirty="0">
+                <a:cs typeface="Calibri"/>
+              </a:rPr>
+              <a:t> </a:t>
+            </a:r>
+            <a:r>
+              <a:rPr lang="de-DE" sz="1400" dirty="0" err="1">
+                <a:cs typeface="Calibri"/>
+              </a:rPr>
+              <a:t>speech</a:t>
+            </a:r>
+            <a:r>
+              <a:rPr lang="de-DE" sz="1400" dirty="0">
+                <a:cs typeface="Calibri"/>
+              </a:rPr>
+              <a:t> </a:t>
+            </a:r>
+            <a:r>
+              <a:rPr lang="de-DE" sz="1400" dirty="0" err="1">
+                <a:cs typeface="Calibri"/>
+              </a:rPr>
+              <a:t>recognition</a:t>
+            </a:r>
+            <a:r>
+              <a:rPr lang="de-DE" sz="1400" dirty="0">
+                <a:cs typeface="Calibri"/>
+              </a:rPr>
+              <a:t>. 25th European Signal Processing Conference, EUSIPCO 2017 pp. 543{547. https://doi.org/10.23919/EUSIPCO.2017.8081266</a:t>
             </a:r>
           </a:p>
           <a:p>
@@ -21017,7 +21569,7 @@
                 <a:spcPct val="100000"/>
               </a:lnSpc>
             </a:pPr>
-            <a:endParaRPr lang="de-DE" sz="1400">
+            <a:endParaRPr lang="de-DE" sz="1400" dirty="0">
               <a:cs typeface="Calibri"/>
             </a:endParaRPr>
           </a:p>
@@ -21028,10 +21580,94 @@
               </a:lnSpc>
             </a:pPr>
             <a:r>
-              <a:rPr lang="de-DE" sz="1400">
-                <a:cs typeface="Calibri"/>
-              </a:rPr>
-              <a:t>Guiming, D., Xia, W., Guangyan, W., Yan, Z., Dan, L.: Speech recognition based on convolutional neural networks. 2016 IEEE International Conference on Signal and Image Processing, ICSIP 2016 pp. 708{711. https://doi.org/10.1109/SIPROCESS.2016.7888355</a:t>
+              <a:rPr lang="de-DE" sz="1400" dirty="0">
+                <a:cs typeface="Calibri"/>
+              </a:rPr>
+              <a:t>[3]</a:t>
+            </a:r>
+            <a:r>
+              <a:rPr lang="de-DE" sz="1400" dirty="0" err="1">
+                <a:cs typeface="Calibri"/>
+              </a:rPr>
+              <a:t>Guiming</a:t>
+            </a:r>
+            <a:r>
+              <a:rPr lang="de-DE" sz="1400" dirty="0">
+                <a:cs typeface="Calibri"/>
+              </a:rPr>
+              <a:t>, D., Xia, W., </a:t>
+            </a:r>
+            <a:r>
+              <a:rPr lang="de-DE" sz="1400" dirty="0" err="1">
+                <a:cs typeface="Calibri"/>
+              </a:rPr>
+              <a:t>Guangyan</a:t>
+            </a:r>
+            <a:r>
+              <a:rPr lang="de-DE" sz="1400" dirty="0">
+                <a:cs typeface="Calibri"/>
+              </a:rPr>
+              <a:t>, W., Yan, Z., Dan, L.: Speech </a:t>
+            </a:r>
+            <a:r>
+              <a:rPr lang="de-DE" sz="1400" dirty="0" err="1">
+                <a:cs typeface="Calibri"/>
+              </a:rPr>
+              <a:t>recognition</a:t>
+            </a:r>
+            <a:r>
+              <a:rPr lang="de-DE" sz="1400" dirty="0">
+                <a:cs typeface="Calibri"/>
+              </a:rPr>
+              <a:t> </a:t>
+            </a:r>
+            <a:r>
+              <a:rPr lang="de-DE" sz="1400" dirty="0" err="1">
+                <a:cs typeface="Calibri"/>
+              </a:rPr>
+              <a:t>based</a:t>
+            </a:r>
+            <a:r>
+              <a:rPr lang="de-DE" sz="1400" dirty="0">
+                <a:cs typeface="Calibri"/>
+              </a:rPr>
+              <a:t> on </a:t>
+            </a:r>
+            <a:r>
+              <a:rPr lang="de-DE" sz="1400" dirty="0" err="1">
+                <a:cs typeface="Calibri"/>
+              </a:rPr>
+              <a:t>convolutional</a:t>
+            </a:r>
+            <a:r>
+              <a:rPr lang="de-DE" sz="1400" dirty="0">
+                <a:cs typeface="Calibri"/>
+              </a:rPr>
+              <a:t> </a:t>
+            </a:r>
+            <a:r>
+              <a:rPr lang="de-DE" sz="1400" dirty="0" err="1">
+                <a:cs typeface="Calibri"/>
+              </a:rPr>
+              <a:t>neural</a:t>
+            </a:r>
+            <a:r>
+              <a:rPr lang="de-DE" sz="1400" dirty="0">
+                <a:cs typeface="Calibri"/>
+              </a:rPr>
+              <a:t> </a:t>
+            </a:r>
+            <a:r>
+              <a:rPr lang="de-DE" sz="1400" dirty="0" err="1">
+                <a:cs typeface="Calibri"/>
+              </a:rPr>
+              <a:t>networks</a:t>
+            </a:r>
+            <a:r>
+              <a:rPr lang="de-DE" sz="1400" dirty="0">
+                <a:cs typeface="Calibri"/>
+              </a:rPr>
+              <a:t>. 2016 IEEE International Conference on Signal and Image Processing, ICSIP 2016 pp. 708{711. https://doi.org/10.1109/SIPROCESS.2016.7888355</a:t>
             </a:r>
           </a:p>
           <a:p>
@@ -21040,7 +21676,7 @@
                 <a:spcPct val="100000"/>
               </a:lnSpc>
             </a:pPr>
-            <a:endParaRPr lang="de-DE" sz="1400">
+            <a:endParaRPr lang="de-DE" sz="1400" dirty="0">
               <a:cs typeface="Calibri"/>
             </a:endParaRPr>
           </a:p>
@@ -21051,10 +21687,82 @@
               </a:lnSpc>
             </a:pPr>
             <a:r>
-              <a:rPr lang="de-DE" sz="1400">
-                <a:cs typeface="Calibri"/>
-              </a:rPr>
-              <a:t>Maind, M.S.B., Wankar, M.P.: Research Paper on Basic of Articial Neural Network. International Journal on Recent and Innovation Trends in Computing and Communication 2(1), 96{100 (2014). https://doi.org/10.1109/Oceans-Spain.2011.6003625, http://www.ijritcc.org</a:t>
+              <a:rPr lang="de-DE" sz="1400" dirty="0">
+                <a:cs typeface="Calibri"/>
+              </a:rPr>
+              <a:t>[4]</a:t>
+            </a:r>
+            <a:r>
+              <a:rPr lang="de-DE" sz="1400" dirty="0" err="1">
+                <a:cs typeface="Calibri"/>
+              </a:rPr>
+              <a:t>Maind</a:t>
+            </a:r>
+            <a:r>
+              <a:rPr lang="de-DE" sz="1400" dirty="0">
+                <a:cs typeface="Calibri"/>
+              </a:rPr>
+              <a:t>, M.S.B., </a:t>
+            </a:r>
+            <a:r>
+              <a:rPr lang="de-DE" sz="1400" dirty="0" err="1">
+                <a:cs typeface="Calibri"/>
+              </a:rPr>
+              <a:t>Wankar</a:t>
+            </a:r>
+            <a:r>
+              <a:rPr lang="de-DE" sz="1400" dirty="0">
+                <a:cs typeface="Calibri"/>
+              </a:rPr>
+              <a:t>, M.P.: Research Paper on Basic </a:t>
+            </a:r>
+            <a:r>
+              <a:rPr lang="de-DE" sz="1400" dirty="0" err="1">
+                <a:cs typeface="Calibri"/>
+              </a:rPr>
+              <a:t>of</a:t>
+            </a:r>
+            <a:r>
+              <a:rPr lang="de-DE" sz="1400" dirty="0">
+                <a:cs typeface="Calibri"/>
+              </a:rPr>
+              <a:t> </a:t>
+            </a:r>
+            <a:r>
+              <a:rPr lang="de-DE" sz="1400" dirty="0" err="1">
+                <a:cs typeface="Calibri"/>
+              </a:rPr>
+              <a:t>Articial</a:t>
+            </a:r>
+            <a:r>
+              <a:rPr lang="de-DE" sz="1400" dirty="0">
+                <a:cs typeface="Calibri"/>
+              </a:rPr>
+              <a:t> </a:t>
+            </a:r>
+            <a:r>
+              <a:rPr lang="de-DE" sz="1400" dirty="0" err="1">
+                <a:cs typeface="Calibri"/>
+              </a:rPr>
+              <a:t>Neural</a:t>
+            </a:r>
+            <a:r>
+              <a:rPr lang="de-DE" sz="1400" dirty="0">
+                <a:cs typeface="Calibri"/>
+              </a:rPr>
+              <a:t> Network. International Journal on </a:t>
+            </a:r>
+            <a:r>
+              <a:rPr lang="de-DE" sz="1400" dirty="0" err="1">
+                <a:cs typeface="Calibri"/>
+              </a:rPr>
+              <a:t>Recent</a:t>
+            </a:r>
+            <a:r>
+              <a:rPr lang="de-DE" sz="1400" dirty="0">
+                <a:cs typeface="Calibri"/>
+              </a:rPr>
+              <a:t> and Innovation Trends in Computing and Communication 2(1), 96{100 (2014). https://doi.org/10.1109/Oceans-Spain.2011.6003625, http://www.ijritcc.org</a:t>
             </a:r>
           </a:p>
           <a:p>
@@ -21063,7 +21771,7 @@
                 <a:spcPct val="100000"/>
               </a:lnSpc>
             </a:pPr>
-            <a:endParaRPr lang="de-DE" sz="1400">
+            <a:endParaRPr lang="de-DE" sz="1400" dirty="0">
               <a:cs typeface="Calibri"/>
             </a:endParaRPr>
           </a:p>
@@ -21074,10 +21782,178 @@
               </a:lnSpc>
             </a:pPr>
             <a:r>
-              <a:rPr lang="de-DE" sz="1400">
-                <a:cs typeface="Calibri"/>
-              </a:rPr>
-              <a:t>Tang, X.: Hybrid hidden markov model and arti cial neural network for automatic speech recognition. Proceedings of the 2009 Paci c-Asia Conference on Circuits, Communications and System, PACCS 2009, pp. 682{685 (2009). https://doi.org/10.1109/PACCS.2009.138</a:t>
+              <a:rPr lang="de-DE" sz="1400" dirty="0">
+                <a:cs typeface="Calibri"/>
+              </a:rPr>
+              <a:t>[5]Tang, X.: Hybrid </a:t>
+            </a:r>
+            <a:r>
+              <a:rPr lang="de-DE" sz="1400" dirty="0" err="1">
+                <a:cs typeface="Calibri"/>
+              </a:rPr>
+              <a:t>hidden</a:t>
+            </a:r>
+            <a:r>
+              <a:rPr lang="de-DE" sz="1400" dirty="0">
+                <a:cs typeface="Calibri"/>
+              </a:rPr>
+              <a:t> </a:t>
+            </a:r>
+            <a:r>
+              <a:rPr lang="de-DE" sz="1400" dirty="0" err="1">
+                <a:cs typeface="Calibri"/>
+              </a:rPr>
+              <a:t>markov</a:t>
+            </a:r>
+            <a:r>
+              <a:rPr lang="de-DE" sz="1400" dirty="0">
+                <a:cs typeface="Calibri"/>
+              </a:rPr>
+              <a:t> </a:t>
+            </a:r>
+            <a:r>
+              <a:rPr lang="de-DE" sz="1400" dirty="0" err="1">
+                <a:cs typeface="Calibri"/>
+              </a:rPr>
+              <a:t>model</a:t>
+            </a:r>
+            <a:r>
+              <a:rPr lang="de-DE" sz="1400" dirty="0">
+                <a:cs typeface="Calibri"/>
+              </a:rPr>
+              <a:t> and </a:t>
+            </a:r>
+            <a:r>
+              <a:rPr lang="de-DE" sz="1400" dirty="0" err="1">
+                <a:cs typeface="Calibri"/>
+              </a:rPr>
+              <a:t>arti</a:t>
+            </a:r>
+            <a:r>
+              <a:rPr lang="de-DE" sz="1400" dirty="0">
+                <a:cs typeface="Calibri"/>
+              </a:rPr>
+              <a:t> </a:t>
+            </a:r>
+            <a:r>
+              <a:rPr lang="de-DE" sz="1400" dirty="0" err="1">
+                <a:cs typeface="Calibri"/>
+              </a:rPr>
+              <a:t>cial</a:t>
+            </a:r>
+            <a:r>
+              <a:rPr lang="de-DE" sz="1400" dirty="0">
+                <a:cs typeface="Calibri"/>
+              </a:rPr>
+              <a:t> </a:t>
+            </a:r>
+            <a:r>
+              <a:rPr lang="de-DE" sz="1400" dirty="0" err="1">
+                <a:cs typeface="Calibri"/>
+              </a:rPr>
+              <a:t>neural</a:t>
+            </a:r>
+            <a:r>
+              <a:rPr lang="de-DE" sz="1400" dirty="0">
+                <a:cs typeface="Calibri"/>
+              </a:rPr>
+              <a:t> network </a:t>
+            </a:r>
+            <a:r>
+              <a:rPr lang="de-DE" sz="1400" dirty="0" err="1">
+                <a:cs typeface="Calibri"/>
+              </a:rPr>
+              <a:t>for</a:t>
+            </a:r>
+            <a:r>
+              <a:rPr lang="de-DE" sz="1400" dirty="0">
+                <a:cs typeface="Calibri"/>
+              </a:rPr>
+              <a:t> </a:t>
+            </a:r>
+            <a:r>
+              <a:rPr lang="de-DE" sz="1400" dirty="0" err="1">
+                <a:cs typeface="Calibri"/>
+              </a:rPr>
+              <a:t>automatic</a:t>
+            </a:r>
+            <a:r>
+              <a:rPr lang="de-DE" sz="1400" dirty="0">
+                <a:cs typeface="Calibri"/>
+              </a:rPr>
+              <a:t> </a:t>
+            </a:r>
+            <a:r>
+              <a:rPr lang="de-DE" sz="1400" dirty="0" err="1">
+                <a:cs typeface="Calibri"/>
+              </a:rPr>
+              <a:t>speech</a:t>
+            </a:r>
+            <a:r>
+              <a:rPr lang="de-DE" sz="1400" dirty="0">
+                <a:cs typeface="Calibri"/>
+              </a:rPr>
+              <a:t> </a:t>
+            </a:r>
+            <a:r>
+              <a:rPr lang="de-DE" sz="1400" dirty="0" err="1">
+                <a:cs typeface="Calibri"/>
+              </a:rPr>
+              <a:t>recognition</a:t>
+            </a:r>
+            <a:r>
+              <a:rPr lang="de-DE" sz="1400" dirty="0">
+                <a:cs typeface="Calibri"/>
+              </a:rPr>
+              <a:t>. Proceedings </a:t>
+            </a:r>
+            <a:r>
+              <a:rPr lang="de-DE" sz="1400" dirty="0" err="1">
+                <a:cs typeface="Calibri"/>
+              </a:rPr>
+              <a:t>of</a:t>
+            </a:r>
+            <a:r>
+              <a:rPr lang="de-DE" sz="1400" dirty="0">
+                <a:cs typeface="Calibri"/>
+              </a:rPr>
+              <a:t> </a:t>
+            </a:r>
+            <a:r>
+              <a:rPr lang="de-DE" sz="1400" dirty="0" err="1">
+                <a:cs typeface="Calibri"/>
+              </a:rPr>
+              <a:t>the</a:t>
+            </a:r>
+            <a:r>
+              <a:rPr lang="de-DE" sz="1400" dirty="0">
+                <a:cs typeface="Calibri"/>
+              </a:rPr>
+              <a:t> 2009 </a:t>
+            </a:r>
+            <a:r>
+              <a:rPr lang="de-DE" sz="1400" dirty="0" err="1">
+                <a:cs typeface="Calibri"/>
+              </a:rPr>
+              <a:t>Paci</a:t>
+            </a:r>
+            <a:r>
+              <a:rPr lang="de-DE" sz="1400" dirty="0">
+                <a:cs typeface="Calibri"/>
+              </a:rPr>
+              <a:t> c-Asia Conference on </a:t>
+            </a:r>
+            <a:r>
+              <a:rPr lang="de-DE" sz="1400" dirty="0" err="1">
+                <a:cs typeface="Calibri"/>
+              </a:rPr>
+              <a:t>Circuits</a:t>
+            </a:r>
+            <a:r>
+              <a:rPr lang="de-DE" sz="1400" dirty="0">
+                <a:cs typeface="Calibri"/>
+              </a:rPr>
+              <a:t>, Communications and System, PACCS 2009, pp. 682{685 (2009). https://doi.org/10.1109/PACCS.2009.138</a:t>
             </a:r>
           </a:p>
           <a:p>
@@ -21086,22 +21962,202 @@
                 <a:spcPct val="100000"/>
               </a:lnSpc>
             </a:pPr>
-            <a:endParaRPr lang="de-DE" sz="1400">
+            <a:endParaRPr lang="de-DE" sz="1400" dirty="0">
               <a:cs typeface="Calibri"/>
             </a:endParaRPr>
           </a:p>
           <a:p>
             <a:pPr algn="l"/>
             <a:r>
-              <a:rPr lang="de-DE" sz="1400">
-                <a:cs typeface="Calibri"/>
-              </a:rPr>
-              <a:t>Khalifelu, Z.A., Gharehchopogh, F.S.: Comparison and evaluation of data mining techniques with algorithmic models in software cost estimation. Procedia Technology 1, 65{71 (2012). https://doi.org/10.1016/j.protcy.2012.02.013</a:t>
+              <a:rPr lang="de-DE" sz="1400" dirty="0">
+                <a:cs typeface="Calibri"/>
+              </a:rPr>
+              <a:t>[6]</a:t>
+            </a:r>
+            <a:r>
+              <a:rPr lang="de-DE" sz="1400" dirty="0" err="1">
+                <a:cs typeface="Calibri"/>
+              </a:rPr>
+              <a:t>Khalifelu</a:t>
+            </a:r>
+            <a:r>
+              <a:rPr lang="de-DE" sz="1400" dirty="0">
+                <a:cs typeface="Calibri"/>
+              </a:rPr>
+              <a:t>, Z.A., </a:t>
+            </a:r>
+            <a:r>
+              <a:rPr lang="de-DE" sz="1400" dirty="0" err="1">
+                <a:cs typeface="Calibri"/>
+              </a:rPr>
+              <a:t>Gharehchopogh</a:t>
+            </a:r>
+            <a:r>
+              <a:rPr lang="de-DE" sz="1400" dirty="0">
+                <a:cs typeface="Calibri"/>
+              </a:rPr>
+              <a:t>, F.S.: </a:t>
+            </a:r>
+            <a:r>
+              <a:rPr lang="de-DE" sz="1400" dirty="0" err="1">
+                <a:cs typeface="Calibri"/>
+              </a:rPr>
+              <a:t>Comparison</a:t>
+            </a:r>
+            <a:r>
+              <a:rPr lang="de-DE" sz="1400" dirty="0">
+                <a:cs typeface="Calibri"/>
+              </a:rPr>
+              <a:t> and </a:t>
+            </a:r>
+            <a:r>
+              <a:rPr lang="de-DE" sz="1400" dirty="0" err="1">
+                <a:cs typeface="Calibri"/>
+              </a:rPr>
+              <a:t>evaluation</a:t>
+            </a:r>
+            <a:r>
+              <a:rPr lang="de-DE" sz="1400" dirty="0">
+                <a:cs typeface="Calibri"/>
+              </a:rPr>
+              <a:t> </a:t>
+            </a:r>
+            <a:r>
+              <a:rPr lang="de-DE" sz="1400" dirty="0" err="1">
+                <a:cs typeface="Calibri"/>
+              </a:rPr>
+              <a:t>of</a:t>
+            </a:r>
+            <a:r>
+              <a:rPr lang="de-DE" sz="1400" dirty="0">
+                <a:cs typeface="Calibri"/>
+              </a:rPr>
+              <a:t> </a:t>
+            </a:r>
+            <a:r>
+              <a:rPr lang="de-DE" sz="1400" dirty="0" err="1">
+                <a:cs typeface="Calibri"/>
+              </a:rPr>
+              <a:t>data</a:t>
+            </a:r>
+            <a:r>
+              <a:rPr lang="de-DE" sz="1400" dirty="0">
+                <a:cs typeface="Calibri"/>
+              </a:rPr>
+              <a:t> </a:t>
+            </a:r>
+            <a:r>
+              <a:rPr lang="de-DE" sz="1400" dirty="0" err="1">
+                <a:cs typeface="Calibri"/>
+              </a:rPr>
+              <a:t>mining</a:t>
+            </a:r>
+            <a:r>
+              <a:rPr lang="de-DE" sz="1400" dirty="0">
+                <a:cs typeface="Calibri"/>
+              </a:rPr>
+              <a:t> </a:t>
+            </a:r>
+            <a:r>
+              <a:rPr lang="de-DE" sz="1400" dirty="0" err="1">
+                <a:cs typeface="Calibri"/>
+              </a:rPr>
+              <a:t>techniques</a:t>
+            </a:r>
+            <a:r>
+              <a:rPr lang="de-DE" sz="1400" dirty="0">
+                <a:cs typeface="Calibri"/>
+              </a:rPr>
+              <a:t> </a:t>
+            </a:r>
+            <a:r>
+              <a:rPr lang="de-DE" sz="1400" dirty="0" err="1">
+                <a:cs typeface="Calibri"/>
+              </a:rPr>
+              <a:t>with</a:t>
+            </a:r>
+            <a:r>
+              <a:rPr lang="de-DE" sz="1400" dirty="0">
+                <a:cs typeface="Calibri"/>
+              </a:rPr>
+              <a:t> </a:t>
+            </a:r>
+            <a:r>
+              <a:rPr lang="de-DE" sz="1400" dirty="0" err="1">
+                <a:cs typeface="Calibri"/>
+              </a:rPr>
+              <a:t>algorithmic</a:t>
+            </a:r>
+            <a:r>
+              <a:rPr lang="de-DE" sz="1400" dirty="0">
+                <a:cs typeface="Calibri"/>
+              </a:rPr>
+              <a:t> </a:t>
+            </a:r>
+            <a:r>
+              <a:rPr lang="de-DE" sz="1400" dirty="0" err="1">
+                <a:cs typeface="Calibri"/>
+              </a:rPr>
+              <a:t>models</a:t>
+            </a:r>
+            <a:r>
+              <a:rPr lang="de-DE" sz="1400" dirty="0">
+                <a:cs typeface="Calibri"/>
+              </a:rPr>
+              <a:t> in </a:t>
+            </a:r>
+            <a:r>
+              <a:rPr lang="de-DE" sz="1400" dirty="0" err="1">
+                <a:cs typeface="Calibri"/>
+              </a:rPr>
+              <a:t>software</a:t>
+            </a:r>
+            <a:r>
+              <a:rPr lang="de-DE" sz="1400" dirty="0">
+                <a:cs typeface="Calibri"/>
+              </a:rPr>
+              <a:t> </a:t>
+            </a:r>
+            <a:r>
+              <a:rPr lang="de-DE" sz="1400" dirty="0" err="1">
+                <a:cs typeface="Calibri"/>
+              </a:rPr>
+              <a:t>cost</a:t>
+            </a:r>
+            <a:r>
+              <a:rPr lang="de-DE" sz="1400" dirty="0">
+                <a:cs typeface="Calibri"/>
+              </a:rPr>
+              <a:t> </a:t>
+            </a:r>
+            <a:r>
+              <a:rPr lang="de-DE" sz="1400" dirty="0" err="1">
+                <a:cs typeface="Calibri"/>
+              </a:rPr>
+              <a:t>estimation</a:t>
+            </a:r>
+            <a:r>
+              <a:rPr lang="de-DE" sz="1400" dirty="0">
+                <a:cs typeface="Calibri"/>
+              </a:rPr>
+              <a:t>. </a:t>
+            </a:r>
+            <a:r>
+              <a:rPr lang="de-DE" sz="1400" dirty="0" err="1">
+                <a:cs typeface="Calibri"/>
+              </a:rPr>
+              <a:t>Procedia</a:t>
+            </a:r>
+            <a:r>
+              <a:rPr lang="de-DE" sz="1400" dirty="0">
+                <a:cs typeface="Calibri"/>
+              </a:rPr>
+              <a:t> Technology 1, 65{71 (2012). https://doi.org/10.1016/j.protcy.2012.02.013</a:t>
             </a:r>
           </a:p>
           <a:p>
             <a:pPr algn="l"/>
-            <a:endParaRPr lang="de-DE" sz="1400">
+            <a:endParaRPr lang="de-DE" sz="1400" dirty="0">
               <a:cs typeface="Calibri"/>
             </a:endParaRPr>
           </a:p>
@@ -21120,7 +22176,7 @@
 </p:sld>
 </file>
 
-<file path=ppt/slides/slide36.xml><?xml version="1.0" encoding="utf-8"?>
+<file path=ppt/slides/slide37.xml><?xml version="1.0" encoding="utf-8"?>
 <p:sld xmlns:a="http://schemas.openxmlformats.org/drawingml/2006/main" xmlns:r="http://schemas.openxmlformats.org/officeDocument/2006/relationships" xmlns:p="http://schemas.openxmlformats.org/presentationml/2006/main">
   <p:cSld>
     <p:spTree>
@@ -21298,99 +22354,591 @@
           <a:p>
             <a:pPr algn="l"/>
             <a:r>
-              <a:rPr lang="de-DE" sz="1400">
-                <a:cs typeface="Calibri"/>
-              </a:rPr>
-              <a:t>Jayashree, P., Melvin Jose, J., Premkumar: Machine learning in automatic speech recognition: A survey. IETE Technical Review (Institution of Electronics and Telecommunication Engineers, India) 32(4), 240{251 (2015). https://doi.org/10.1080/02564602.2015.1010611</a:t>
+              <a:rPr lang="de-DE" sz="1400" dirty="0">
+                <a:cs typeface="Calibri"/>
+              </a:rPr>
+              <a:t>[7]</a:t>
+            </a:r>
+            <a:r>
+              <a:rPr lang="de-DE" sz="1400" dirty="0" err="1">
+                <a:cs typeface="Calibri"/>
+              </a:rPr>
+              <a:t>Jayashree</a:t>
+            </a:r>
+            <a:r>
+              <a:rPr lang="de-DE" sz="1400" dirty="0">
+                <a:cs typeface="Calibri"/>
+              </a:rPr>
+              <a:t>, P., Melvin Jose, J., </a:t>
+            </a:r>
+            <a:r>
+              <a:rPr lang="de-DE" sz="1400" dirty="0" err="1">
+                <a:cs typeface="Calibri"/>
+              </a:rPr>
+              <a:t>Premkumar</a:t>
+            </a:r>
+            <a:r>
+              <a:rPr lang="de-DE" sz="1400" dirty="0">
+                <a:cs typeface="Calibri"/>
+              </a:rPr>
+              <a:t>: </a:t>
+            </a:r>
+            <a:r>
+              <a:rPr lang="de-DE" sz="1400" dirty="0" err="1">
+                <a:cs typeface="Calibri"/>
+              </a:rPr>
+              <a:t>Machine</a:t>
+            </a:r>
+            <a:r>
+              <a:rPr lang="de-DE" sz="1400" dirty="0">
+                <a:cs typeface="Calibri"/>
+              </a:rPr>
+              <a:t> </a:t>
+            </a:r>
+            <a:r>
+              <a:rPr lang="de-DE" sz="1400" dirty="0" err="1">
+                <a:cs typeface="Calibri"/>
+              </a:rPr>
+              <a:t>learning</a:t>
+            </a:r>
+            <a:r>
+              <a:rPr lang="de-DE" sz="1400" dirty="0">
+                <a:cs typeface="Calibri"/>
+              </a:rPr>
+              <a:t> in </a:t>
+            </a:r>
+            <a:r>
+              <a:rPr lang="de-DE" sz="1400" dirty="0" err="1">
+                <a:cs typeface="Calibri"/>
+              </a:rPr>
+              <a:t>automatic</a:t>
+            </a:r>
+            <a:r>
+              <a:rPr lang="de-DE" sz="1400" dirty="0">
+                <a:cs typeface="Calibri"/>
+              </a:rPr>
+              <a:t> </a:t>
+            </a:r>
+            <a:r>
+              <a:rPr lang="de-DE" sz="1400" dirty="0" err="1">
+                <a:cs typeface="Calibri"/>
+              </a:rPr>
+              <a:t>speech</a:t>
+            </a:r>
+            <a:r>
+              <a:rPr lang="de-DE" sz="1400" dirty="0">
+                <a:cs typeface="Calibri"/>
+              </a:rPr>
+              <a:t> </a:t>
+            </a:r>
+            <a:r>
+              <a:rPr lang="de-DE" sz="1400" dirty="0" err="1">
+                <a:cs typeface="Calibri"/>
+              </a:rPr>
+              <a:t>recognition</a:t>
+            </a:r>
+            <a:r>
+              <a:rPr lang="de-DE" sz="1400" dirty="0">
+                <a:cs typeface="Calibri"/>
+              </a:rPr>
+              <a:t>: A </a:t>
+            </a:r>
+            <a:r>
+              <a:rPr lang="de-DE" sz="1400" dirty="0" err="1">
+                <a:cs typeface="Calibri"/>
+              </a:rPr>
+              <a:t>survey</a:t>
+            </a:r>
+            <a:r>
+              <a:rPr lang="de-DE" sz="1400" dirty="0">
+                <a:cs typeface="Calibri"/>
+              </a:rPr>
+              <a:t>. IETE Technical Review (Institution </a:t>
+            </a:r>
+            <a:r>
+              <a:rPr lang="de-DE" sz="1400" dirty="0" err="1">
+                <a:cs typeface="Calibri"/>
+              </a:rPr>
+              <a:t>of</a:t>
+            </a:r>
+            <a:r>
+              <a:rPr lang="de-DE" sz="1400" dirty="0">
+                <a:cs typeface="Calibri"/>
+              </a:rPr>
+              <a:t> Electronics and </a:t>
+            </a:r>
+            <a:r>
+              <a:rPr lang="de-DE" sz="1400" dirty="0" err="1">
+                <a:cs typeface="Calibri"/>
+              </a:rPr>
+              <a:t>Telecommunication</a:t>
+            </a:r>
+            <a:r>
+              <a:rPr lang="de-DE" sz="1400" dirty="0">
+                <a:cs typeface="Calibri"/>
+              </a:rPr>
+              <a:t> Engineers, India) 32(4), 240{251 (2015). https://doi.org/10.1080/02564602.2015.1010611</a:t>
             </a:r>
           </a:p>
           <a:p>
             <a:pPr algn="l"/>
-            <a:endParaRPr lang="de-DE" sz="1400">
+            <a:endParaRPr lang="de-DE" sz="1400" dirty="0">
               <a:cs typeface="Calibri"/>
             </a:endParaRPr>
           </a:p>
           <a:p>
             <a:pPr algn="l"/>
             <a:r>
-              <a:rPr lang="de-DE" sz="1400">
-                <a:cs typeface="Calibri"/>
-              </a:rPr>
-              <a:t>A. K. Jain, Robert P. W. Duin, J. Mao: Statistical Pattern Recognition: A Review. IEEE Transactions on Pattern Analysis And Machine Intelligence, Vol. 22, No. 1, January 2000 22(1), 4{37 (2000)</a:t>
-            </a:r>
-            <a:endParaRPr lang="en-US" sz="1400">
+              <a:rPr lang="de-DE" sz="1400" dirty="0">
+                <a:cs typeface="Calibri"/>
+              </a:rPr>
+              <a:t>[8]A. K. Jain, Robert P. W. </a:t>
+            </a:r>
+            <a:r>
+              <a:rPr lang="de-DE" sz="1400" dirty="0" err="1">
+                <a:cs typeface="Calibri"/>
+              </a:rPr>
+              <a:t>Duin</a:t>
+            </a:r>
+            <a:r>
+              <a:rPr lang="de-DE" sz="1400" dirty="0">
+                <a:cs typeface="Calibri"/>
+              </a:rPr>
+              <a:t>, J. Mao: Statistical Pattern Recognition: A Review. IEEE Transactions on Pattern Analysis And </a:t>
+            </a:r>
+            <a:r>
+              <a:rPr lang="de-DE" sz="1400" dirty="0" err="1">
+                <a:cs typeface="Calibri"/>
+              </a:rPr>
+              <a:t>Machine</a:t>
+            </a:r>
+            <a:r>
+              <a:rPr lang="de-DE" sz="1400" dirty="0">
+                <a:cs typeface="Calibri"/>
+              </a:rPr>
+              <a:t> </a:t>
+            </a:r>
+            <a:r>
+              <a:rPr lang="de-DE" sz="1400" dirty="0" err="1">
+                <a:cs typeface="Calibri"/>
+              </a:rPr>
+              <a:t>Intelligence</a:t>
+            </a:r>
+            <a:r>
+              <a:rPr lang="de-DE" sz="1400" dirty="0">
+                <a:cs typeface="Calibri"/>
+              </a:rPr>
+              <a:t>, Vol. 22, </a:t>
+            </a:r>
+            <a:r>
+              <a:rPr lang="de-DE" sz="1400" dirty="0" err="1">
+                <a:cs typeface="Calibri"/>
+              </a:rPr>
+              <a:t>No</a:t>
+            </a:r>
+            <a:r>
+              <a:rPr lang="de-DE" sz="1400" dirty="0">
+                <a:cs typeface="Calibri"/>
+              </a:rPr>
+              <a:t>. 1, </a:t>
+            </a:r>
+            <a:r>
+              <a:rPr lang="de-DE" sz="1400" dirty="0" err="1">
+                <a:cs typeface="Calibri"/>
+              </a:rPr>
+              <a:t>January</a:t>
+            </a:r>
+            <a:r>
+              <a:rPr lang="de-DE" sz="1400" dirty="0">
+                <a:cs typeface="Calibri"/>
+              </a:rPr>
+              <a:t> 2000 22(1), 4{37 (2000)</a:t>
+            </a:r>
+            <a:endParaRPr lang="en-US" sz="1400" dirty="0">
               <a:cs typeface="Calibri" panose="020F0502020204030204"/>
             </a:endParaRPr>
           </a:p>
           <a:p>
             <a:pPr algn="l"/>
-            <a:endParaRPr lang="de-DE" sz="1400">
+            <a:endParaRPr lang="de-DE" sz="1400" dirty="0">
               <a:cs typeface="Calibri" panose="020F0502020204030204"/>
             </a:endParaRPr>
           </a:p>
           <a:p>
             <a:pPr algn="l"/>
             <a:r>
-              <a:rPr lang="de-DE" sz="1400">
-                <a:cs typeface="Calibri" panose="020F0502020204030204"/>
-              </a:rPr>
-              <a:t> Awasthi, A.: Facial Emotion Recognition Using Deep Learning. IEEE 4th International Conference on Knowledge-Based Engineering and Innovation (KBEI) Dec. 22, 2017 1(September), 9{12 (2013). https://doi.org/10.1145/2818346.2830593</a:t>
-            </a:r>
-            <a:endParaRPr lang="de-DE">
+              <a:rPr lang="de-DE" sz="1400" dirty="0">
+                <a:cs typeface="Calibri" panose="020F0502020204030204"/>
+              </a:rPr>
+              <a:t>[9]</a:t>
+            </a:r>
+            <a:r>
+              <a:rPr lang="de-DE" sz="1400" dirty="0" err="1">
+                <a:cs typeface="Calibri" panose="020F0502020204030204"/>
+              </a:rPr>
+              <a:t>Awasthi</a:t>
+            </a:r>
+            <a:r>
+              <a:rPr lang="de-DE" sz="1400" dirty="0">
+                <a:cs typeface="Calibri" panose="020F0502020204030204"/>
+              </a:rPr>
+              <a:t>, A.: </a:t>
+            </a:r>
+            <a:r>
+              <a:rPr lang="de-DE" sz="1400" dirty="0" err="1">
+                <a:cs typeface="Calibri" panose="020F0502020204030204"/>
+              </a:rPr>
+              <a:t>Facial</a:t>
+            </a:r>
+            <a:r>
+              <a:rPr lang="de-DE" sz="1400" dirty="0">
+                <a:cs typeface="Calibri" panose="020F0502020204030204"/>
+              </a:rPr>
+              <a:t> Emotion Recognition </a:t>
+            </a:r>
+            <a:r>
+              <a:rPr lang="de-DE" sz="1400" dirty="0" err="1">
+                <a:cs typeface="Calibri" panose="020F0502020204030204"/>
+              </a:rPr>
+              <a:t>Using</a:t>
+            </a:r>
+            <a:r>
+              <a:rPr lang="de-DE" sz="1400" dirty="0">
+                <a:cs typeface="Calibri" panose="020F0502020204030204"/>
+              </a:rPr>
+              <a:t> Deep Learning. IEEE 4th International Conference on Knowledge-</a:t>
+            </a:r>
+            <a:r>
+              <a:rPr lang="de-DE" sz="1400" dirty="0" err="1">
+                <a:cs typeface="Calibri" panose="020F0502020204030204"/>
+              </a:rPr>
+              <a:t>Based</a:t>
+            </a:r>
+            <a:r>
+              <a:rPr lang="de-DE" sz="1400" dirty="0">
+                <a:cs typeface="Calibri" panose="020F0502020204030204"/>
+              </a:rPr>
+              <a:t> Engineering and Innovation (KBEI) </a:t>
+            </a:r>
+            <a:r>
+              <a:rPr lang="de-DE" sz="1400" dirty="0" err="1">
+                <a:cs typeface="Calibri" panose="020F0502020204030204"/>
+              </a:rPr>
+              <a:t>Dec</a:t>
+            </a:r>
+            <a:r>
+              <a:rPr lang="de-DE" sz="1400" dirty="0">
+                <a:cs typeface="Calibri" panose="020F0502020204030204"/>
+              </a:rPr>
+              <a:t>. 22, 2017 1(September), 9{12 (2013). https://doi.org/10.1145/2818346.2830593</a:t>
+            </a:r>
+            <a:endParaRPr lang="de-DE" dirty="0">
               <a:cs typeface="Calibri"/>
             </a:endParaRPr>
           </a:p>
           <a:p>
             <a:pPr algn="l"/>
-            <a:endParaRPr lang="de-DE" sz="1400">
+            <a:endParaRPr lang="de-DE" sz="1400" dirty="0">
               <a:cs typeface="Calibri" panose="020F0502020204030204"/>
             </a:endParaRPr>
           </a:p>
           <a:p>
             <a:pPr algn="l"/>
             <a:r>
-              <a:rPr lang="de-DE" sz="1400">
-                <a:cs typeface="Calibri" panose="020F0502020204030204"/>
-              </a:rPr>
-              <a:t>Santos, R.M., Matos, L.N., Macedo, H.T., Montalvao, J.: Speech recognition in noisy environments with convolutional neural networks. Proceedings - 2015 Brazilian Conference on Intelligent Systems, BRACIS 2015 pp. 175{179 (2016). https://doi.org/10.1109/BRACIS.2015.44</a:t>
-            </a:r>
-            <a:endParaRPr lang="de-DE">
+              <a:rPr lang="de-DE" sz="1400" dirty="0">
+                <a:cs typeface="Calibri" panose="020F0502020204030204"/>
+              </a:rPr>
+              <a:t>[10]Santos, R.M., Matos, L.N., </a:t>
+            </a:r>
+            <a:r>
+              <a:rPr lang="de-DE" sz="1400" dirty="0" err="1">
+                <a:cs typeface="Calibri" panose="020F0502020204030204"/>
+              </a:rPr>
+              <a:t>Macedo</a:t>
+            </a:r>
+            <a:r>
+              <a:rPr lang="de-DE" sz="1400" dirty="0">
+                <a:cs typeface="Calibri" panose="020F0502020204030204"/>
+              </a:rPr>
+              <a:t>, H.T., </a:t>
+            </a:r>
+            <a:r>
+              <a:rPr lang="de-DE" sz="1400" dirty="0" err="1">
+                <a:cs typeface="Calibri" panose="020F0502020204030204"/>
+              </a:rPr>
+              <a:t>Montalvao</a:t>
+            </a:r>
+            <a:r>
+              <a:rPr lang="de-DE" sz="1400" dirty="0">
+                <a:cs typeface="Calibri" panose="020F0502020204030204"/>
+              </a:rPr>
+              <a:t>, J.: Speech </a:t>
+            </a:r>
+            <a:r>
+              <a:rPr lang="de-DE" sz="1400" dirty="0" err="1">
+                <a:cs typeface="Calibri" panose="020F0502020204030204"/>
+              </a:rPr>
+              <a:t>recognition</a:t>
+            </a:r>
+            <a:r>
+              <a:rPr lang="de-DE" sz="1400" dirty="0">
+                <a:cs typeface="Calibri" panose="020F0502020204030204"/>
+              </a:rPr>
+              <a:t> in </a:t>
+            </a:r>
+            <a:r>
+              <a:rPr lang="de-DE" sz="1400" dirty="0" err="1">
+                <a:cs typeface="Calibri" panose="020F0502020204030204"/>
+              </a:rPr>
+              <a:t>noisy</a:t>
+            </a:r>
+            <a:r>
+              <a:rPr lang="de-DE" sz="1400" dirty="0">
+                <a:cs typeface="Calibri" panose="020F0502020204030204"/>
+              </a:rPr>
+              <a:t> </a:t>
+            </a:r>
+            <a:r>
+              <a:rPr lang="de-DE" sz="1400" dirty="0" err="1">
+                <a:cs typeface="Calibri" panose="020F0502020204030204"/>
+              </a:rPr>
+              <a:t>environments</a:t>
+            </a:r>
+            <a:r>
+              <a:rPr lang="de-DE" sz="1400" dirty="0">
+                <a:cs typeface="Calibri" panose="020F0502020204030204"/>
+              </a:rPr>
+              <a:t> </a:t>
+            </a:r>
+            <a:r>
+              <a:rPr lang="de-DE" sz="1400" dirty="0" err="1">
+                <a:cs typeface="Calibri" panose="020F0502020204030204"/>
+              </a:rPr>
+              <a:t>with</a:t>
+            </a:r>
+            <a:r>
+              <a:rPr lang="de-DE" sz="1400" dirty="0">
+                <a:cs typeface="Calibri" panose="020F0502020204030204"/>
+              </a:rPr>
+              <a:t> </a:t>
+            </a:r>
+            <a:r>
+              <a:rPr lang="de-DE" sz="1400" dirty="0" err="1">
+                <a:cs typeface="Calibri" panose="020F0502020204030204"/>
+              </a:rPr>
+              <a:t>convolutional</a:t>
+            </a:r>
+            <a:r>
+              <a:rPr lang="de-DE" sz="1400" dirty="0">
+                <a:cs typeface="Calibri" panose="020F0502020204030204"/>
+              </a:rPr>
+              <a:t> </a:t>
+            </a:r>
+            <a:r>
+              <a:rPr lang="de-DE" sz="1400" dirty="0" err="1">
+                <a:cs typeface="Calibri" panose="020F0502020204030204"/>
+              </a:rPr>
+              <a:t>neural</a:t>
+            </a:r>
+            <a:r>
+              <a:rPr lang="de-DE" sz="1400" dirty="0">
+                <a:cs typeface="Calibri" panose="020F0502020204030204"/>
+              </a:rPr>
+              <a:t> </a:t>
+            </a:r>
+            <a:r>
+              <a:rPr lang="de-DE" sz="1400" dirty="0" err="1">
+                <a:cs typeface="Calibri" panose="020F0502020204030204"/>
+              </a:rPr>
+              <a:t>networks</a:t>
+            </a:r>
+            <a:r>
+              <a:rPr lang="de-DE" sz="1400" dirty="0">
+                <a:cs typeface="Calibri" panose="020F0502020204030204"/>
+              </a:rPr>
+              <a:t>. Proceedings - 2015 </a:t>
+            </a:r>
+            <a:r>
+              <a:rPr lang="de-DE" sz="1400" dirty="0" err="1">
+                <a:cs typeface="Calibri" panose="020F0502020204030204"/>
+              </a:rPr>
+              <a:t>Brazilian</a:t>
+            </a:r>
+            <a:r>
+              <a:rPr lang="de-DE" sz="1400" dirty="0">
+                <a:cs typeface="Calibri" panose="020F0502020204030204"/>
+              </a:rPr>
+              <a:t> Conference on Intelligent Systems, BRACIS 2015 pp. 175{179 (2016). https://doi.org/10.1109/BRACIS.2015.44</a:t>
+            </a:r>
+            <a:endParaRPr lang="de-DE" dirty="0">
               <a:cs typeface="Calibri" panose="020F0502020204030204"/>
             </a:endParaRPr>
           </a:p>
           <a:p>
             <a:pPr algn="l"/>
-            <a:endParaRPr lang="de-DE" sz="1400">
+            <a:endParaRPr lang="de-DE" sz="1400" dirty="0">
               <a:cs typeface="Calibri" panose="020F0502020204030204"/>
             </a:endParaRPr>
           </a:p>
           <a:p>
             <a:pPr algn="l"/>
             <a:r>
-              <a:rPr lang="de-DE" sz="1400">
-                <a:cs typeface="Calibri" panose="020F0502020204030204"/>
-              </a:rPr>
-              <a:t>Deng, L., Yu, D.: Automatic speech recognition, Springer Verlag, vol. 9 (2015). https://doi.org/10.1007/BF02747521</a:t>
-            </a:r>
-            <a:endParaRPr lang="de-DE">
+              <a:rPr lang="de-DE" sz="1400" dirty="0">
+                <a:cs typeface="Calibri" panose="020F0502020204030204"/>
+              </a:rPr>
+              <a:t>[11]Deng, L., </a:t>
+            </a:r>
+            <a:r>
+              <a:rPr lang="de-DE" sz="1400" dirty="0" err="1">
+                <a:cs typeface="Calibri" panose="020F0502020204030204"/>
+              </a:rPr>
+              <a:t>Yu</a:t>
+            </a:r>
+            <a:r>
+              <a:rPr lang="de-DE" sz="1400" dirty="0">
+                <a:cs typeface="Calibri" panose="020F0502020204030204"/>
+              </a:rPr>
+              <a:t>, D.: </a:t>
+            </a:r>
+            <a:r>
+              <a:rPr lang="de-DE" sz="1400" dirty="0" err="1">
+                <a:cs typeface="Calibri" panose="020F0502020204030204"/>
+              </a:rPr>
+              <a:t>Automatic</a:t>
+            </a:r>
+            <a:r>
+              <a:rPr lang="de-DE" sz="1400" dirty="0">
+                <a:cs typeface="Calibri" panose="020F0502020204030204"/>
+              </a:rPr>
+              <a:t> </a:t>
+            </a:r>
+            <a:r>
+              <a:rPr lang="de-DE" sz="1400" dirty="0" err="1">
+                <a:cs typeface="Calibri" panose="020F0502020204030204"/>
+              </a:rPr>
+              <a:t>speech</a:t>
+            </a:r>
+            <a:r>
+              <a:rPr lang="de-DE" sz="1400" dirty="0">
+                <a:cs typeface="Calibri" panose="020F0502020204030204"/>
+              </a:rPr>
+              <a:t> </a:t>
+            </a:r>
+            <a:r>
+              <a:rPr lang="de-DE" sz="1400" dirty="0" err="1">
+                <a:cs typeface="Calibri" panose="020F0502020204030204"/>
+              </a:rPr>
+              <a:t>recognition</a:t>
+            </a:r>
+            <a:r>
+              <a:rPr lang="de-DE" sz="1400" dirty="0">
+                <a:cs typeface="Calibri" panose="020F0502020204030204"/>
+              </a:rPr>
+              <a:t>, Springer Verlag, vol. 9 (2015). https://doi.org/10.1007/BF02747521</a:t>
+            </a:r>
+            <a:endParaRPr lang="de-DE" dirty="0">
               <a:cs typeface="Calibri" panose="020F0502020204030204"/>
             </a:endParaRPr>
           </a:p>
           <a:p>
             <a:pPr algn="l"/>
-            <a:endParaRPr lang="de-DE" sz="1400">
+            <a:endParaRPr lang="de-DE" sz="1400" dirty="0">
               <a:cs typeface="Calibri" panose="020F0502020204030204"/>
             </a:endParaRPr>
           </a:p>
           <a:p>
             <a:pPr algn="l"/>
             <a:r>
-              <a:rPr lang="de-DE" sz="1400">
-                <a:cs typeface="Calibri" panose="020F0502020204030204"/>
-              </a:rPr>
-              <a:t>Aracena, C., Basterrech, S., Snasel, V., Velasquez, J.: Neural Networks for Emotion Recognition Based on Eye Tracking Data. Proceedings - 2015 IEEE International Conference on Systems, Man, and Cybernetics, SMC 2015 pp. 2632{2637 (2016). https://doi.org/10.1109/SMC.2015.460</a:t>
-            </a:r>
-            <a:endParaRPr lang="de-DE">
+              <a:rPr lang="de-DE" sz="1400" dirty="0">
+                <a:cs typeface="Calibri" panose="020F0502020204030204"/>
+              </a:rPr>
+              <a:t>[12]</a:t>
+            </a:r>
+            <a:r>
+              <a:rPr lang="de-DE" sz="1400" dirty="0" err="1">
+                <a:cs typeface="Calibri" panose="020F0502020204030204"/>
+              </a:rPr>
+              <a:t>Aracena</a:t>
+            </a:r>
+            <a:r>
+              <a:rPr lang="de-DE" sz="1400" dirty="0">
+                <a:cs typeface="Calibri" panose="020F0502020204030204"/>
+              </a:rPr>
+              <a:t>, C., </a:t>
+            </a:r>
+            <a:r>
+              <a:rPr lang="de-DE" sz="1400" dirty="0" err="1">
+                <a:cs typeface="Calibri" panose="020F0502020204030204"/>
+              </a:rPr>
+              <a:t>Basterrech</a:t>
+            </a:r>
+            <a:r>
+              <a:rPr lang="de-DE" sz="1400" dirty="0">
+                <a:cs typeface="Calibri" panose="020F0502020204030204"/>
+              </a:rPr>
+              <a:t>, S., </a:t>
+            </a:r>
+            <a:r>
+              <a:rPr lang="de-DE" sz="1400" dirty="0" err="1">
+                <a:cs typeface="Calibri" panose="020F0502020204030204"/>
+              </a:rPr>
+              <a:t>Snasel</a:t>
+            </a:r>
+            <a:r>
+              <a:rPr lang="de-DE" sz="1400" dirty="0">
+                <a:cs typeface="Calibri" panose="020F0502020204030204"/>
+              </a:rPr>
+              <a:t>, V., Velasquez, J.: </a:t>
+            </a:r>
+            <a:r>
+              <a:rPr lang="de-DE" sz="1400" dirty="0" err="1">
+                <a:cs typeface="Calibri" panose="020F0502020204030204"/>
+              </a:rPr>
+              <a:t>Neural</a:t>
+            </a:r>
+            <a:r>
+              <a:rPr lang="de-DE" sz="1400" dirty="0">
+                <a:cs typeface="Calibri" panose="020F0502020204030204"/>
+              </a:rPr>
+              <a:t> Networks </a:t>
+            </a:r>
+            <a:r>
+              <a:rPr lang="de-DE" sz="1400" dirty="0" err="1">
+                <a:cs typeface="Calibri" panose="020F0502020204030204"/>
+              </a:rPr>
+              <a:t>for</a:t>
+            </a:r>
+            <a:r>
+              <a:rPr lang="de-DE" sz="1400" dirty="0">
+                <a:cs typeface="Calibri" panose="020F0502020204030204"/>
+              </a:rPr>
+              <a:t> Emotion Recognition </a:t>
+            </a:r>
+            <a:r>
+              <a:rPr lang="de-DE" sz="1400" dirty="0" err="1">
+                <a:cs typeface="Calibri" panose="020F0502020204030204"/>
+              </a:rPr>
+              <a:t>Based</a:t>
+            </a:r>
+            <a:r>
+              <a:rPr lang="de-DE" sz="1400" dirty="0">
+                <a:cs typeface="Calibri" panose="020F0502020204030204"/>
+              </a:rPr>
+              <a:t> on Eye Tracking Data. Proceedings - 2015 IEEE International Conference on Systems, Man, and </a:t>
+            </a:r>
+            <a:r>
+              <a:rPr lang="de-DE" sz="1400" dirty="0" err="1">
+                <a:cs typeface="Calibri" panose="020F0502020204030204"/>
+              </a:rPr>
+              <a:t>Cybernetics</a:t>
+            </a:r>
+            <a:r>
+              <a:rPr lang="de-DE" sz="1400" dirty="0">
+                <a:cs typeface="Calibri" panose="020F0502020204030204"/>
+              </a:rPr>
+              <a:t>, SMC 2015 pp. 2632{2637 (2016). https://doi.org/10.1109/SMC.2015.460</a:t>
+            </a:r>
+            <a:endParaRPr lang="de-DE" dirty="0">
               <a:cs typeface="Calibri" panose="020F0502020204030204"/>
             </a:endParaRPr>
           </a:p>
@@ -21409,7 +22957,7 @@
 </p:sld>
 </file>
 
-<file path=ppt/slides/slide37.xml><?xml version="1.0" encoding="utf-8"?>
+<file path=ppt/slides/slide38.xml><?xml version="1.0" encoding="utf-8"?>
 <p:sld xmlns:a="http://schemas.openxmlformats.org/drawingml/2006/main" xmlns:r="http://schemas.openxmlformats.org/officeDocument/2006/relationships" xmlns:p="http://schemas.openxmlformats.org/presentationml/2006/main">
   <p:cSld>
     <p:spTree>
@@ -21587,78 +23135,738 @@
           <a:p>
             <a:pPr algn="l"/>
             <a:r>
-              <a:rPr lang="de-DE" sz="1400">
-                <a:cs typeface="Calibri"/>
-              </a:rPr>
-              <a:t>Surace, L., Patacchiola, M., Sonmez, E.B., Spataro, W., Cangelosi, A.: Emotion Recognition in the Wild using Deep Neural Networks and Bayesian Classi ers. Proceeding ICMI 2017 Proceedings of the 19th ACM International Conference on Multimodal Interaction Pages 593- 597 pp. 593{597 (2017). https://doi.org/10.1145/3136755.3143015</a:t>
-            </a:r>
-            <a:endParaRPr lang="de-DE"/>
+              <a:rPr lang="de-DE" sz="1400" dirty="0">
+                <a:cs typeface="Calibri"/>
+              </a:rPr>
+              <a:t>[13]</a:t>
+            </a:r>
+            <a:r>
+              <a:rPr lang="de-DE" sz="1400" dirty="0" err="1">
+                <a:cs typeface="Calibri"/>
+              </a:rPr>
+              <a:t>Surace</a:t>
+            </a:r>
+            <a:r>
+              <a:rPr lang="de-DE" sz="1400" dirty="0">
+                <a:cs typeface="Calibri"/>
+              </a:rPr>
+              <a:t>, L., </a:t>
+            </a:r>
+            <a:r>
+              <a:rPr lang="de-DE" sz="1400" dirty="0" err="1">
+                <a:cs typeface="Calibri"/>
+              </a:rPr>
+              <a:t>Patacchiola</a:t>
+            </a:r>
+            <a:r>
+              <a:rPr lang="de-DE" sz="1400" dirty="0">
+                <a:cs typeface="Calibri"/>
+              </a:rPr>
+              <a:t>, M., </a:t>
+            </a:r>
+            <a:r>
+              <a:rPr lang="de-DE" sz="1400" dirty="0" err="1">
+                <a:cs typeface="Calibri"/>
+              </a:rPr>
+              <a:t>Sonmez</a:t>
+            </a:r>
+            <a:r>
+              <a:rPr lang="de-DE" sz="1400" dirty="0">
+                <a:cs typeface="Calibri"/>
+              </a:rPr>
+              <a:t>, E.B., </a:t>
+            </a:r>
+            <a:r>
+              <a:rPr lang="de-DE" sz="1400" dirty="0" err="1">
+                <a:cs typeface="Calibri"/>
+              </a:rPr>
+              <a:t>Spataro</a:t>
+            </a:r>
+            <a:r>
+              <a:rPr lang="de-DE" sz="1400" dirty="0">
+                <a:cs typeface="Calibri"/>
+              </a:rPr>
+              <a:t>, W., </a:t>
+            </a:r>
+            <a:r>
+              <a:rPr lang="de-DE" sz="1400" dirty="0" err="1">
+                <a:cs typeface="Calibri"/>
+              </a:rPr>
+              <a:t>Cangelosi</a:t>
+            </a:r>
+            <a:r>
+              <a:rPr lang="de-DE" sz="1400" dirty="0">
+                <a:cs typeface="Calibri"/>
+              </a:rPr>
+              <a:t>, A.: Emotion Recognition in </a:t>
+            </a:r>
+            <a:r>
+              <a:rPr lang="de-DE" sz="1400" dirty="0" err="1">
+                <a:cs typeface="Calibri"/>
+              </a:rPr>
+              <a:t>the</a:t>
+            </a:r>
+            <a:r>
+              <a:rPr lang="de-DE" sz="1400" dirty="0">
+                <a:cs typeface="Calibri"/>
+              </a:rPr>
+              <a:t> Wild </a:t>
+            </a:r>
+            <a:r>
+              <a:rPr lang="de-DE" sz="1400" dirty="0" err="1">
+                <a:cs typeface="Calibri"/>
+              </a:rPr>
+              <a:t>using</a:t>
+            </a:r>
+            <a:r>
+              <a:rPr lang="de-DE" sz="1400" dirty="0">
+                <a:cs typeface="Calibri"/>
+              </a:rPr>
+              <a:t> Deep </a:t>
+            </a:r>
+            <a:r>
+              <a:rPr lang="de-DE" sz="1400" dirty="0" err="1">
+                <a:cs typeface="Calibri"/>
+              </a:rPr>
+              <a:t>Neural</a:t>
+            </a:r>
+            <a:r>
+              <a:rPr lang="de-DE" sz="1400" dirty="0">
+                <a:cs typeface="Calibri"/>
+              </a:rPr>
+              <a:t> Networks and </a:t>
+            </a:r>
+            <a:r>
+              <a:rPr lang="de-DE" sz="1400" dirty="0" err="1">
+                <a:cs typeface="Calibri"/>
+              </a:rPr>
+              <a:t>Bayesian</a:t>
+            </a:r>
+            <a:r>
+              <a:rPr lang="de-DE" sz="1400" dirty="0">
+                <a:cs typeface="Calibri"/>
+              </a:rPr>
+              <a:t> </a:t>
+            </a:r>
+            <a:r>
+              <a:rPr lang="de-DE" sz="1400" dirty="0" err="1">
+                <a:cs typeface="Calibri"/>
+              </a:rPr>
+              <a:t>Classi</a:t>
+            </a:r>
+            <a:r>
+              <a:rPr lang="de-DE" sz="1400" dirty="0">
+                <a:cs typeface="Calibri"/>
+              </a:rPr>
+              <a:t> </a:t>
+            </a:r>
+            <a:r>
+              <a:rPr lang="de-DE" sz="1400" dirty="0" err="1">
+                <a:cs typeface="Calibri"/>
+              </a:rPr>
+              <a:t>ers</a:t>
+            </a:r>
+            <a:r>
+              <a:rPr lang="de-DE" sz="1400" dirty="0">
+                <a:cs typeface="Calibri"/>
+              </a:rPr>
+              <a:t>. </a:t>
+            </a:r>
+            <a:r>
+              <a:rPr lang="de-DE" sz="1400" dirty="0" err="1">
+                <a:cs typeface="Calibri"/>
+              </a:rPr>
+              <a:t>Proceeding</a:t>
+            </a:r>
+            <a:r>
+              <a:rPr lang="de-DE" sz="1400" dirty="0">
+                <a:cs typeface="Calibri"/>
+              </a:rPr>
+              <a:t> ICMI 2017 Proceedings </a:t>
+            </a:r>
+            <a:r>
+              <a:rPr lang="de-DE" sz="1400" dirty="0" err="1">
+                <a:cs typeface="Calibri"/>
+              </a:rPr>
+              <a:t>of</a:t>
+            </a:r>
+            <a:r>
+              <a:rPr lang="de-DE" sz="1400" dirty="0">
+                <a:cs typeface="Calibri"/>
+              </a:rPr>
+              <a:t> </a:t>
+            </a:r>
+            <a:r>
+              <a:rPr lang="de-DE" sz="1400" dirty="0" err="1">
+                <a:cs typeface="Calibri"/>
+              </a:rPr>
+              <a:t>the</a:t>
+            </a:r>
+            <a:r>
+              <a:rPr lang="de-DE" sz="1400" dirty="0">
+                <a:cs typeface="Calibri"/>
+              </a:rPr>
+              <a:t> 19th ACM International Conference on Multimodal Interaction Pages 593- 597 pp. 593{597 (2017). https://doi.org/10.1145/3136755.3143015</a:t>
+            </a:r>
+            <a:endParaRPr lang="de-DE" dirty="0"/>
           </a:p>
           <a:p>
             <a:pPr algn="l"/>
-            <a:endParaRPr lang="de-DE" sz="1400">
+            <a:endParaRPr lang="de-DE" sz="1400" dirty="0">
               <a:cs typeface="Calibri" panose="020F0502020204030204"/>
             </a:endParaRPr>
           </a:p>
           <a:p>
             <a:pPr algn="l"/>
             <a:r>
-              <a:rPr lang="de-DE" sz="1400">
-                <a:cs typeface="Calibri" panose="020F0502020204030204"/>
-              </a:rPr>
-              <a:t>Huang, C.: Combining convolutional neural networks for emotion recognition. 2017 IEEE MIT Undergraduate Research Technology Conference, URTC 2017 pp. 1{4 (2018). https://doi.org/10.1109/URTC.2017.8284175</a:t>
-            </a:r>
-            <a:endParaRPr lang="de-DE"/>
+              <a:rPr lang="de-DE" sz="1400" dirty="0">
+                <a:cs typeface="Calibri" panose="020F0502020204030204"/>
+              </a:rPr>
+              <a:t>[14]Huang, C.: </a:t>
+            </a:r>
+            <a:r>
+              <a:rPr lang="de-DE" sz="1400" dirty="0" err="1">
+                <a:cs typeface="Calibri" panose="020F0502020204030204"/>
+              </a:rPr>
+              <a:t>Combining</a:t>
+            </a:r>
+            <a:r>
+              <a:rPr lang="de-DE" sz="1400" dirty="0">
+                <a:cs typeface="Calibri" panose="020F0502020204030204"/>
+              </a:rPr>
+              <a:t> </a:t>
+            </a:r>
+            <a:r>
+              <a:rPr lang="de-DE" sz="1400" dirty="0" err="1">
+                <a:cs typeface="Calibri" panose="020F0502020204030204"/>
+              </a:rPr>
+              <a:t>convolutional</a:t>
+            </a:r>
+            <a:r>
+              <a:rPr lang="de-DE" sz="1400" dirty="0">
+                <a:cs typeface="Calibri" panose="020F0502020204030204"/>
+              </a:rPr>
+              <a:t> </a:t>
+            </a:r>
+            <a:r>
+              <a:rPr lang="de-DE" sz="1400" dirty="0" err="1">
+                <a:cs typeface="Calibri" panose="020F0502020204030204"/>
+              </a:rPr>
+              <a:t>neural</a:t>
+            </a:r>
+            <a:r>
+              <a:rPr lang="de-DE" sz="1400" dirty="0">
+                <a:cs typeface="Calibri" panose="020F0502020204030204"/>
+              </a:rPr>
+              <a:t> </a:t>
+            </a:r>
+            <a:r>
+              <a:rPr lang="de-DE" sz="1400" dirty="0" err="1">
+                <a:cs typeface="Calibri" panose="020F0502020204030204"/>
+              </a:rPr>
+              <a:t>networks</a:t>
+            </a:r>
+            <a:r>
+              <a:rPr lang="de-DE" sz="1400" dirty="0">
+                <a:cs typeface="Calibri" panose="020F0502020204030204"/>
+              </a:rPr>
+              <a:t> </a:t>
+            </a:r>
+            <a:r>
+              <a:rPr lang="de-DE" sz="1400" dirty="0" err="1">
+                <a:cs typeface="Calibri" panose="020F0502020204030204"/>
+              </a:rPr>
+              <a:t>for</a:t>
+            </a:r>
+            <a:r>
+              <a:rPr lang="de-DE" sz="1400" dirty="0">
+                <a:cs typeface="Calibri" panose="020F0502020204030204"/>
+              </a:rPr>
+              <a:t> </a:t>
+            </a:r>
+            <a:r>
+              <a:rPr lang="de-DE" sz="1400" dirty="0" err="1">
+                <a:cs typeface="Calibri" panose="020F0502020204030204"/>
+              </a:rPr>
+              <a:t>emotion</a:t>
+            </a:r>
+            <a:r>
+              <a:rPr lang="de-DE" sz="1400" dirty="0">
+                <a:cs typeface="Calibri" panose="020F0502020204030204"/>
+              </a:rPr>
+              <a:t> </a:t>
+            </a:r>
+            <a:r>
+              <a:rPr lang="de-DE" sz="1400" dirty="0" err="1">
+                <a:cs typeface="Calibri" panose="020F0502020204030204"/>
+              </a:rPr>
+              <a:t>recognition</a:t>
+            </a:r>
+            <a:r>
+              <a:rPr lang="de-DE" sz="1400" dirty="0">
+                <a:cs typeface="Calibri" panose="020F0502020204030204"/>
+              </a:rPr>
+              <a:t>. 2017 IEEE MIT </a:t>
+            </a:r>
+            <a:r>
+              <a:rPr lang="de-DE" sz="1400" dirty="0" err="1">
+                <a:cs typeface="Calibri" panose="020F0502020204030204"/>
+              </a:rPr>
+              <a:t>Undergraduate</a:t>
+            </a:r>
+            <a:r>
+              <a:rPr lang="de-DE" sz="1400" dirty="0">
+                <a:cs typeface="Calibri" panose="020F0502020204030204"/>
+              </a:rPr>
+              <a:t> Research Technology Conference, URTC 2017 pp. 1{4 (2018). https://doi.org/10.1109/URTC.2017.8284175</a:t>
+            </a:r>
+            <a:endParaRPr lang="de-DE" dirty="0"/>
           </a:p>
           <a:p>
             <a:pPr algn="l"/>
-            <a:endParaRPr lang="de-DE" sz="1400">
+            <a:endParaRPr lang="de-DE" sz="1400" dirty="0">
               <a:cs typeface="Calibri" panose="020F0502020204030204"/>
             </a:endParaRPr>
           </a:p>
           <a:p>
             <a:pPr algn="l"/>
             <a:r>
-              <a:rPr lang="de-DE" sz="1400">
-                <a:cs typeface="Calibri" panose="020F0502020204030204"/>
-              </a:rPr>
-              <a:t>Bajta, M.E., Idri, A., Ros, J.N., Fernandez-Aleman, J.L., Gea, J.M.C.D., Garca, F., Toval, A.: Software project management approaches for global software development: a systematic mapping study. Tsinghua Science and Technology 23(6), 690{714 (2018). https://doi.org/10.26599/TST.2018.9010029</a:t>
-            </a:r>
-            <a:endParaRPr lang="de-DE"/>
+              <a:rPr lang="de-DE" sz="1400" dirty="0">
+                <a:cs typeface="Calibri" panose="020F0502020204030204"/>
+              </a:rPr>
+              <a:t>[15]</a:t>
+            </a:r>
+            <a:r>
+              <a:rPr lang="de-DE" sz="1400" dirty="0" err="1">
+                <a:cs typeface="Calibri" panose="020F0502020204030204"/>
+              </a:rPr>
+              <a:t>Bajta</a:t>
+            </a:r>
+            <a:r>
+              <a:rPr lang="de-DE" sz="1400" dirty="0">
+                <a:cs typeface="Calibri" panose="020F0502020204030204"/>
+              </a:rPr>
+              <a:t>, M.E., </a:t>
+            </a:r>
+            <a:r>
+              <a:rPr lang="de-DE" sz="1400" dirty="0" err="1">
+                <a:cs typeface="Calibri" panose="020F0502020204030204"/>
+              </a:rPr>
+              <a:t>Idri</a:t>
+            </a:r>
+            <a:r>
+              <a:rPr lang="de-DE" sz="1400" dirty="0">
+                <a:cs typeface="Calibri" panose="020F0502020204030204"/>
+              </a:rPr>
+              <a:t>, A., Ros, J.N., Fernandez-Aleman, J.L., </a:t>
+            </a:r>
+            <a:r>
+              <a:rPr lang="de-DE" sz="1400" dirty="0" err="1">
+                <a:cs typeface="Calibri" panose="020F0502020204030204"/>
+              </a:rPr>
+              <a:t>Gea</a:t>
+            </a:r>
+            <a:r>
+              <a:rPr lang="de-DE" sz="1400" dirty="0">
+                <a:cs typeface="Calibri" panose="020F0502020204030204"/>
+              </a:rPr>
+              <a:t>, J.M.C.D., </a:t>
+            </a:r>
+            <a:r>
+              <a:rPr lang="de-DE" sz="1400" dirty="0" err="1">
+                <a:cs typeface="Calibri" panose="020F0502020204030204"/>
+              </a:rPr>
+              <a:t>Garca</a:t>
+            </a:r>
+            <a:r>
+              <a:rPr lang="de-DE" sz="1400" dirty="0">
+                <a:cs typeface="Calibri" panose="020F0502020204030204"/>
+              </a:rPr>
+              <a:t>, F., </a:t>
+            </a:r>
+            <a:r>
+              <a:rPr lang="de-DE" sz="1400" dirty="0" err="1">
+                <a:cs typeface="Calibri" panose="020F0502020204030204"/>
+              </a:rPr>
+              <a:t>Toval</a:t>
+            </a:r>
+            <a:r>
+              <a:rPr lang="de-DE" sz="1400" dirty="0">
+                <a:cs typeface="Calibri" panose="020F0502020204030204"/>
+              </a:rPr>
+              <a:t>, A.: Software </a:t>
+            </a:r>
+            <a:r>
+              <a:rPr lang="de-DE" sz="1400" dirty="0" err="1">
+                <a:cs typeface="Calibri" panose="020F0502020204030204"/>
+              </a:rPr>
+              <a:t>project</a:t>
+            </a:r>
+            <a:r>
+              <a:rPr lang="de-DE" sz="1400" dirty="0">
+                <a:cs typeface="Calibri" panose="020F0502020204030204"/>
+              </a:rPr>
+              <a:t> </a:t>
+            </a:r>
+            <a:r>
+              <a:rPr lang="de-DE" sz="1400" dirty="0" err="1">
+                <a:cs typeface="Calibri" panose="020F0502020204030204"/>
+              </a:rPr>
+              <a:t>management</a:t>
+            </a:r>
+            <a:r>
+              <a:rPr lang="de-DE" sz="1400" dirty="0">
+                <a:cs typeface="Calibri" panose="020F0502020204030204"/>
+              </a:rPr>
+              <a:t> </a:t>
+            </a:r>
+            <a:r>
+              <a:rPr lang="de-DE" sz="1400" dirty="0" err="1">
+                <a:cs typeface="Calibri" panose="020F0502020204030204"/>
+              </a:rPr>
+              <a:t>approaches</a:t>
+            </a:r>
+            <a:r>
+              <a:rPr lang="de-DE" sz="1400" dirty="0">
+                <a:cs typeface="Calibri" panose="020F0502020204030204"/>
+              </a:rPr>
+              <a:t> </a:t>
+            </a:r>
+            <a:r>
+              <a:rPr lang="de-DE" sz="1400" dirty="0" err="1">
+                <a:cs typeface="Calibri" panose="020F0502020204030204"/>
+              </a:rPr>
+              <a:t>for</a:t>
+            </a:r>
+            <a:r>
+              <a:rPr lang="de-DE" sz="1400" dirty="0">
+                <a:cs typeface="Calibri" panose="020F0502020204030204"/>
+              </a:rPr>
+              <a:t> global </a:t>
+            </a:r>
+            <a:r>
+              <a:rPr lang="de-DE" sz="1400" dirty="0" err="1">
+                <a:cs typeface="Calibri" panose="020F0502020204030204"/>
+              </a:rPr>
+              <a:t>software</a:t>
+            </a:r>
+            <a:r>
+              <a:rPr lang="de-DE" sz="1400" dirty="0">
+                <a:cs typeface="Calibri" panose="020F0502020204030204"/>
+              </a:rPr>
+              <a:t> </a:t>
+            </a:r>
+            <a:r>
+              <a:rPr lang="de-DE" sz="1400" dirty="0" err="1">
+                <a:cs typeface="Calibri" panose="020F0502020204030204"/>
+              </a:rPr>
+              <a:t>development</a:t>
+            </a:r>
+            <a:r>
+              <a:rPr lang="de-DE" sz="1400" dirty="0">
+                <a:cs typeface="Calibri" panose="020F0502020204030204"/>
+              </a:rPr>
+              <a:t>: a </a:t>
+            </a:r>
+            <a:r>
+              <a:rPr lang="de-DE" sz="1400" dirty="0" err="1">
+                <a:cs typeface="Calibri" panose="020F0502020204030204"/>
+              </a:rPr>
+              <a:t>systematic</a:t>
+            </a:r>
+            <a:r>
+              <a:rPr lang="de-DE" sz="1400" dirty="0">
+                <a:cs typeface="Calibri" panose="020F0502020204030204"/>
+              </a:rPr>
+              <a:t> </a:t>
+            </a:r>
+            <a:r>
+              <a:rPr lang="de-DE" sz="1400" dirty="0" err="1">
+                <a:cs typeface="Calibri" panose="020F0502020204030204"/>
+              </a:rPr>
+              <a:t>mapping</a:t>
+            </a:r>
+            <a:r>
+              <a:rPr lang="de-DE" sz="1400" dirty="0">
+                <a:cs typeface="Calibri" panose="020F0502020204030204"/>
+              </a:rPr>
+              <a:t> </a:t>
+            </a:r>
+            <a:r>
+              <a:rPr lang="de-DE" sz="1400" dirty="0" err="1">
+                <a:cs typeface="Calibri" panose="020F0502020204030204"/>
+              </a:rPr>
+              <a:t>study</a:t>
+            </a:r>
+            <a:r>
+              <a:rPr lang="de-DE" sz="1400" dirty="0">
+                <a:cs typeface="Calibri" panose="020F0502020204030204"/>
+              </a:rPr>
+              <a:t>. </a:t>
+            </a:r>
+            <a:r>
+              <a:rPr lang="de-DE" sz="1400" dirty="0" err="1">
+                <a:cs typeface="Calibri" panose="020F0502020204030204"/>
+              </a:rPr>
+              <a:t>Tsinghua</a:t>
+            </a:r>
+            <a:r>
+              <a:rPr lang="de-DE" sz="1400" dirty="0">
+                <a:cs typeface="Calibri" panose="020F0502020204030204"/>
+              </a:rPr>
+              <a:t> Science and Technology 23(6), 690{714 (2018). https://doi.org/10.26599/TST.2018.9010029</a:t>
+            </a:r>
+            <a:endParaRPr lang="de-DE" dirty="0"/>
           </a:p>
           <a:p>
             <a:pPr algn="l"/>
-            <a:endParaRPr lang="de-DE" sz="1400">
+            <a:endParaRPr lang="de-DE" sz="1400" dirty="0">
               <a:cs typeface="Calibri" panose="020F0502020204030204"/>
             </a:endParaRPr>
           </a:p>
           <a:p>
             <a:pPr algn="l"/>
             <a:r>
-              <a:rPr lang="de-DE" sz="1400">
-                <a:cs typeface="Calibri" panose="020F0502020204030204"/>
-              </a:rPr>
-              <a:t>Matson, J.E., Barrett, B.E., Mellichamp, J.M.: Software development cost estimation using function points. IEEE Transactions on Software Engineering 20(4), 275{287 (1994). https://doi.org/10.1109/32.277575</a:t>
-            </a:r>
-            <a:endParaRPr lang="de-DE">
+              <a:rPr lang="de-DE" sz="1400" dirty="0">
+                <a:cs typeface="Calibri" panose="020F0502020204030204"/>
+              </a:rPr>
+              <a:t>[16]</a:t>
+            </a:r>
+            <a:r>
+              <a:rPr lang="de-DE" sz="1400" dirty="0" err="1">
+                <a:cs typeface="Calibri" panose="020F0502020204030204"/>
+              </a:rPr>
+              <a:t>Matson</a:t>
+            </a:r>
+            <a:r>
+              <a:rPr lang="de-DE" sz="1400" dirty="0">
+                <a:cs typeface="Calibri" panose="020F0502020204030204"/>
+              </a:rPr>
+              <a:t>, J.E., Barrett, B.E., </a:t>
+            </a:r>
+            <a:r>
+              <a:rPr lang="de-DE" sz="1400" dirty="0" err="1">
+                <a:cs typeface="Calibri" panose="020F0502020204030204"/>
+              </a:rPr>
+              <a:t>Mellichamp</a:t>
+            </a:r>
+            <a:r>
+              <a:rPr lang="de-DE" sz="1400" dirty="0">
+                <a:cs typeface="Calibri" panose="020F0502020204030204"/>
+              </a:rPr>
+              <a:t>, J.M.: Software </a:t>
+            </a:r>
+            <a:r>
+              <a:rPr lang="de-DE" sz="1400" dirty="0" err="1">
+                <a:cs typeface="Calibri" panose="020F0502020204030204"/>
+              </a:rPr>
+              <a:t>development</a:t>
+            </a:r>
+            <a:r>
+              <a:rPr lang="de-DE" sz="1400" dirty="0">
+                <a:cs typeface="Calibri" panose="020F0502020204030204"/>
+              </a:rPr>
+              <a:t> </a:t>
+            </a:r>
+            <a:r>
+              <a:rPr lang="de-DE" sz="1400" dirty="0" err="1">
+                <a:cs typeface="Calibri" panose="020F0502020204030204"/>
+              </a:rPr>
+              <a:t>cost</a:t>
+            </a:r>
+            <a:r>
+              <a:rPr lang="de-DE" sz="1400" dirty="0">
+                <a:cs typeface="Calibri" panose="020F0502020204030204"/>
+              </a:rPr>
+              <a:t> </a:t>
+            </a:r>
+            <a:r>
+              <a:rPr lang="de-DE" sz="1400" dirty="0" err="1">
+                <a:cs typeface="Calibri" panose="020F0502020204030204"/>
+              </a:rPr>
+              <a:t>estimation</a:t>
+            </a:r>
+            <a:r>
+              <a:rPr lang="de-DE" sz="1400" dirty="0">
+                <a:cs typeface="Calibri" panose="020F0502020204030204"/>
+              </a:rPr>
+              <a:t> </a:t>
+            </a:r>
+            <a:r>
+              <a:rPr lang="de-DE" sz="1400" dirty="0" err="1">
+                <a:cs typeface="Calibri" panose="020F0502020204030204"/>
+              </a:rPr>
+              <a:t>using</a:t>
+            </a:r>
+            <a:r>
+              <a:rPr lang="de-DE" sz="1400" dirty="0">
+                <a:cs typeface="Calibri" panose="020F0502020204030204"/>
+              </a:rPr>
+              <a:t> </a:t>
+            </a:r>
+            <a:r>
+              <a:rPr lang="de-DE" sz="1400" dirty="0" err="1">
+                <a:cs typeface="Calibri" panose="020F0502020204030204"/>
+              </a:rPr>
+              <a:t>function</a:t>
+            </a:r>
+            <a:r>
+              <a:rPr lang="de-DE" sz="1400" dirty="0">
+                <a:cs typeface="Calibri" panose="020F0502020204030204"/>
+              </a:rPr>
+              <a:t> </a:t>
+            </a:r>
+            <a:r>
+              <a:rPr lang="de-DE" sz="1400" dirty="0" err="1">
+                <a:cs typeface="Calibri" panose="020F0502020204030204"/>
+              </a:rPr>
+              <a:t>points</a:t>
+            </a:r>
+            <a:r>
+              <a:rPr lang="de-DE" sz="1400" dirty="0">
+                <a:cs typeface="Calibri" panose="020F0502020204030204"/>
+              </a:rPr>
+              <a:t>. IEEE Transactions on Software Engineering 20(4), 275{287 (1994). https://doi.org/10.1109/32.277575</a:t>
+            </a:r>
+            <a:endParaRPr lang="de-DE" dirty="0">
               <a:cs typeface="Calibri"/>
             </a:endParaRPr>
           </a:p>
           <a:p>
             <a:pPr algn="l"/>
-            <a:endParaRPr lang="de-DE" sz="1400">
+            <a:endParaRPr lang="de-DE" sz="1400" dirty="0">
               <a:cs typeface="Calibri"/>
             </a:endParaRPr>
           </a:p>
           <a:p>
             <a:pPr algn="l"/>
             <a:r>
-              <a:rPr lang="de-DE" sz="1400">
-                <a:cs typeface="Calibri"/>
-              </a:rPr>
-              <a:t>Bilgaiyan, S., Mishra, S., Das, M.: A Review of Software Cost Estimation in Agile Software Development Using Soft Computing Techniques. In: 2016 2nd International Conference on Computational Intelligence and Networks (CINE), Computational Intelligence and Networks (CINE), 2016 2nd International Conference on, cine. p. 112. IEEE. https://doi.org/10.1109/CINE.2016.27</a:t>
-            </a:r>
-            <a:endParaRPr lang="de-DE">
+              <a:rPr lang="de-DE" sz="1400" dirty="0">
+                <a:cs typeface="Calibri"/>
+              </a:rPr>
+              <a:t>[17]</a:t>
+            </a:r>
+            <a:r>
+              <a:rPr lang="de-DE" sz="1400" dirty="0" err="1">
+                <a:cs typeface="Calibri"/>
+              </a:rPr>
+              <a:t>Bilgaiyan</a:t>
+            </a:r>
+            <a:r>
+              <a:rPr lang="de-DE" sz="1400" dirty="0">
+                <a:cs typeface="Calibri"/>
+              </a:rPr>
+              <a:t>, S., </a:t>
+            </a:r>
+            <a:r>
+              <a:rPr lang="de-DE" sz="1400" dirty="0" err="1">
+                <a:cs typeface="Calibri"/>
+              </a:rPr>
+              <a:t>Mishra</a:t>
+            </a:r>
+            <a:r>
+              <a:rPr lang="de-DE" sz="1400" dirty="0">
+                <a:cs typeface="Calibri"/>
+              </a:rPr>
+              <a:t>, S., Das, M.: A Review </a:t>
+            </a:r>
+            <a:r>
+              <a:rPr lang="de-DE" sz="1400" dirty="0" err="1">
+                <a:cs typeface="Calibri"/>
+              </a:rPr>
+              <a:t>of</a:t>
+            </a:r>
+            <a:r>
+              <a:rPr lang="de-DE" sz="1400" dirty="0">
+                <a:cs typeface="Calibri"/>
+              </a:rPr>
+              <a:t> Software </a:t>
+            </a:r>
+            <a:r>
+              <a:rPr lang="de-DE" sz="1400" dirty="0" err="1">
+                <a:cs typeface="Calibri"/>
+              </a:rPr>
+              <a:t>Cost</a:t>
+            </a:r>
+            <a:r>
+              <a:rPr lang="de-DE" sz="1400" dirty="0">
+                <a:cs typeface="Calibri"/>
+              </a:rPr>
+              <a:t> </a:t>
+            </a:r>
+            <a:r>
+              <a:rPr lang="de-DE" sz="1400" dirty="0" err="1">
+                <a:cs typeface="Calibri"/>
+              </a:rPr>
+              <a:t>Estimation</a:t>
+            </a:r>
+            <a:r>
+              <a:rPr lang="de-DE" sz="1400" dirty="0">
+                <a:cs typeface="Calibri"/>
+              </a:rPr>
+              <a:t> in Agile Software Development </a:t>
+            </a:r>
+            <a:r>
+              <a:rPr lang="de-DE" sz="1400" dirty="0" err="1">
+                <a:cs typeface="Calibri"/>
+              </a:rPr>
+              <a:t>Using</a:t>
+            </a:r>
+            <a:r>
+              <a:rPr lang="de-DE" sz="1400" dirty="0">
+                <a:cs typeface="Calibri"/>
+              </a:rPr>
+              <a:t> Soft Computing </a:t>
+            </a:r>
+            <a:r>
+              <a:rPr lang="de-DE" sz="1400" dirty="0" err="1">
+                <a:cs typeface="Calibri"/>
+              </a:rPr>
+              <a:t>Techniques</a:t>
+            </a:r>
+            <a:r>
+              <a:rPr lang="de-DE" sz="1400" dirty="0">
+                <a:cs typeface="Calibri"/>
+              </a:rPr>
+              <a:t>. In: 2016 2nd International Conference on Computational </a:t>
+            </a:r>
+            <a:r>
+              <a:rPr lang="de-DE" sz="1400" dirty="0" err="1">
+                <a:cs typeface="Calibri"/>
+              </a:rPr>
+              <a:t>Intelligence</a:t>
+            </a:r>
+            <a:r>
+              <a:rPr lang="de-DE" sz="1400" dirty="0">
+                <a:cs typeface="Calibri"/>
+              </a:rPr>
+              <a:t> and Networks (CINE), Computational </a:t>
+            </a:r>
+            <a:r>
+              <a:rPr lang="de-DE" sz="1400" dirty="0" err="1">
+                <a:cs typeface="Calibri"/>
+              </a:rPr>
+              <a:t>Intelligence</a:t>
+            </a:r>
+            <a:r>
+              <a:rPr lang="de-DE" sz="1400" dirty="0">
+                <a:cs typeface="Calibri"/>
+              </a:rPr>
+              <a:t> and Networks (CINE), 2016 2nd International Conference on, </a:t>
+            </a:r>
+            <a:r>
+              <a:rPr lang="de-DE" sz="1400" dirty="0" err="1">
+                <a:cs typeface="Calibri"/>
+              </a:rPr>
+              <a:t>cine</a:t>
+            </a:r>
+            <a:r>
+              <a:rPr lang="de-DE" sz="1400" dirty="0">
+                <a:cs typeface="Calibri"/>
+              </a:rPr>
+              <a:t>. p. 112. IEEE. https://doi.org/10.1109/CINE.2016.27</a:t>
+            </a:r>
+            <a:endParaRPr lang="de-DE" dirty="0">
               <a:cs typeface="Calibri" panose="020F0502020204030204"/>
             </a:endParaRPr>
           </a:p>
@@ -21677,7 +23885,7 @@
 </p:sld>
 </file>
 
-<file path=ppt/slides/slide38.xml><?xml version="1.0" encoding="utf-8"?>
+<file path=ppt/slides/slide39.xml><?xml version="1.0" encoding="utf-8"?>
 <p:sld xmlns:a="http://schemas.openxmlformats.org/drawingml/2006/main" xmlns:r="http://schemas.openxmlformats.org/officeDocument/2006/relationships" xmlns:p="http://schemas.openxmlformats.org/presentationml/2006/main">
   <p:cSld>
     <p:spTree>
@@ -21855,76 +24063,616 @@
           <a:p>
             <a:pPr algn="l"/>
             <a:r>
-              <a:rPr lang="de-DE" sz="1400">
-                <a:cs typeface="Calibri" panose="020F0502020204030204"/>
-              </a:rPr>
-              <a:t>Jeery, D.R., Low, G.: Calibrating estimation tools for software development. Software Engineering Journal 5(4), 215{221 (1990). https://doi.org/10.1049/sej.1990.0024</a:t>
-            </a:r>
-            <a:endParaRPr lang="de-DE"/>
+              <a:rPr lang="de-DE" sz="1400" dirty="0">
+                <a:cs typeface="Calibri" panose="020F0502020204030204"/>
+              </a:rPr>
+              <a:t>[18]</a:t>
+            </a:r>
+            <a:r>
+              <a:rPr lang="de-DE" sz="1400" dirty="0" err="1">
+                <a:cs typeface="Calibri" panose="020F0502020204030204"/>
+              </a:rPr>
+              <a:t>Jeery</a:t>
+            </a:r>
+            <a:r>
+              <a:rPr lang="de-DE" sz="1400" dirty="0">
+                <a:cs typeface="Calibri" panose="020F0502020204030204"/>
+              </a:rPr>
+              <a:t>, D.R., Low, G.: </a:t>
+            </a:r>
+            <a:r>
+              <a:rPr lang="de-DE" sz="1400" dirty="0" err="1">
+                <a:cs typeface="Calibri" panose="020F0502020204030204"/>
+              </a:rPr>
+              <a:t>Calibrating</a:t>
+            </a:r>
+            <a:r>
+              <a:rPr lang="de-DE" sz="1400" dirty="0">
+                <a:cs typeface="Calibri" panose="020F0502020204030204"/>
+              </a:rPr>
+              <a:t> </a:t>
+            </a:r>
+            <a:r>
+              <a:rPr lang="de-DE" sz="1400" dirty="0" err="1">
+                <a:cs typeface="Calibri" panose="020F0502020204030204"/>
+              </a:rPr>
+              <a:t>estimation</a:t>
+            </a:r>
+            <a:r>
+              <a:rPr lang="de-DE" sz="1400" dirty="0">
+                <a:cs typeface="Calibri" panose="020F0502020204030204"/>
+              </a:rPr>
+              <a:t> </a:t>
+            </a:r>
+            <a:r>
+              <a:rPr lang="de-DE" sz="1400" dirty="0" err="1">
+                <a:cs typeface="Calibri" panose="020F0502020204030204"/>
+              </a:rPr>
+              <a:t>tools</a:t>
+            </a:r>
+            <a:r>
+              <a:rPr lang="de-DE" sz="1400" dirty="0">
+                <a:cs typeface="Calibri" panose="020F0502020204030204"/>
+              </a:rPr>
+              <a:t> </a:t>
+            </a:r>
+            <a:r>
+              <a:rPr lang="de-DE" sz="1400" dirty="0" err="1">
+                <a:cs typeface="Calibri" panose="020F0502020204030204"/>
+              </a:rPr>
+              <a:t>for</a:t>
+            </a:r>
+            <a:r>
+              <a:rPr lang="de-DE" sz="1400" dirty="0">
+                <a:cs typeface="Calibri" panose="020F0502020204030204"/>
+              </a:rPr>
+              <a:t> </a:t>
+            </a:r>
+            <a:r>
+              <a:rPr lang="de-DE" sz="1400" dirty="0" err="1">
+                <a:cs typeface="Calibri" panose="020F0502020204030204"/>
+              </a:rPr>
+              <a:t>software</a:t>
+            </a:r>
+            <a:r>
+              <a:rPr lang="de-DE" sz="1400" dirty="0">
+                <a:cs typeface="Calibri" panose="020F0502020204030204"/>
+              </a:rPr>
+              <a:t> </a:t>
+            </a:r>
+            <a:r>
+              <a:rPr lang="de-DE" sz="1400" dirty="0" err="1">
+                <a:cs typeface="Calibri" panose="020F0502020204030204"/>
+              </a:rPr>
+              <a:t>development</a:t>
+            </a:r>
+            <a:r>
+              <a:rPr lang="de-DE" sz="1400" dirty="0">
+                <a:cs typeface="Calibri" panose="020F0502020204030204"/>
+              </a:rPr>
+              <a:t>. Software Engineering Journal 5(4), 215{221 (1990). https://doi.org/10.1049/sej.1990.0024</a:t>
+            </a:r>
+            <a:endParaRPr lang="de-DE" dirty="0"/>
           </a:p>
           <a:p>
             <a:pPr algn="l"/>
-            <a:endParaRPr lang="de-DE" sz="1400">
+            <a:endParaRPr lang="de-DE" sz="1400" dirty="0">
               <a:cs typeface="Calibri" panose="020F0502020204030204"/>
             </a:endParaRPr>
           </a:p>
           <a:p>
             <a:pPr algn="l"/>
             <a:r>
-              <a:rPr lang="de-DE" sz="1400">
-                <a:cs typeface="Calibri" panose="020F0502020204030204"/>
-              </a:rPr>
-              <a:t>Heemstra, F.J.: Software Cost Estimation. Handbook of Software Engineering, Hong Kong Polytechnic University 34(10) (1992). https://doi.org/10.1142/97898123897010014</a:t>
-            </a:r>
-            <a:endParaRPr lang="de-DE"/>
+              <a:rPr lang="de-DE" sz="1400" dirty="0">
+                <a:cs typeface="Calibri" panose="020F0502020204030204"/>
+              </a:rPr>
+              <a:t>[19]</a:t>
+            </a:r>
+            <a:r>
+              <a:rPr lang="de-DE" sz="1400" dirty="0" err="1">
+                <a:cs typeface="Calibri" panose="020F0502020204030204"/>
+              </a:rPr>
+              <a:t>Heemstra</a:t>
+            </a:r>
+            <a:r>
+              <a:rPr lang="de-DE" sz="1400" dirty="0">
+                <a:cs typeface="Calibri" panose="020F0502020204030204"/>
+              </a:rPr>
+              <a:t>, F.J.: Software </a:t>
+            </a:r>
+            <a:r>
+              <a:rPr lang="de-DE" sz="1400" dirty="0" err="1">
+                <a:cs typeface="Calibri" panose="020F0502020204030204"/>
+              </a:rPr>
+              <a:t>Cost</a:t>
+            </a:r>
+            <a:r>
+              <a:rPr lang="de-DE" sz="1400" dirty="0">
+                <a:cs typeface="Calibri" panose="020F0502020204030204"/>
+              </a:rPr>
+              <a:t> </a:t>
+            </a:r>
+            <a:r>
+              <a:rPr lang="de-DE" sz="1400" dirty="0" err="1">
+                <a:cs typeface="Calibri" panose="020F0502020204030204"/>
+              </a:rPr>
+              <a:t>Estimation</a:t>
+            </a:r>
+            <a:r>
+              <a:rPr lang="de-DE" sz="1400" dirty="0">
+                <a:cs typeface="Calibri" panose="020F0502020204030204"/>
+              </a:rPr>
+              <a:t>. Handbook </a:t>
+            </a:r>
+            <a:r>
+              <a:rPr lang="de-DE" sz="1400" dirty="0" err="1">
+                <a:cs typeface="Calibri" panose="020F0502020204030204"/>
+              </a:rPr>
+              <a:t>of</a:t>
+            </a:r>
+            <a:r>
+              <a:rPr lang="de-DE" sz="1400" dirty="0">
+                <a:cs typeface="Calibri" panose="020F0502020204030204"/>
+              </a:rPr>
+              <a:t> Software Engineering, Hong Kong </a:t>
+            </a:r>
+            <a:r>
+              <a:rPr lang="de-DE" sz="1400" dirty="0" err="1">
+                <a:cs typeface="Calibri" panose="020F0502020204030204"/>
+              </a:rPr>
+              <a:t>Polytechnic</a:t>
+            </a:r>
+            <a:r>
+              <a:rPr lang="de-DE" sz="1400" dirty="0">
+                <a:cs typeface="Calibri" panose="020F0502020204030204"/>
+              </a:rPr>
+              <a:t> University 34(10) (1992). https://doi.org/10.1142/97898123897010014</a:t>
+            </a:r>
+            <a:endParaRPr lang="de-DE" dirty="0"/>
           </a:p>
           <a:p>
             <a:pPr algn="l"/>
-            <a:endParaRPr lang="de-DE" sz="1400">
+            <a:endParaRPr lang="de-DE" sz="1400" dirty="0">
               <a:cs typeface="Calibri" panose="020F0502020204030204"/>
             </a:endParaRPr>
           </a:p>
           <a:p>
             <a:pPr algn="l"/>
             <a:r>
-              <a:rPr lang="de-DE" sz="1400">
-                <a:cs typeface="Calibri" panose="020F0502020204030204"/>
-              </a:rPr>
-              <a:t>Huang, X., Ho, D., Ren, J., Capretz, L.F.: Improving the COCOMO model using a neuro-fuzzy approach. Applied Soft Computing 7(1), 29{ 40 (2007). https://doi.org/10.1016/J.ASOC.2005.06.007</a:t>
-            </a:r>
-            <a:endParaRPr lang="de-DE"/>
+              <a:rPr lang="de-DE" sz="1400" dirty="0">
+                <a:cs typeface="Calibri" panose="020F0502020204030204"/>
+              </a:rPr>
+              <a:t>[20]Huang, X., Ho, D., Ren, J., </a:t>
+            </a:r>
+            <a:r>
+              <a:rPr lang="de-DE" sz="1400" dirty="0" err="1">
+                <a:cs typeface="Calibri" panose="020F0502020204030204"/>
+              </a:rPr>
+              <a:t>Capretz</a:t>
+            </a:r>
+            <a:r>
+              <a:rPr lang="de-DE" sz="1400" dirty="0">
+                <a:cs typeface="Calibri" panose="020F0502020204030204"/>
+              </a:rPr>
+              <a:t>, L.F.: </a:t>
+            </a:r>
+            <a:r>
+              <a:rPr lang="de-DE" sz="1400" dirty="0" err="1">
+                <a:cs typeface="Calibri" panose="020F0502020204030204"/>
+              </a:rPr>
+              <a:t>Improving</a:t>
+            </a:r>
+            <a:r>
+              <a:rPr lang="de-DE" sz="1400" dirty="0">
+                <a:cs typeface="Calibri" panose="020F0502020204030204"/>
+              </a:rPr>
+              <a:t> </a:t>
+            </a:r>
+            <a:r>
+              <a:rPr lang="de-DE" sz="1400" dirty="0" err="1">
+                <a:cs typeface="Calibri" panose="020F0502020204030204"/>
+              </a:rPr>
+              <a:t>the</a:t>
+            </a:r>
+            <a:r>
+              <a:rPr lang="de-DE" sz="1400" dirty="0">
+                <a:cs typeface="Calibri" panose="020F0502020204030204"/>
+              </a:rPr>
+              <a:t> COCOMO </a:t>
+            </a:r>
+            <a:r>
+              <a:rPr lang="de-DE" sz="1400" dirty="0" err="1">
+                <a:cs typeface="Calibri" panose="020F0502020204030204"/>
+              </a:rPr>
+              <a:t>model</a:t>
+            </a:r>
+            <a:r>
+              <a:rPr lang="de-DE" sz="1400" dirty="0">
+                <a:cs typeface="Calibri" panose="020F0502020204030204"/>
+              </a:rPr>
+              <a:t> </a:t>
+            </a:r>
+            <a:r>
+              <a:rPr lang="de-DE" sz="1400" dirty="0" err="1">
+                <a:cs typeface="Calibri" panose="020F0502020204030204"/>
+              </a:rPr>
+              <a:t>using</a:t>
+            </a:r>
+            <a:r>
+              <a:rPr lang="de-DE" sz="1400" dirty="0">
+                <a:cs typeface="Calibri" panose="020F0502020204030204"/>
+              </a:rPr>
+              <a:t> a neuro-</a:t>
+            </a:r>
+            <a:r>
+              <a:rPr lang="de-DE" sz="1400" dirty="0" err="1">
+                <a:cs typeface="Calibri" panose="020F0502020204030204"/>
+              </a:rPr>
+              <a:t>fuzzy</a:t>
+            </a:r>
+            <a:r>
+              <a:rPr lang="de-DE" sz="1400" dirty="0">
+                <a:cs typeface="Calibri" panose="020F0502020204030204"/>
+              </a:rPr>
+              <a:t> </a:t>
+            </a:r>
+            <a:r>
+              <a:rPr lang="de-DE" sz="1400" dirty="0" err="1">
+                <a:cs typeface="Calibri" panose="020F0502020204030204"/>
+              </a:rPr>
+              <a:t>approach</a:t>
+            </a:r>
+            <a:r>
+              <a:rPr lang="de-DE" sz="1400" dirty="0">
+                <a:cs typeface="Calibri" panose="020F0502020204030204"/>
+              </a:rPr>
+              <a:t>. Applied Soft Computing 7(1), 29{ 40 (2007). https://doi.org/10.1016/J.ASOC.2005.06.007</a:t>
+            </a:r>
+            <a:endParaRPr lang="de-DE" dirty="0"/>
           </a:p>
           <a:p>
             <a:pPr algn="l"/>
-            <a:endParaRPr lang="de-DE" sz="1400">
+            <a:endParaRPr lang="de-DE" sz="1400" dirty="0">
               <a:cs typeface="Calibri" panose="020F0502020204030204"/>
             </a:endParaRPr>
           </a:p>
           <a:p>
             <a:pPr algn="l"/>
             <a:r>
-              <a:rPr lang="de-DE" sz="1400">
-                <a:cs typeface="Calibri" panose="020F0502020204030204"/>
-              </a:rPr>
-              <a:t> Huang, S.J., Lin, C.Y., Chiu, N.H.: Fuzzy decision tree approach for embedding risk assessment information into software cost estimation model. Journal of Information Science and Engineering 22(2), 297{313 (2006)</a:t>
-            </a:r>
-            <a:endParaRPr lang="de-DE"/>
+              <a:rPr lang="de-DE" sz="1400" dirty="0">
+                <a:cs typeface="Calibri" panose="020F0502020204030204"/>
+              </a:rPr>
+              <a:t>[21]Huang, S.J., Lin, C.Y., </a:t>
+            </a:r>
+            <a:r>
+              <a:rPr lang="de-DE" sz="1400" dirty="0" err="1">
+                <a:cs typeface="Calibri" panose="020F0502020204030204"/>
+              </a:rPr>
+              <a:t>Chiu</a:t>
+            </a:r>
+            <a:r>
+              <a:rPr lang="de-DE" sz="1400" dirty="0">
+                <a:cs typeface="Calibri" panose="020F0502020204030204"/>
+              </a:rPr>
+              <a:t>, N.H.: </a:t>
+            </a:r>
+            <a:r>
+              <a:rPr lang="de-DE" sz="1400" dirty="0" err="1">
+                <a:cs typeface="Calibri" panose="020F0502020204030204"/>
+              </a:rPr>
+              <a:t>Fuzzy</a:t>
+            </a:r>
+            <a:r>
+              <a:rPr lang="de-DE" sz="1400" dirty="0">
+                <a:cs typeface="Calibri" panose="020F0502020204030204"/>
+              </a:rPr>
+              <a:t> </a:t>
+            </a:r>
+            <a:r>
+              <a:rPr lang="de-DE" sz="1400" dirty="0" err="1">
+                <a:cs typeface="Calibri" panose="020F0502020204030204"/>
+              </a:rPr>
+              <a:t>decision</a:t>
+            </a:r>
+            <a:r>
+              <a:rPr lang="de-DE" sz="1400" dirty="0">
+                <a:cs typeface="Calibri" panose="020F0502020204030204"/>
+              </a:rPr>
+              <a:t> </a:t>
+            </a:r>
+            <a:r>
+              <a:rPr lang="de-DE" sz="1400" dirty="0" err="1">
+                <a:cs typeface="Calibri" panose="020F0502020204030204"/>
+              </a:rPr>
+              <a:t>tree</a:t>
+            </a:r>
+            <a:r>
+              <a:rPr lang="de-DE" sz="1400" dirty="0">
+                <a:cs typeface="Calibri" panose="020F0502020204030204"/>
+              </a:rPr>
+              <a:t> </a:t>
+            </a:r>
+            <a:r>
+              <a:rPr lang="de-DE" sz="1400" dirty="0" err="1">
+                <a:cs typeface="Calibri" panose="020F0502020204030204"/>
+              </a:rPr>
+              <a:t>approach</a:t>
+            </a:r>
+            <a:r>
+              <a:rPr lang="de-DE" sz="1400" dirty="0">
+                <a:cs typeface="Calibri" panose="020F0502020204030204"/>
+              </a:rPr>
+              <a:t> </a:t>
+            </a:r>
+            <a:r>
+              <a:rPr lang="de-DE" sz="1400" dirty="0" err="1">
+                <a:cs typeface="Calibri" panose="020F0502020204030204"/>
+              </a:rPr>
+              <a:t>for</a:t>
+            </a:r>
+            <a:r>
+              <a:rPr lang="de-DE" sz="1400" dirty="0">
+                <a:cs typeface="Calibri" panose="020F0502020204030204"/>
+              </a:rPr>
+              <a:t> </a:t>
+            </a:r>
+            <a:r>
+              <a:rPr lang="de-DE" sz="1400" dirty="0" err="1">
+                <a:cs typeface="Calibri" panose="020F0502020204030204"/>
+              </a:rPr>
+              <a:t>embedding</a:t>
+            </a:r>
+            <a:r>
+              <a:rPr lang="de-DE" sz="1400" dirty="0">
+                <a:cs typeface="Calibri" panose="020F0502020204030204"/>
+              </a:rPr>
+              <a:t> </a:t>
+            </a:r>
+            <a:r>
+              <a:rPr lang="de-DE" sz="1400" dirty="0" err="1">
+                <a:cs typeface="Calibri" panose="020F0502020204030204"/>
+              </a:rPr>
+              <a:t>risk</a:t>
+            </a:r>
+            <a:r>
+              <a:rPr lang="de-DE" sz="1400" dirty="0">
+                <a:cs typeface="Calibri" panose="020F0502020204030204"/>
+              </a:rPr>
+              <a:t> </a:t>
+            </a:r>
+            <a:r>
+              <a:rPr lang="de-DE" sz="1400" dirty="0" err="1">
+                <a:cs typeface="Calibri" panose="020F0502020204030204"/>
+              </a:rPr>
+              <a:t>assessment</a:t>
+            </a:r>
+            <a:r>
+              <a:rPr lang="de-DE" sz="1400" dirty="0">
+                <a:cs typeface="Calibri" panose="020F0502020204030204"/>
+              </a:rPr>
+              <a:t> </a:t>
+            </a:r>
+            <a:r>
+              <a:rPr lang="de-DE" sz="1400" dirty="0" err="1">
+                <a:cs typeface="Calibri" panose="020F0502020204030204"/>
+              </a:rPr>
+              <a:t>information</a:t>
+            </a:r>
+            <a:r>
+              <a:rPr lang="de-DE" sz="1400" dirty="0">
+                <a:cs typeface="Calibri" panose="020F0502020204030204"/>
+              </a:rPr>
+              <a:t> </a:t>
+            </a:r>
+            <a:r>
+              <a:rPr lang="de-DE" sz="1400" dirty="0" err="1">
+                <a:cs typeface="Calibri" panose="020F0502020204030204"/>
+              </a:rPr>
+              <a:t>into</a:t>
+            </a:r>
+            <a:r>
+              <a:rPr lang="de-DE" sz="1400" dirty="0">
+                <a:cs typeface="Calibri" panose="020F0502020204030204"/>
+              </a:rPr>
+              <a:t> </a:t>
+            </a:r>
+            <a:r>
+              <a:rPr lang="de-DE" sz="1400" dirty="0" err="1">
+                <a:cs typeface="Calibri" panose="020F0502020204030204"/>
+              </a:rPr>
+              <a:t>software</a:t>
+            </a:r>
+            <a:r>
+              <a:rPr lang="de-DE" sz="1400" dirty="0">
+                <a:cs typeface="Calibri" panose="020F0502020204030204"/>
+              </a:rPr>
+              <a:t> </a:t>
+            </a:r>
+            <a:r>
+              <a:rPr lang="de-DE" sz="1400" dirty="0" err="1">
+                <a:cs typeface="Calibri" panose="020F0502020204030204"/>
+              </a:rPr>
+              <a:t>cost</a:t>
+            </a:r>
+            <a:r>
+              <a:rPr lang="de-DE" sz="1400" dirty="0">
+                <a:cs typeface="Calibri" panose="020F0502020204030204"/>
+              </a:rPr>
+              <a:t> </a:t>
+            </a:r>
+            <a:r>
+              <a:rPr lang="de-DE" sz="1400" dirty="0" err="1">
+                <a:cs typeface="Calibri" panose="020F0502020204030204"/>
+              </a:rPr>
+              <a:t>estimation</a:t>
+            </a:r>
+            <a:r>
+              <a:rPr lang="de-DE" sz="1400" dirty="0">
+                <a:cs typeface="Calibri" panose="020F0502020204030204"/>
+              </a:rPr>
+              <a:t> </a:t>
+            </a:r>
+            <a:r>
+              <a:rPr lang="de-DE" sz="1400" dirty="0" err="1">
+                <a:cs typeface="Calibri" panose="020F0502020204030204"/>
+              </a:rPr>
+              <a:t>model</a:t>
+            </a:r>
+            <a:r>
+              <a:rPr lang="de-DE" sz="1400" dirty="0">
+                <a:cs typeface="Calibri" panose="020F0502020204030204"/>
+              </a:rPr>
+              <a:t>. Journal </a:t>
+            </a:r>
+            <a:r>
+              <a:rPr lang="de-DE" sz="1400" dirty="0" err="1">
+                <a:cs typeface="Calibri" panose="020F0502020204030204"/>
+              </a:rPr>
+              <a:t>of</a:t>
+            </a:r>
+            <a:r>
+              <a:rPr lang="de-DE" sz="1400" dirty="0">
+                <a:cs typeface="Calibri" panose="020F0502020204030204"/>
+              </a:rPr>
+              <a:t> Information Science and Engineering 22(2), 297{313 (2006)</a:t>
+            </a:r>
+            <a:endParaRPr lang="de-DE" dirty="0"/>
           </a:p>
           <a:p>
             <a:pPr algn="l"/>
-            <a:endParaRPr lang="de-DE" sz="1400">
+            <a:endParaRPr lang="de-DE" sz="1400" dirty="0">
               <a:cs typeface="Calibri"/>
             </a:endParaRPr>
           </a:p>
           <a:p>
             <a:pPr algn="l"/>
             <a:r>
-              <a:rPr lang="de-DE" sz="1400">
-                <a:cs typeface="Calibri"/>
-              </a:rPr>
-              <a:t>Jain, R., Sharma, V.K., Hiranwal, S.: Reduce mean magnitude relative error in software cost estimation by HOD-COCOMO algorithm. In: 2016 International Conference on Control, Instrumentation, Communication and Computational Technologies (ICCICCT). pp. 708{712. https://doi.org/10.1109/ICCICCT.2016.7988044</a:t>
-            </a:r>
-            <a:endParaRPr lang="de-DE"/>
+              <a:rPr lang="de-DE" sz="1400" dirty="0">
+                <a:cs typeface="Calibri"/>
+              </a:rPr>
+              <a:t>[22]Jain, R., Sharma, V.K., </a:t>
+            </a:r>
+            <a:r>
+              <a:rPr lang="de-DE" sz="1400" dirty="0" err="1">
+                <a:cs typeface="Calibri"/>
+              </a:rPr>
+              <a:t>Hiranwal</a:t>
+            </a:r>
+            <a:r>
+              <a:rPr lang="de-DE" sz="1400" dirty="0">
+                <a:cs typeface="Calibri"/>
+              </a:rPr>
+              <a:t>, S.: </a:t>
+            </a:r>
+            <a:r>
+              <a:rPr lang="de-DE" sz="1400" dirty="0" err="1">
+                <a:cs typeface="Calibri"/>
+              </a:rPr>
+              <a:t>Reduce</a:t>
+            </a:r>
+            <a:r>
+              <a:rPr lang="de-DE" sz="1400" dirty="0">
+                <a:cs typeface="Calibri"/>
+              </a:rPr>
+              <a:t> </a:t>
+            </a:r>
+            <a:r>
+              <a:rPr lang="de-DE" sz="1400" dirty="0" err="1">
+                <a:cs typeface="Calibri"/>
+              </a:rPr>
+              <a:t>mean</a:t>
+            </a:r>
+            <a:r>
+              <a:rPr lang="de-DE" sz="1400" dirty="0">
+                <a:cs typeface="Calibri"/>
+              </a:rPr>
+              <a:t> </a:t>
+            </a:r>
+            <a:r>
+              <a:rPr lang="de-DE" sz="1400" dirty="0" err="1">
+                <a:cs typeface="Calibri"/>
+              </a:rPr>
+              <a:t>magnitude</a:t>
+            </a:r>
+            <a:r>
+              <a:rPr lang="de-DE" sz="1400" dirty="0">
+                <a:cs typeface="Calibri"/>
+              </a:rPr>
+              <a:t> relative </a:t>
+            </a:r>
+            <a:r>
+              <a:rPr lang="de-DE" sz="1400" dirty="0" err="1">
+                <a:cs typeface="Calibri"/>
+              </a:rPr>
+              <a:t>error</a:t>
+            </a:r>
+            <a:r>
+              <a:rPr lang="de-DE" sz="1400" dirty="0">
+                <a:cs typeface="Calibri"/>
+              </a:rPr>
+              <a:t> in </a:t>
+            </a:r>
+            <a:r>
+              <a:rPr lang="de-DE" sz="1400" dirty="0" err="1">
+                <a:cs typeface="Calibri"/>
+              </a:rPr>
+              <a:t>software</a:t>
+            </a:r>
+            <a:r>
+              <a:rPr lang="de-DE" sz="1400" dirty="0">
+                <a:cs typeface="Calibri"/>
+              </a:rPr>
+              <a:t> </a:t>
+            </a:r>
+            <a:r>
+              <a:rPr lang="de-DE" sz="1400" dirty="0" err="1">
+                <a:cs typeface="Calibri"/>
+              </a:rPr>
+              <a:t>cost</a:t>
+            </a:r>
+            <a:r>
+              <a:rPr lang="de-DE" sz="1400" dirty="0">
+                <a:cs typeface="Calibri"/>
+              </a:rPr>
+              <a:t> </a:t>
+            </a:r>
+            <a:r>
+              <a:rPr lang="de-DE" sz="1400" dirty="0" err="1">
+                <a:cs typeface="Calibri"/>
+              </a:rPr>
+              <a:t>estimation</a:t>
+            </a:r>
+            <a:r>
+              <a:rPr lang="de-DE" sz="1400" dirty="0">
+                <a:cs typeface="Calibri"/>
+              </a:rPr>
+              <a:t> </a:t>
+            </a:r>
+            <a:r>
+              <a:rPr lang="de-DE" sz="1400" dirty="0" err="1">
+                <a:cs typeface="Calibri"/>
+              </a:rPr>
+              <a:t>by</a:t>
+            </a:r>
+            <a:r>
+              <a:rPr lang="de-DE" sz="1400" dirty="0">
+                <a:cs typeface="Calibri"/>
+              </a:rPr>
+              <a:t> HOD-COCOMO </a:t>
+            </a:r>
+            <a:r>
+              <a:rPr lang="de-DE" sz="1400" dirty="0" err="1">
+                <a:cs typeface="Calibri"/>
+              </a:rPr>
+              <a:t>algorithm</a:t>
+            </a:r>
+            <a:r>
+              <a:rPr lang="de-DE" sz="1400" dirty="0">
+                <a:cs typeface="Calibri"/>
+              </a:rPr>
+              <a:t>. In: 2016 International Conference on Control, Instrumentation, Communication and Computational Technologies (ICCICCT). pp. 708{712. https://doi.org/10.1109/ICCICCT.2016.7988044</a:t>
+            </a:r>
+            <a:endParaRPr lang="de-DE" dirty="0"/>
           </a:p>
         </p:txBody>
       </p:sp>
@@ -21941,7 +24689,341 @@
 </p:sld>
 </file>
 
-<file path=ppt/slides/slide39.xml><?xml version="1.0" encoding="utf-8"?>
+<file path=ppt/slides/slide4.xml><?xml version="1.0" encoding="utf-8"?>
+<p:sld xmlns:a="http://schemas.openxmlformats.org/drawingml/2006/main" xmlns:r="http://schemas.openxmlformats.org/officeDocument/2006/relationships" xmlns:p="http://schemas.openxmlformats.org/presentationml/2006/main">
+  <p:cSld>
+    <p:spTree>
+      <p:nvGrpSpPr>
+        <p:cNvPr id="1" name=""/>
+        <p:cNvGrpSpPr/>
+        <p:nvPr/>
+      </p:nvGrpSpPr>
+      <p:grpSpPr>
+        <a:xfrm>
+          <a:off x="0" y="0"/>
+          <a:ext cx="0" cy="0"/>
+          <a:chOff x="0" y="0"/>
+          <a:chExt cx="0" cy="0"/>
+        </a:xfrm>
+      </p:grpSpPr>
+      <p:sp>
+        <p:nvSpPr>
+          <p:cNvPr id="2" name="Titel 1"/>
+          <p:cNvSpPr>
+            <a:spLocks noGrp="1"/>
+          </p:cNvSpPr>
+          <p:nvPr>
+            <p:ph type="ctrTitle"/>
+          </p:nvPr>
+        </p:nvSpPr>
+        <p:spPr>
+          <a:xfrm>
+            <a:off x="1439334" y="216798"/>
+            <a:ext cx="9325428" cy="907774"/>
+          </a:xfrm>
+        </p:spPr>
+        <p:txBody>
+          <a:bodyPr>
+            <a:normAutofit fontScale="90000"/>
+          </a:bodyPr>
+          <a:lstStyle/>
+          <a:p>
+            <a:r>
+              <a:rPr lang="de-DE" dirty="0">
+                <a:cs typeface="Calibri Light"/>
+              </a:rPr>
+              <a:t>Neuronale Netze(Konstantin R.)</a:t>
+            </a:r>
+            <a:endParaRPr lang="de-DE" dirty="0"/>
+          </a:p>
+        </p:txBody>
+      </p:sp>
+      <p:sp>
+        <p:nvSpPr>
+          <p:cNvPr id="3" name="Untertitel 2"/>
+          <p:cNvSpPr>
+            <a:spLocks noGrp="1"/>
+          </p:cNvSpPr>
+          <p:nvPr>
+            <p:ph type="subTitle" idx="1"/>
+          </p:nvPr>
+        </p:nvSpPr>
+        <p:spPr>
+          <a:xfrm>
+            <a:off x="1524000" y="1777760"/>
+            <a:ext cx="9144000" cy="3544197"/>
+          </a:xfrm>
+        </p:spPr>
+        <p:txBody>
+          <a:bodyPr vert="horz" lIns="91440" tIns="45720" rIns="91440" bIns="45720" rtlCol="0" anchor="t">
+            <a:normAutofit fontScale="85000" lnSpcReduction="20000"/>
+          </a:bodyPr>
+          <a:lstStyle/>
+          <a:p>
+            <a:pPr marL="342900" indent="-342900" algn="l">
+              <a:lnSpc>
+                <a:spcPct val="150000"/>
+              </a:lnSpc>
+              <a:buChar char="•"/>
+            </a:pPr>
+            <a:r>
+              <a:rPr lang="de-DE" dirty="0">
+                <a:cs typeface="Calibri"/>
+              </a:rPr>
+              <a:t>Lösung für komplexe Probleme</a:t>
+            </a:r>
+          </a:p>
+          <a:p>
+            <a:pPr marL="342900" indent="-342900" algn="l">
+              <a:lnSpc>
+                <a:spcPct val="150000"/>
+              </a:lnSpc>
+              <a:buChar char="•"/>
+            </a:pPr>
+            <a:r>
+              <a:rPr lang="de-DE" dirty="0">
+                <a:cs typeface="Calibri"/>
+              </a:rPr>
+              <a:t>Bestandteile:</a:t>
+            </a:r>
+          </a:p>
+          <a:p>
+            <a:pPr marL="800100" lvl="1" indent="-342900" algn="l">
+              <a:lnSpc>
+                <a:spcPct val="150000"/>
+              </a:lnSpc>
+              <a:buChar char="•"/>
+            </a:pPr>
+            <a:r>
+              <a:rPr lang="de-DE" dirty="0">
+                <a:cs typeface="Calibri"/>
+              </a:rPr>
+              <a:t>Neuronen (Neurons)</a:t>
+            </a:r>
+          </a:p>
+          <a:p>
+            <a:pPr marL="800100" lvl="1" indent="-342900" algn="l">
+              <a:lnSpc>
+                <a:spcPct val="150000"/>
+              </a:lnSpc>
+              <a:buChar char="•"/>
+            </a:pPr>
+            <a:r>
+              <a:rPr lang="de-DE" dirty="0">
+                <a:cs typeface="Calibri"/>
+              </a:rPr>
+              <a:t>Layer</a:t>
+            </a:r>
+          </a:p>
+          <a:p>
+            <a:pPr marL="800100" lvl="1" indent="-342900" algn="l">
+              <a:lnSpc>
+                <a:spcPct val="150000"/>
+              </a:lnSpc>
+              <a:buChar char="•"/>
+            </a:pPr>
+            <a:r>
+              <a:rPr lang="de-DE" dirty="0">
+                <a:cs typeface="Calibri"/>
+              </a:rPr>
+              <a:t>Gewichte (</a:t>
+            </a:r>
+            <a:r>
+              <a:rPr lang="de-DE" dirty="0" err="1">
+                <a:cs typeface="Calibri"/>
+              </a:rPr>
+              <a:t>Weights</a:t>
+            </a:r>
+            <a:r>
+              <a:rPr lang="de-DE" dirty="0">
+                <a:cs typeface="Calibri"/>
+              </a:rPr>
+              <a:t>)</a:t>
+            </a:r>
+          </a:p>
+          <a:p>
+            <a:pPr marL="800100" lvl="1" indent="-342900" algn="l">
+              <a:lnSpc>
+                <a:spcPct val="150000"/>
+              </a:lnSpc>
+              <a:buChar char="•"/>
+            </a:pPr>
+            <a:r>
+              <a:rPr lang="de-DE" dirty="0">
+                <a:cs typeface="Calibri"/>
+              </a:rPr>
+              <a:t>Aktivierungsfunktion</a:t>
+            </a:r>
+          </a:p>
+          <a:p>
+            <a:pPr lvl="1" algn="l"/>
+            <a:endParaRPr lang="de-DE" dirty="0">
+              <a:cs typeface="Calibri"/>
+            </a:endParaRPr>
+          </a:p>
+          <a:p>
+            <a:pPr lvl="1" algn="l"/>
+            <a:endParaRPr lang="de-DE" dirty="0">
+              <a:cs typeface="Calibri"/>
+            </a:endParaRPr>
+          </a:p>
+          <a:p>
+            <a:pPr algn="l"/>
+            <a:r>
+              <a:rPr lang="de-DE" sz="2800" dirty="0">
+                <a:cs typeface="Calibri"/>
+              </a:rPr>
+              <a:t>                                                             [36]</a:t>
+            </a:r>
+          </a:p>
+          <a:p>
+            <a:pPr algn="l"/>
+            <a:endParaRPr lang="de-DE" dirty="0">
+              <a:cs typeface="Calibri"/>
+            </a:endParaRPr>
+          </a:p>
+        </p:txBody>
+      </p:sp>
+      <p:pic>
+        <p:nvPicPr>
+          <p:cNvPr id="4" name="Grafik 4">
+            <a:extLst>
+              <a:ext uri="{FF2B5EF4-FFF2-40B4-BE49-F238E27FC236}">
+                <a16:creationId xmlns:a16="http://schemas.microsoft.com/office/drawing/2014/main" id="{B2D52235-B3FE-4301-8907-77C8B8C93DC7}"/>
+              </a:ext>
+            </a:extLst>
+          </p:cNvPr>
+          <p:cNvPicPr>
+            <a:picLocks noChangeAspect="1"/>
+          </p:cNvPicPr>
+          <p:nvPr/>
+        </p:nvPicPr>
+        <p:blipFill>
+          <a:blip r:embed="rId2"/>
+          <a:stretch>
+            <a:fillRect/>
+          </a:stretch>
+        </p:blipFill>
+        <p:spPr>
+          <a:xfrm>
+            <a:off x="10269745" y="-690"/>
+            <a:ext cx="1924050" cy="1343025"/>
+          </a:xfrm>
+          <a:prstGeom prst="rect">
+            <a:avLst/>
+          </a:prstGeom>
+        </p:spPr>
+      </p:pic>
+      <p:pic>
+        <p:nvPicPr>
+          <p:cNvPr id="6" name="Grafik 6">
+            <a:extLst>
+              <a:ext uri="{FF2B5EF4-FFF2-40B4-BE49-F238E27FC236}">
+                <a16:creationId xmlns:a16="http://schemas.microsoft.com/office/drawing/2014/main" id="{EAAC0DC2-A3AA-4BDD-8444-F06FD0B4D9BA}"/>
+              </a:ext>
+            </a:extLst>
+          </p:cNvPr>
+          <p:cNvPicPr>
+            <a:picLocks noChangeAspect="1"/>
+          </p:cNvPicPr>
+          <p:nvPr/>
+        </p:nvPicPr>
+        <p:blipFill>
+          <a:blip r:embed="rId3"/>
+          <a:stretch>
+            <a:fillRect/>
+          </a:stretch>
+        </p:blipFill>
+        <p:spPr>
+          <a:xfrm>
+            <a:off x="-1380" y="6293403"/>
+            <a:ext cx="12201525" cy="476250"/>
+          </a:xfrm>
+          <a:prstGeom prst="rect">
+            <a:avLst/>
+          </a:prstGeom>
+        </p:spPr>
+      </p:pic>
+      <p:sp>
+        <p:nvSpPr>
+          <p:cNvPr id="9" name="Textfeld 8">
+            <a:extLst>
+              <a:ext uri="{FF2B5EF4-FFF2-40B4-BE49-F238E27FC236}">
+                <a16:creationId xmlns:a16="http://schemas.microsoft.com/office/drawing/2014/main" id="{B4F60A6F-2FBF-4F50-9F96-FE20C10F9A9B}"/>
+              </a:ext>
+            </a:extLst>
+          </p:cNvPr>
+          <p:cNvSpPr txBox="1"/>
+          <p:nvPr/>
+        </p:nvSpPr>
+        <p:spPr>
+          <a:xfrm>
+            <a:off x="7231268" y="6397487"/>
+            <a:ext cx="4830417" cy="276999"/>
+          </a:xfrm>
+          <a:prstGeom prst="rect">
+            <a:avLst/>
+          </a:prstGeom>
+        </p:spPr>
+        <p:txBody>
+          <a:bodyPr rot="0" spcFirstLastPara="0" vertOverflow="overflow" horzOverflow="overflow" vert="horz" wrap="square" lIns="91440" tIns="45720" rIns="91440" bIns="45720" numCol="1" spcCol="0" rtlCol="0" fromWordArt="0" anchor="t" anchorCtr="0" forceAA="0" compatLnSpc="1">
+            <a:prstTxWarp prst="textNoShape">
+              <a:avLst/>
+            </a:prstTxWarp>
+            <a:spAutoFit/>
+          </a:bodyPr>
+          <a:lstStyle/>
+          <a:p>
+            <a:r>
+              <a:rPr lang="de-DE" sz="1200">
+                <a:cs typeface="Calibri"/>
+              </a:rPr>
+              <a:t>Neuronale Netze in der Softwaretechnik – Robin S., Konstantin R., Ravell H.</a:t>
+            </a:r>
+          </a:p>
+        </p:txBody>
+      </p:sp>
+    </p:spTree>
+    <p:extLst>
+      <p:ext uri="{BB962C8B-B14F-4D97-AF65-F5344CB8AC3E}">
+        <p14:creationId xmlns:p14="http://schemas.microsoft.com/office/powerpoint/2010/main" val="1466460230"/>
+      </p:ext>
+    </p:extLst>
+  </p:cSld>
+  <p:clrMapOvr>
+    <a:masterClrMapping/>
+  </p:clrMapOvr>
+  <p:timing>
+    <p:tnLst>
+      <p:par>
+        <p:cTn id="1" dur="indefinite" restart="never" nodeType="tmRoot">
+          <p:childTnLst>
+            <p:seq concurrent="1" nextAc="seek">
+              <p:cTn id="2" dur="indefinite" nodeType="mainSeq"/>
+              <p:prevCondLst>
+                <p:cond evt="onPrev" delay="0">
+                  <p:tgtEl>
+                    <p:sldTgt/>
+                  </p:tgtEl>
+                </p:cond>
+              </p:prevCondLst>
+              <p:nextCondLst>
+                <p:cond evt="onNext" delay="0">
+                  <p:tgtEl>
+                    <p:sldTgt/>
+                  </p:tgtEl>
+                </p:cond>
+              </p:nextCondLst>
+            </p:seq>
+          </p:childTnLst>
+        </p:cTn>
+      </p:par>
+    </p:tnLst>
+  </p:timing>
+</p:sld>
+</file>
+
+<file path=ppt/slides/slide40.xml><?xml version="1.0" encoding="utf-8"?>
 <p:sld xmlns:a="http://schemas.openxmlformats.org/drawingml/2006/main" xmlns:r="http://schemas.openxmlformats.org/officeDocument/2006/relationships" xmlns:p="http://schemas.openxmlformats.org/presentationml/2006/main">
   <p:cSld>
     <p:spTree>
@@ -22119,94 +25201,706 @@
           <a:p>
             <a:pPr algn="l"/>
             <a:r>
-              <a:rPr lang="de-DE" sz="1400">
-                <a:cs typeface="Calibri" panose="020F0502020204030204"/>
-              </a:rPr>
-              <a:t>Chen, Z., Menzies, T., Port, D., Boehm, B.: Feature subset selection can improve software cost estimation accuracy. ACM SIGSOFT Software Engineering Notes 30(4), 1 (2005). https://doi.org/10.1145/1082983.1083171</a:t>
-            </a:r>
-            <a:endParaRPr lang="de-DE"/>
+              <a:rPr lang="de-DE" sz="1400" dirty="0">
+                <a:cs typeface="Calibri" panose="020F0502020204030204"/>
+              </a:rPr>
+              <a:t>[23]Chen, Z., Menzies, T., Port, D., Boehm, B.: Feature </a:t>
+            </a:r>
+            <a:r>
+              <a:rPr lang="de-DE" sz="1400" dirty="0" err="1">
+                <a:cs typeface="Calibri" panose="020F0502020204030204"/>
+              </a:rPr>
+              <a:t>subset</a:t>
+            </a:r>
+            <a:r>
+              <a:rPr lang="de-DE" sz="1400" dirty="0">
+                <a:cs typeface="Calibri" panose="020F0502020204030204"/>
+              </a:rPr>
+              <a:t> </a:t>
+            </a:r>
+            <a:r>
+              <a:rPr lang="de-DE" sz="1400" dirty="0" err="1">
+                <a:cs typeface="Calibri" panose="020F0502020204030204"/>
+              </a:rPr>
+              <a:t>selection</a:t>
+            </a:r>
+            <a:r>
+              <a:rPr lang="de-DE" sz="1400" dirty="0">
+                <a:cs typeface="Calibri" panose="020F0502020204030204"/>
+              </a:rPr>
+              <a:t> </a:t>
+            </a:r>
+            <a:r>
+              <a:rPr lang="de-DE" sz="1400" dirty="0" err="1">
+                <a:cs typeface="Calibri" panose="020F0502020204030204"/>
+              </a:rPr>
+              <a:t>can</a:t>
+            </a:r>
+            <a:r>
+              <a:rPr lang="de-DE" sz="1400" dirty="0">
+                <a:cs typeface="Calibri" panose="020F0502020204030204"/>
+              </a:rPr>
+              <a:t> </a:t>
+            </a:r>
+            <a:r>
+              <a:rPr lang="de-DE" sz="1400" dirty="0" err="1">
+                <a:cs typeface="Calibri" panose="020F0502020204030204"/>
+              </a:rPr>
+              <a:t>improve</a:t>
+            </a:r>
+            <a:r>
+              <a:rPr lang="de-DE" sz="1400" dirty="0">
+                <a:cs typeface="Calibri" panose="020F0502020204030204"/>
+              </a:rPr>
+              <a:t> </a:t>
+            </a:r>
+            <a:r>
+              <a:rPr lang="de-DE" sz="1400" dirty="0" err="1">
+                <a:cs typeface="Calibri" panose="020F0502020204030204"/>
+              </a:rPr>
+              <a:t>software</a:t>
+            </a:r>
+            <a:r>
+              <a:rPr lang="de-DE" sz="1400" dirty="0">
+                <a:cs typeface="Calibri" panose="020F0502020204030204"/>
+              </a:rPr>
+              <a:t> </a:t>
+            </a:r>
+            <a:r>
+              <a:rPr lang="de-DE" sz="1400" dirty="0" err="1">
+                <a:cs typeface="Calibri" panose="020F0502020204030204"/>
+              </a:rPr>
+              <a:t>cost</a:t>
+            </a:r>
+            <a:r>
+              <a:rPr lang="de-DE" sz="1400" dirty="0">
+                <a:cs typeface="Calibri" panose="020F0502020204030204"/>
+              </a:rPr>
+              <a:t> </a:t>
+            </a:r>
+            <a:r>
+              <a:rPr lang="de-DE" sz="1400" dirty="0" err="1">
+                <a:cs typeface="Calibri" panose="020F0502020204030204"/>
+              </a:rPr>
+              <a:t>estimation</a:t>
+            </a:r>
+            <a:r>
+              <a:rPr lang="de-DE" sz="1400" dirty="0">
+                <a:cs typeface="Calibri" panose="020F0502020204030204"/>
+              </a:rPr>
+              <a:t> </a:t>
+            </a:r>
+            <a:r>
+              <a:rPr lang="de-DE" sz="1400" dirty="0" err="1">
+                <a:cs typeface="Calibri" panose="020F0502020204030204"/>
+              </a:rPr>
+              <a:t>accuracy</a:t>
+            </a:r>
+            <a:r>
+              <a:rPr lang="de-DE" sz="1400" dirty="0">
+                <a:cs typeface="Calibri" panose="020F0502020204030204"/>
+              </a:rPr>
+              <a:t>. ACM SIGSOFT Software Engineering Notes 30(4), 1 (2005). https://doi.org/10.1145/1082983.1083171</a:t>
+            </a:r>
+            <a:endParaRPr lang="de-DE" dirty="0"/>
           </a:p>
           <a:p>
             <a:pPr algn="l"/>
-            <a:endParaRPr lang="de-DE" sz="1400">
+            <a:endParaRPr lang="de-DE" sz="1400" dirty="0">
               <a:cs typeface="Calibri" panose="020F0502020204030204"/>
             </a:endParaRPr>
           </a:p>
           <a:p>
             <a:pPr algn="l"/>
             <a:r>
-              <a:rPr lang="de-DE" sz="1400">
-                <a:cs typeface="Calibri" panose="020F0502020204030204"/>
-              </a:rPr>
-              <a:t>Abrahamsson, P., Moser, R., Pedrycz, W., Sillitti, A., Succi, G.: Eort Prediction in Iterative Software Development Processes { Incremental Versus Global Prediction Models. In: First International Symposium on Empirical Software Engineering and Measurement (ESEM 2007). Pp. 344{353 (2007). https://doi.org/10.1109/ESEM.2007.16</a:t>
-            </a:r>
-            <a:endParaRPr lang="de-DE"/>
+              <a:rPr lang="de-DE" sz="1400" dirty="0">
+                <a:cs typeface="Calibri" panose="020F0502020204030204"/>
+              </a:rPr>
+              <a:t>[24]</a:t>
+            </a:r>
+            <a:r>
+              <a:rPr lang="de-DE" sz="1400" dirty="0" err="1">
+                <a:cs typeface="Calibri" panose="020F0502020204030204"/>
+              </a:rPr>
+              <a:t>Abrahamsson</a:t>
+            </a:r>
+            <a:r>
+              <a:rPr lang="de-DE" sz="1400" dirty="0">
+                <a:cs typeface="Calibri" panose="020F0502020204030204"/>
+              </a:rPr>
+              <a:t>, P., Moser, R., </a:t>
+            </a:r>
+            <a:r>
+              <a:rPr lang="de-DE" sz="1400" dirty="0" err="1">
+                <a:cs typeface="Calibri" panose="020F0502020204030204"/>
+              </a:rPr>
+              <a:t>Pedrycz</a:t>
+            </a:r>
+            <a:r>
+              <a:rPr lang="de-DE" sz="1400" dirty="0">
+                <a:cs typeface="Calibri" panose="020F0502020204030204"/>
+              </a:rPr>
+              <a:t>, W., </a:t>
+            </a:r>
+            <a:r>
+              <a:rPr lang="de-DE" sz="1400" dirty="0" err="1">
+                <a:cs typeface="Calibri" panose="020F0502020204030204"/>
+              </a:rPr>
+              <a:t>Sillitti</a:t>
+            </a:r>
+            <a:r>
+              <a:rPr lang="de-DE" sz="1400" dirty="0">
+                <a:cs typeface="Calibri" panose="020F0502020204030204"/>
+              </a:rPr>
+              <a:t>, A., Succi, G.: </a:t>
+            </a:r>
+            <a:r>
+              <a:rPr lang="de-DE" sz="1400" dirty="0" err="1">
+                <a:cs typeface="Calibri" panose="020F0502020204030204"/>
+              </a:rPr>
+              <a:t>Eort</a:t>
+            </a:r>
+            <a:r>
+              <a:rPr lang="de-DE" sz="1400" dirty="0">
+                <a:cs typeface="Calibri" panose="020F0502020204030204"/>
+              </a:rPr>
+              <a:t> </a:t>
+            </a:r>
+            <a:r>
+              <a:rPr lang="de-DE" sz="1400" dirty="0" err="1">
+                <a:cs typeface="Calibri" panose="020F0502020204030204"/>
+              </a:rPr>
+              <a:t>Prediction</a:t>
+            </a:r>
+            <a:r>
+              <a:rPr lang="de-DE" sz="1400" dirty="0">
+                <a:cs typeface="Calibri" panose="020F0502020204030204"/>
+              </a:rPr>
+              <a:t> in Iterative Software Development </a:t>
+            </a:r>
+            <a:r>
+              <a:rPr lang="de-DE" sz="1400" dirty="0" err="1">
+                <a:cs typeface="Calibri" panose="020F0502020204030204"/>
+              </a:rPr>
+              <a:t>Processes</a:t>
+            </a:r>
+            <a:r>
+              <a:rPr lang="de-DE" sz="1400" dirty="0">
+                <a:cs typeface="Calibri" panose="020F0502020204030204"/>
+              </a:rPr>
+              <a:t> { </a:t>
+            </a:r>
+            <a:r>
+              <a:rPr lang="de-DE" sz="1400" dirty="0" err="1">
+                <a:cs typeface="Calibri" panose="020F0502020204030204"/>
+              </a:rPr>
+              <a:t>Incremental</a:t>
+            </a:r>
+            <a:r>
+              <a:rPr lang="de-DE" sz="1400" dirty="0">
+                <a:cs typeface="Calibri" panose="020F0502020204030204"/>
+              </a:rPr>
+              <a:t> Versus Global </a:t>
+            </a:r>
+            <a:r>
+              <a:rPr lang="de-DE" sz="1400" dirty="0" err="1">
+                <a:cs typeface="Calibri" panose="020F0502020204030204"/>
+              </a:rPr>
+              <a:t>Prediction</a:t>
+            </a:r>
+            <a:r>
+              <a:rPr lang="de-DE" sz="1400" dirty="0">
+                <a:cs typeface="Calibri" panose="020F0502020204030204"/>
+              </a:rPr>
+              <a:t> Models. In: First International Symposium on </a:t>
+            </a:r>
+            <a:r>
+              <a:rPr lang="de-DE" sz="1400" dirty="0" err="1">
+                <a:cs typeface="Calibri" panose="020F0502020204030204"/>
+              </a:rPr>
+              <a:t>Empirical</a:t>
+            </a:r>
+            <a:r>
+              <a:rPr lang="de-DE" sz="1400" dirty="0">
+                <a:cs typeface="Calibri" panose="020F0502020204030204"/>
+              </a:rPr>
+              <a:t> Software Engineering and Measurement (ESEM 2007). Pp. 344{353 (2007). https://doi.org/10.1109/ESEM.2007.16</a:t>
+            </a:r>
+            <a:endParaRPr lang="de-DE" dirty="0"/>
           </a:p>
           <a:p>
             <a:pPr algn="l"/>
-            <a:endParaRPr lang="de-DE" sz="1400">
+            <a:endParaRPr lang="de-DE" sz="1400" dirty="0">
               <a:cs typeface="Calibri" panose="020F0502020204030204"/>
             </a:endParaRPr>
           </a:p>
           <a:p>
             <a:pPr algn="l"/>
             <a:r>
-              <a:rPr lang="de-DE" sz="1400">
-                <a:cs typeface="Calibri" panose="020F0502020204030204"/>
-              </a:rPr>
-              <a:t>Boetticher, G.D.: Using Machine Learning to Predict Project Eort: Empirical Case Studies in Data-Starved Domains. Model Based Requirements Workshop pp. 17{24 (2001). https://doi.org/10.1.1.19.111</a:t>
-            </a:r>
-            <a:endParaRPr lang="de-DE"/>
+              <a:rPr lang="de-DE" sz="1400" dirty="0">
+                <a:cs typeface="Calibri" panose="020F0502020204030204"/>
+              </a:rPr>
+              <a:t>[25]Boetticher, G.D.: </a:t>
+            </a:r>
+            <a:r>
+              <a:rPr lang="de-DE" sz="1400" dirty="0" err="1">
+                <a:cs typeface="Calibri" panose="020F0502020204030204"/>
+              </a:rPr>
+              <a:t>Using</a:t>
+            </a:r>
+            <a:r>
+              <a:rPr lang="de-DE" sz="1400" dirty="0">
+                <a:cs typeface="Calibri" panose="020F0502020204030204"/>
+              </a:rPr>
+              <a:t> </a:t>
+            </a:r>
+            <a:r>
+              <a:rPr lang="de-DE" sz="1400" dirty="0" err="1">
+                <a:cs typeface="Calibri" panose="020F0502020204030204"/>
+              </a:rPr>
+              <a:t>Machine</a:t>
+            </a:r>
+            <a:r>
+              <a:rPr lang="de-DE" sz="1400" dirty="0">
+                <a:cs typeface="Calibri" panose="020F0502020204030204"/>
+              </a:rPr>
+              <a:t> Learning </a:t>
+            </a:r>
+            <a:r>
+              <a:rPr lang="de-DE" sz="1400" dirty="0" err="1">
+                <a:cs typeface="Calibri" panose="020F0502020204030204"/>
+              </a:rPr>
+              <a:t>to</a:t>
+            </a:r>
+            <a:r>
+              <a:rPr lang="de-DE" sz="1400" dirty="0">
+                <a:cs typeface="Calibri" panose="020F0502020204030204"/>
+              </a:rPr>
+              <a:t> </a:t>
+            </a:r>
+            <a:r>
+              <a:rPr lang="de-DE" sz="1400" dirty="0" err="1">
+                <a:cs typeface="Calibri" panose="020F0502020204030204"/>
+              </a:rPr>
+              <a:t>Predict</a:t>
+            </a:r>
+            <a:r>
+              <a:rPr lang="de-DE" sz="1400" dirty="0">
+                <a:cs typeface="Calibri" panose="020F0502020204030204"/>
+              </a:rPr>
+              <a:t> Project </a:t>
+            </a:r>
+            <a:r>
+              <a:rPr lang="de-DE" sz="1400" dirty="0" err="1">
+                <a:cs typeface="Calibri" panose="020F0502020204030204"/>
+              </a:rPr>
+              <a:t>Eort</a:t>
+            </a:r>
+            <a:r>
+              <a:rPr lang="de-DE" sz="1400" dirty="0">
+                <a:cs typeface="Calibri" panose="020F0502020204030204"/>
+              </a:rPr>
+              <a:t>: </a:t>
+            </a:r>
+            <a:r>
+              <a:rPr lang="de-DE" sz="1400" dirty="0" err="1">
+                <a:cs typeface="Calibri" panose="020F0502020204030204"/>
+              </a:rPr>
+              <a:t>Empirical</a:t>
+            </a:r>
+            <a:r>
+              <a:rPr lang="de-DE" sz="1400" dirty="0">
+                <a:cs typeface="Calibri" panose="020F0502020204030204"/>
+              </a:rPr>
+              <a:t> Case Studies in Data-</a:t>
+            </a:r>
+            <a:r>
+              <a:rPr lang="de-DE" sz="1400" dirty="0" err="1">
+                <a:cs typeface="Calibri" panose="020F0502020204030204"/>
+              </a:rPr>
+              <a:t>Starved</a:t>
+            </a:r>
+            <a:r>
+              <a:rPr lang="de-DE" sz="1400" dirty="0">
+                <a:cs typeface="Calibri" panose="020F0502020204030204"/>
+              </a:rPr>
+              <a:t> Domains. Model </a:t>
+            </a:r>
+            <a:r>
+              <a:rPr lang="de-DE" sz="1400" dirty="0" err="1">
+                <a:cs typeface="Calibri" panose="020F0502020204030204"/>
+              </a:rPr>
+              <a:t>Based</a:t>
+            </a:r>
+            <a:r>
+              <a:rPr lang="de-DE" sz="1400" dirty="0">
+                <a:cs typeface="Calibri" panose="020F0502020204030204"/>
+              </a:rPr>
+              <a:t> </a:t>
+            </a:r>
+            <a:r>
+              <a:rPr lang="de-DE" sz="1400" dirty="0" err="1">
+                <a:cs typeface="Calibri" panose="020F0502020204030204"/>
+              </a:rPr>
+              <a:t>Requirements</a:t>
+            </a:r>
+            <a:r>
+              <a:rPr lang="de-DE" sz="1400" dirty="0">
+                <a:cs typeface="Calibri" panose="020F0502020204030204"/>
+              </a:rPr>
+              <a:t> Workshop pp. 17{24 (2001). https://doi.org/10.1.1.19.111</a:t>
+            </a:r>
+            <a:endParaRPr lang="de-DE" dirty="0"/>
           </a:p>
           <a:p>
             <a:pPr algn="l"/>
-            <a:endParaRPr lang="de-DE" sz="1400">
+            <a:endParaRPr lang="de-DE" sz="1400" dirty="0">
               <a:cs typeface="Calibri" panose="020F0502020204030204"/>
             </a:endParaRPr>
           </a:p>
           <a:p>
             <a:pPr algn="l"/>
             <a:r>
-              <a:rPr lang="de-DE" sz="1400">
-                <a:cs typeface="Calibri" panose="020F0502020204030204"/>
-              </a:rPr>
-              <a:t>Setyawati, B.R., Sahirman, S., Creese, R.C.: Neural Networks for Cost Estimation. AACE International Transactions p. 13.1 (2002)</a:t>
-            </a:r>
-            <a:endParaRPr lang="de-DE"/>
+              <a:rPr lang="de-DE" sz="1400" dirty="0">
+                <a:cs typeface="Calibri" panose="020F0502020204030204"/>
+              </a:rPr>
+              <a:t>[26]</a:t>
+            </a:r>
+            <a:r>
+              <a:rPr lang="de-DE" sz="1400" dirty="0" err="1">
+                <a:cs typeface="Calibri" panose="020F0502020204030204"/>
+              </a:rPr>
+              <a:t>Setyawati</a:t>
+            </a:r>
+            <a:r>
+              <a:rPr lang="de-DE" sz="1400" dirty="0">
+                <a:cs typeface="Calibri" panose="020F0502020204030204"/>
+              </a:rPr>
+              <a:t>, B.R., </a:t>
+            </a:r>
+            <a:r>
+              <a:rPr lang="de-DE" sz="1400" dirty="0" err="1">
+                <a:cs typeface="Calibri" panose="020F0502020204030204"/>
+              </a:rPr>
+              <a:t>Sahirman</a:t>
+            </a:r>
+            <a:r>
+              <a:rPr lang="de-DE" sz="1400" dirty="0">
+                <a:cs typeface="Calibri" panose="020F0502020204030204"/>
+              </a:rPr>
+              <a:t>, S., </a:t>
+            </a:r>
+            <a:r>
+              <a:rPr lang="de-DE" sz="1400" dirty="0" err="1">
+                <a:cs typeface="Calibri" panose="020F0502020204030204"/>
+              </a:rPr>
+              <a:t>Creese</a:t>
+            </a:r>
+            <a:r>
+              <a:rPr lang="de-DE" sz="1400" dirty="0">
+                <a:cs typeface="Calibri" panose="020F0502020204030204"/>
+              </a:rPr>
+              <a:t>, R.C.: </a:t>
+            </a:r>
+            <a:r>
+              <a:rPr lang="de-DE" sz="1400" dirty="0" err="1">
+                <a:cs typeface="Calibri" panose="020F0502020204030204"/>
+              </a:rPr>
+              <a:t>Neural</a:t>
+            </a:r>
+            <a:r>
+              <a:rPr lang="de-DE" sz="1400" dirty="0">
+                <a:cs typeface="Calibri" panose="020F0502020204030204"/>
+              </a:rPr>
+              <a:t> Networks </a:t>
+            </a:r>
+            <a:r>
+              <a:rPr lang="de-DE" sz="1400" dirty="0" err="1">
+                <a:cs typeface="Calibri" panose="020F0502020204030204"/>
+              </a:rPr>
+              <a:t>for</a:t>
+            </a:r>
+            <a:r>
+              <a:rPr lang="de-DE" sz="1400" dirty="0">
+                <a:cs typeface="Calibri" panose="020F0502020204030204"/>
+              </a:rPr>
+              <a:t> </a:t>
+            </a:r>
+            <a:r>
+              <a:rPr lang="de-DE" sz="1400" dirty="0" err="1">
+                <a:cs typeface="Calibri" panose="020F0502020204030204"/>
+              </a:rPr>
+              <a:t>Cost</a:t>
+            </a:r>
+            <a:r>
+              <a:rPr lang="de-DE" sz="1400" dirty="0">
+                <a:cs typeface="Calibri" panose="020F0502020204030204"/>
+              </a:rPr>
+              <a:t> </a:t>
+            </a:r>
+            <a:r>
+              <a:rPr lang="de-DE" sz="1400" dirty="0" err="1">
+                <a:cs typeface="Calibri" panose="020F0502020204030204"/>
+              </a:rPr>
+              <a:t>Estimation</a:t>
+            </a:r>
+            <a:r>
+              <a:rPr lang="de-DE" sz="1400" dirty="0">
+                <a:cs typeface="Calibri" panose="020F0502020204030204"/>
+              </a:rPr>
+              <a:t>. AACE International Transactions p. 13.1 (2002)</a:t>
+            </a:r>
+            <a:endParaRPr lang="de-DE" dirty="0"/>
           </a:p>
           <a:p>
             <a:pPr algn="l"/>
-            <a:endParaRPr lang="de-DE" sz="1400">
+            <a:endParaRPr lang="de-DE" sz="1400" dirty="0">
               <a:cs typeface="Calibri" panose="020F0502020204030204"/>
             </a:endParaRPr>
           </a:p>
           <a:p>
             <a:pPr algn="l"/>
             <a:r>
-              <a:rPr lang="de-DE" sz="1400">
-                <a:cs typeface="Calibri" panose="020F0502020204030204"/>
-              </a:rPr>
-              <a:t>Finnie, G.R., Wittig, G.E.: AI tools for software development eort estimation. Software Engineering: Education and Practice,20 1996. Proceedings. International Conference pp. 346{353 (1996). https://doi.org/10.1109/SEEP.1996.534020</a:t>
-            </a:r>
-            <a:endParaRPr lang="de-DE">
+              <a:rPr lang="de-DE" sz="1400" dirty="0">
+                <a:cs typeface="Calibri" panose="020F0502020204030204"/>
+              </a:rPr>
+              <a:t>[27]</a:t>
+            </a:r>
+            <a:r>
+              <a:rPr lang="de-DE" sz="1400" dirty="0" err="1">
+                <a:cs typeface="Calibri" panose="020F0502020204030204"/>
+              </a:rPr>
+              <a:t>Finnie</a:t>
+            </a:r>
+            <a:r>
+              <a:rPr lang="de-DE" sz="1400" dirty="0">
+                <a:cs typeface="Calibri" panose="020F0502020204030204"/>
+              </a:rPr>
+              <a:t>, G.R., Wittig, G.E.: AI </a:t>
+            </a:r>
+            <a:r>
+              <a:rPr lang="de-DE" sz="1400" dirty="0" err="1">
+                <a:cs typeface="Calibri" panose="020F0502020204030204"/>
+              </a:rPr>
+              <a:t>tools</a:t>
+            </a:r>
+            <a:r>
+              <a:rPr lang="de-DE" sz="1400" dirty="0">
+                <a:cs typeface="Calibri" panose="020F0502020204030204"/>
+              </a:rPr>
+              <a:t> </a:t>
+            </a:r>
+            <a:r>
+              <a:rPr lang="de-DE" sz="1400" dirty="0" err="1">
+                <a:cs typeface="Calibri" panose="020F0502020204030204"/>
+              </a:rPr>
+              <a:t>for</a:t>
+            </a:r>
+            <a:r>
+              <a:rPr lang="de-DE" sz="1400" dirty="0">
+                <a:cs typeface="Calibri" panose="020F0502020204030204"/>
+              </a:rPr>
+              <a:t> </a:t>
+            </a:r>
+            <a:r>
+              <a:rPr lang="de-DE" sz="1400" dirty="0" err="1">
+                <a:cs typeface="Calibri" panose="020F0502020204030204"/>
+              </a:rPr>
+              <a:t>software</a:t>
+            </a:r>
+            <a:r>
+              <a:rPr lang="de-DE" sz="1400" dirty="0">
+                <a:cs typeface="Calibri" panose="020F0502020204030204"/>
+              </a:rPr>
+              <a:t> </a:t>
+            </a:r>
+            <a:r>
+              <a:rPr lang="de-DE" sz="1400" dirty="0" err="1">
+                <a:cs typeface="Calibri" panose="020F0502020204030204"/>
+              </a:rPr>
+              <a:t>development</a:t>
+            </a:r>
+            <a:r>
+              <a:rPr lang="de-DE" sz="1400" dirty="0">
+                <a:cs typeface="Calibri" panose="020F0502020204030204"/>
+              </a:rPr>
+              <a:t> </a:t>
+            </a:r>
+            <a:r>
+              <a:rPr lang="de-DE" sz="1400" dirty="0" err="1">
+                <a:cs typeface="Calibri" panose="020F0502020204030204"/>
+              </a:rPr>
+              <a:t>eort</a:t>
+            </a:r>
+            <a:r>
+              <a:rPr lang="de-DE" sz="1400" dirty="0">
+                <a:cs typeface="Calibri" panose="020F0502020204030204"/>
+              </a:rPr>
+              <a:t> </a:t>
+            </a:r>
+            <a:r>
+              <a:rPr lang="de-DE" sz="1400" dirty="0" err="1">
+                <a:cs typeface="Calibri" panose="020F0502020204030204"/>
+              </a:rPr>
+              <a:t>estimation</a:t>
+            </a:r>
+            <a:r>
+              <a:rPr lang="de-DE" sz="1400" dirty="0">
+                <a:cs typeface="Calibri" panose="020F0502020204030204"/>
+              </a:rPr>
+              <a:t>. Software Engineering: Education and Practice,20 1996. Proceedings. International Conference pp. 346{353 (1996). https://doi.org/10.1109/SEEP.1996.534020</a:t>
+            </a:r>
+            <a:endParaRPr lang="de-DE" dirty="0">
               <a:cs typeface="Calibri" panose="020F0502020204030204"/>
             </a:endParaRPr>
           </a:p>
           <a:p>
             <a:pPr algn="l"/>
-            <a:endParaRPr lang="de-DE" sz="1400">
+            <a:endParaRPr lang="de-DE" sz="1400" dirty="0">
               <a:cs typeface="Calibri" panose="020F0502020204030204"/>
             </a:endParaRPr>
           </a:p>
           <a:p>
             <a:pPr algn="l"/>
             <a:r>
-              <a:rPr lang="de-DE" sz="1400">
-                <a:cs typeface="Calibri" panose="020F0502020204030204"/>
-              </a:rPr>
-              <a:t>Gharehchopogh, F.S.: Neural networks application in software cost estimation: A case study. In: 2011 International Symposium on Innovations in Intelligent Systems and Applications. pp. 69{73 (2011). https://doi.org/10.1109/INISTA.2011.5946160</a:t>
-            </a:r>
-            <a:endParaRPr lang="de-DE">
+              <a:rPr lang="de-DE" sz="1400" dirty="0">
+                <a:cs typeface="Calibri" panose="020F0502020204030204"/>
+              </a:rPr>
+              <a:t>[28]</a:t>
+            </a:r>
+            <a:r>
+              <a:rPr lang="de-DE" sz="1400" dirty="0" err="1">
+                <a:cs typeface="Calibri" panose="020F0502020204030204"/>
+              </a:rPr>
+              <a:t>Gharehchopogh</a:t>
+            </a:r>
+            <a:r>
+              <a:rPr lang="de-DE" sz="1400" dirty="0">
+                <a:cs typeface="Calibri" panose="020F0502020204030204"/>
+              </a:rPr>
+              <a:t>, F.S.: </a:t>
+            </a:r>
+            <a:r>
+              <a:rPr lang="de-DE" sz="1400" dirty="0" err="1">
+                <a:cs typeface="Calibri" panose="020F0502020204030204"/>
+              </a:rPr>
+              <a:t>Neural</a:t>
+            </a:r>
+            <a:r>
+              <a:rPr lang="de-DE" sz="1400" dirty="0">
+                <a:cs typeface="Calibri" panose="020F0502020204030204"/>
+              </a:rPr>
+              <a:t> </a:t>
+            </a:r>
+            <a:r>
+              <a:rPr lang="de-DE" sz="1400" dirty="0" err="1">
+                <a:cs typeface="Calibri" panose="020F0502020204030204"/>
+              </a:rPr>
+              <a:t>networks</a:t>
+            </a:r>
+            <a:r>
+              <a:rPr lang="de-DE" sz="1400" dirty="0">
+                <a:cs typeface="Calibri" panose="020F0502020204030204"/>
+              </a:rPr>
+              <a:t> </a:t>
+            </a:r>
+            <a:r>
+              <a:rPr lang="de-DE" sz="1400" dirty="0" err="1">
+                <a:cs typeface="Calibri" panose="020F0502020204030204"/>
+              </a:rPr>
+              <a:t>application</a:t>
+            </a:r>
+            <a:r>
+              <a:rPr lang="de-DE" sz="1400" dirty="0">
+                <a:cs typeface="Calibri" panose="020F0502020204030204"/>
+              </a:rPr>
+              <a:t> in </a:t>
+            </a:r>
+            <a:r>
+              <a:rPr lang="de-DE" sz="1400" dirty="0" err="1">
+                <a:cs typeface="Calibri" panose="020F0502020204030204"/>
+              </a:rPr>
+              <a:t>software</a:t>
+            </a:r>
+            <a:r>
+              <a:rPr lang="de-DE" sz="1400" dirty="0">
+                <a:cs typeface="Calibri" panose="020F0502020204030204"/>
+              </a:rPr>
+              <a:t> </a:t>
+            </a:r>
+            <a:r>
+              <a:rPr lang="de-DE" sz="1400" dirty="0" err="1">
+                <a:cs typeface="Calibri" panose="020F0502020204030204"/>
+              </a:rPr>
+              <a:t>cost</a:t>
+            </a:r>
+            <a:r>
+              <a:rPr lang="de-DE" sz="1400" dirty="0">
+                <a:cs typeface="Calibri" panose="020F0502020204030204"/>
+              </a:rPr>
+              <a:t> </a:t>
+            </a:r>
+            <a:r>
+              <a:rPr lang="de-DE" sz="1400" dirty="0" err="1">
+                <a:cs typeface="Calibri" panose="020F0502020204030204"/>
+              </a:rPr>
+              <a:t>estimation</a:t>
+            </a:r>
+            <a:r>
+              <a:rPr lang="de-DE" sz="1400" dirty="0">
+                <a:cs typeface="Calibri" panose="020F0502020204030204"/>
+              </a:rPr>
+              <a:t>: A </a:t>
+            </a:r>
+            <a:r>
+              <a:rPr lang="de-DE" sz="1400" dirty="0" err="1">
+                <a:cs typeface="Calibri" panose="020F0502020204030204"/>
+              </a:rPr>
+              <a:t>case</a:t>
+            </a:r>
+            <a:r>
+              <a:rPr lang="de-DE" sz="1400" dirty="0">
+                <a:cs typeface="Calibri" panose="020F0502020204030204"/>
+              </a:rPr>
+              <a:t> </a:t>
+            </a:r>
+            <a:r>
+              <a:rPr lang="de-DE" sz="1400" dirty="0" err="1">
+                <a:cs typeface="Calibri" panose="020F0502020204030204"/>
+              </a:rPr>
+              <a:t>study</a:t>
+            </a:r>
+            <a:r>
+              <a:rPr lang="de-DE" sz="1400" dirty="0">
+                <a:cs typeface="Calibri" panose="020F0502020204030204"/>
+              </a:rPr>
+              <a:t>. In: 2011 International Symposium on </a:t>
+            </a:r>
+            <a:r>
+              <a:rPr lang="de-DE" sz="1400" dirty="0" err="1">
+                <a:cs typeface="Calibri" panose="020F0502020204030204"/>
+              </a:rPr>
+              <a:t>Innovations</a:t>
+            </a:r>
+            <a:r>
+              <a:rPr lang="de-DE" sz="1400" dirty="0">
+                <a:cs typeface="Calibri" panose="020F0502020204030204"/>
+              </a:rPr>
+              <a:t> in Intelligent Systems and </a:t>
+            </a:r>
+            <a:r>
+              <a:rPr lang="de-DE" sz="1400" dirty="0" err="1">
+                <a:cs typeface="Calibri" panose="020F0502020204030204"/>
+              </a:rPr>
+              <a:t>Applications</a:t>
+            </a:r>
+            <a:r>
+              <a:rPr lang="de-DE" sz="1400" dirty="0">
+                <a:cs typeface="Calibri" panose="020F0502020204030204"/>
+              </a:rPr>
+              <a:t>. pp. 69{73 (2011). https://doi.org/10.1109/INISTA.2011.5946160</a:t>
+            </a:r>
+            <a:endParaRPr lang="de-DE" dirty="0">
               <a:cs typeface="Calibri" panose="020F0502020204030204"/>
             </a:endParaRPr>
           </a:p>
@@ -22225,326 +25919,7 @@
 </p:sld>
 </file>
 
-<file path=ppt/slides/slide4.xml><?xml version="1.0" encoding="utf-8"?>
-<p:sld xmlns:a="http://schemas.openxmlformats.org/drawingml/2006/main" xmlns:r="http://schemas.openxmlformats.org/officeDocument/2006/relationships" xmlns:p="http://schemas.openxmlformats.org/presentationml/2006/main">
-  <p:cSld>
-    <p:spTree>
-      <p:nvGrpSpPr>
-        <p:cNvPr id="1" name=""/>
-        <p:cNvGrpSpPr/>
-        <p:nvPr/>
-      </p:nvGrpSpPr>
-      <p:grpSpPr>
-        <a:xfrm>
-          <a:off x="0" y="0"/>
-          <a:ext cx="0" cy="0"/>
-          <a:chOff x="0" y="0"/>
-          <a:chExt cx="0" cy="0"/>
-        </a:xfrm>
-      </p:grpSpPr>
-      <p:sp>
-        <p:nvSpPr>
-          <p:cNvPr id="2" name="Titel 1"/>
-          <p:cNvSpPr>
-            <a:spLocks noGrp="1"/>
-          </p:cNvSpPr>
-          <p:nvPr>
-            <p:ph type="ctrTitle"/>
-          </p:nvPr>
-        </p:nvSpPr>
-        <p:spPr>
-          <a:xfrm>
-            <a:off x="1439334" y="216798"/>
-            <a:ext cx="9325428" cy="907774"/>
-          </a:xfrm>
-        </p:spPr>
-        <p:txBody>
-          <a:bodyPr>
-            <a:normAutofit fontScale="90000"/>
-          </a:bodyPr>
-          <a:lstStyle/>
-          <a:p>
-            <a:r>
-              <a:rPr lang="de-DE" dirty="0">
-                <a:cs typeface="Calibri Light"/>
-              </a:rPr>
-              <a:t>Neuronale Netze(Konstantin R.)</a:t>
-            </a:r>
-            <a:endParaRPr lang="de-DE" dirty="0"/>
-          </a:p>
-        </p:txBody>
-      </p:sp>
-      <p:sp>
-        <p:nvSpPr>
-          <p:cNvPr id="3" name="Untertitel 2"/>
-          <p:cNvSpPr>
-            <a:spLocks noGrp="1"/>
-          </p:cNvSpPr>
-          <p:nvPr>
-            <p:ph type="subTitle" idx="1"/>
-          </p:nvPr>
-        </p:nvSpPr>
-        <p:spPr>
-          <a:xfrm>
-            <a:off x="1524000" y="1777760"/>
-            <a:ext cx="9144000" cy="3544197"/>
-          </a:xfrm>
-        </p:spPr>
-        <p:txBody>
-          <a:bodyPr vert="horz" lIns="91440" tIns="45720" rIns="91440" bIns="45720" rtlCol="0" anchor="t">
-            <a:normAutofit/>
-          </a:bodyPr>
-          <a:lstStyle/>
-          <a:p>
-            <a:pPr marL="342900" indent="-342900" algn="l">
-              <a:lnSpc>
-                <a:spcPct val="150000"/>
-              </a:lnSpc>
-              <a:buChar char="•"/>
-            </a:pPr>
-            <a:r>
-              <a:rPr lang="de-DE">
-                <a:cs typeface="Calibri"/>
-              </a:rPr>
-              <a:t>Lösung für komplexe Probleme</a:t>
-            </a:r>
-          </a:p>
-          <a:p>
-            <a:pPr marL="342900" indent="-342900" algn="l">
-              <a:lnSpc>
-                <a:spcPct val="150000"/>
-              </a:lnSpc>
-              <a:buChar char="•"/>
-            </a:pPr>
-            <a:r>
-              <a:rPr lang="de-DE">
-                <a:cs typeface="Calibri"/>
-              </a:rPr>
-              <a:t>Bestandteile:</a:t>
-            </a:r>
-          </a:p>
-          <a:p>
-            <a:pPr marL="800100" lvl="1" indent="-342900" algn="l">
-              <a:lnSpc>
-                <a:spcPct val="150000"/>
-              </a:lnSpc>
-              <a:buChar char="•"/>
-            </a:pPr>
-            <a:r>
-              <a:rPr lang="de-DE">
-                <a:cs typeface="Calibri"/>
-              </a:rPr>
-              <a:t>Neuronen (Neurons)</a:t>
-            </a:r>
-          </a:p>
-          <a:p>
-            <a:pPr marL="800100" lvl="1" indent="-342900" algn="l">
-              <a:lnSpc>
-                <a:spcPct val="150000"/>
-              </a:lnSpc>
-              <a:buChar char="•"/>
-            </a:pPr>
-            <a:r>
-              <a:rPr lang="de-DE">
-                <a:cs typeface="Calibri"/>
-              </a:rPr>
-              <a:t>Layer</a:t>
-            </a:r>
-          </a:p>
-          <a:p>
-            <a:pPr marL="800100" lvl="1" indent="-342900" algn="l">
-              <a:lnSpc>
-                <a:spcPct val="150000"/>
-              </a:lnSpc>
-              <a:buChar char="•"/>
-            </a:pPr>
-            <a:r>
-              <a:rPr lang="de-DE">
-                <a:cs typeface="Calibri"/>
-              </a:rPr>
-              <a:t>Gewichte (Weights)</a:t>
-            </a:r>
-          </a:p>
-          <a:p>
-            <a:pPr marL="800100" lvl="1" indent="-342900" algn="l">
-              <a:lnSpc>
-                <a:spcPct val="150000"/>
-              </a:lnSpc>
-              <a:buChar char="•"/>
-            </a:pPr>
-            <a:r>
-              <a:rPr lang="de-DE">
-                <a:cs typeface="Calibri"/>
-              </a:rPr>
-              <a:t>Aktivierungsfunktion</a:t>
-            </a:r>
-          </a:p>
-          <a:p>
-            <a:pPr lvl="1" algn="l"/>
-            <a:endParaRPr lang="de-DE">
-              <a:cs typeface="Calibri"/>
-            </a:endParaRPr>
-          </a:p>
-          <a:p>
-            <a:pPr lvl="1" algn="l"/>
-            <a:endParaRPr lang="de-DE">
-              <a:cs typeface="Calibri"/>
-            </a:endParaRPr>
-          </a:p>
-          <a:p>
-            <a:pPr algn="l"/>
-            <a:endParaRPr lang="de-DE">
-              <a:cs typeface="Calibri"/>
-            </a:endParaRPr>
-          </a:p>
-          <a:p>
-            <a:pPr algn="l"/>
-            <a:endParaRPr lang="de-DE">
-              <a:cs typeface="Calibri"/>
-            </a:endParaRPr>
-          </a:p>
-        </p:txBody>
-      </p:sp>
-      <p:pic>
-        <p:nvPicPr>
-          <p:cNvPr id="4" name="Grafik 4">
-            <a:extLst>
-              <a:ext uri="{FF2B5EF4-FFF2-40B4-BE49-F238E27FC236}">
-                <a16:creationId xmlns:a16="http://schemas.microsoft.com/office/drawing/2014/main" id="{B2D52235-B3FE-4301-8907-77C8B8C93DC7}"/>
-              </a:ext>
-            </a:extLst>
-          </p:cNvPr>
-          <p:cNvPicPr>
-            <a:picLocks noChangeAspect="1"/>
-          </p:cNvPicPr>
-          <p:nvPr/>
-        </p:nvPicPr>
-        <p:blipFill>
-          <a:blip r:embed="rId2"/>
-          <a:stretch>
-            <a:fillRect/>
-          </a:stretch>
-        </p:blipFill>
-        <p:spPr>
-          <a:xfrm>
-            <a:off x="10269745" y="-690"/>
-            <a:ext cx="1924050" cy="1343025"/>
-          </a:xfrm>
-          <a:prstGeom prst="rect">
-            <a:avLst/>
-          </a:prstGeom>
-        </p:spPr>
-      </p:pic>
-      <p:pic>
-        <p:nvPicPr>
-          <p:cNvPr id="6" name="Grafik 6">
-            <a:extLst>
-              <a:ext uri="{FF2B5EF4-FFF2-40B4-BE49-F238E27FC236}">
-                <a16:creationId xmlns:a16="http://schemas.microsoft.com/office/drawing/2014/main" id="{EAAC0DC2-A3AA-4BDD-8444-F06FD0B4D9BA}"/>
-              </a:ext>
-            </a:extLst>
-          </p:cNvPr>
-          <p:cNvPicPr>
-            <a:picLocks noChangeAspect="1"/>
-          </p:cNvPicPr>
-          <p:nvPr/>
-        </p:nvPicPr>
-        <p:blipFill>
-          <a:blip r:embed="rId3"/>
-          <a:stretch>
-            <a:fillRect/>
-          </a:stretch>
-        </p:blipFill>
-        <p:spPr>
-          <a:xfrm>
-            <a:off x="-1380" y="6293403"/>
-            <a:ext cx="12201525" cy="476250"/>
-          </a:xfrm>
-          <a:prstGeom prst="rect">
-            <a:avLst/>
-          </a:prstGeom>
-        </p:spPr>
-      </p:pic>
-      <p:sp>
-        <p:nvSpPr>
-          <p:cNvPr id="9" name="Textfeld 8">
-            <a:extLst>
-              <a:ext uri="{FF2B5EF4-FFF2-40B4-BE49-F238E27FC236}">
-                <a16:creationId xmlns:a16="http://schemas.microsoft.com/office/drawing/2014/main" id="{B4F60A6F-2FBF-4F50-9F96-FE20C10F9A9B}"/>
-              </a:ext>
-            </a:extLst>
-          </p:cNvPr>
-          <p:cNvSpPr txBox="1"/>
-          <p:nvPr/>
-        </p:nvSpPr>
-        <p:spPr>
-          <a:xfrm>
-            <a:off x="7231268" y="6397487"/>
-            <a:ext cx="4830417" cy="276999"/>
-          </a:xfrm>
-          <a:prstGeom prst="rect">
-            <a:avLst/>
-          </a:prstGeom>
-        </p:spPr>
-        <p:txBody>
-          <a:bodyPr rot="0" spcFirstLastPara="0" vertOverflow="overflow" horzOverflow="overflow" vert="horz" wrap="square" lIns="91440" tIns="45720" rIns="91440" bIns="45720" numCol="1" spcCol="0" rtlCol="0" fromWordArt="0" anchor="t" anchorCtr="0" forceAA="0" compatLnSpc="1">
-            <a:prstTxWarp prst="textNoShape">
-              <a:avLst/>
-            </a:prstTxWarp>
-            <a:spAutoFit/>
-          </a:bodyPr>
-          <a:lstStyle/>
-          <a:p>
-            <a:r>
-              <a:rPr lang="de-DE" sz="1200">
-                <a:cs typeface="Calibri"/>
-              </a:rPr>
-              <a:t>Neuronale Netze in der Softwaretechnik – Robin S., Konstantin R., Ravell H.</a:t>
-            </a:r>
-          </a:p>
-        </p:txBody>
-      </p:sp>
-    </p:spTree>
-    <p:extLst>
-      <p:ext uri="{BB962C8B-B14F-4D97-AF65-F5344CB8AC3E}">
-        <p14:creationId xmlns:p14="http://schemas.microsoft.com/office/powerpoint/2010/main" val="1466460230"/>
-      </p:ext>
-    </p:extLst>
-  </p:cSld>
-  <p:clrMapOvr>
-    <a:masterClrMapping/>
-  </p:clrMapOvr>
-  <p:timing>
-    <p:tnLst>
-      <p:par>
-        <p:cTn id="1" dur="indefinite" restart="never" nodeType="tmRoot">
-          <p:childTnLst>
-            <p:seq concurrent="1" nextAc="seek">
-              <p:cTn id="2" dur="indefinite" nodeType="mainSeq"/>
-              <p:prevCondLst>
-                <p:cond evt="onPrev" delay="0">
-                  <p:tgtEl>
-                    <p:sldTgt/>
-                  </p:tgtEl>
-                </p:cond>
-              </p:prevCondLst>
-              <p:nextCondLst>
-                <p:cond evt="onNext" delay="0">
-                  <p:tgtEl>
-                    <p:sldTgt/>
-                  </p:tgtEl>
-                </p:cond>
-              </p:nextCondLst>
-            </p:seq>
-          </p:childTnLst>
-        </p:cTn>
-      </p:par>
-    </p:tnLst>
-  </p:timing>
-</p:sld>
-</file>
-
-<file path=ppt/slides/slide40.xml><?xml version="1.0" encoding="utf-8"?>
+<file path=ppt/slides/slide41.xml><?xml version="1.0" encoding="utf-8"?>
 <p:sld xmlns:a="http://schemas.openxmlformats.org/drawingml/2006/main" xmlns:r="http://schemas.openxmlformats.org/officeDocument/2006/relationships" xmlns:p="http://schemas.openxmlformats.org/presentationml/2006/main">
   <p:cSld>
     <p:spTree>
@@ -22722,98 +26097,650 @@
           <a:p>
             <a:pPr algn="l"/>
             <a:r>
-              <a:rPr lang="de-DE" sz="1400">
-                <a:cs typeface="Calibri" panose="020F0502020204030204"/>
-              </a:rPr>
-              <a:t>Franz, K.: Handbuch zum Testen von Web- und Mobile-Apps, Springer- Verlag Berlin Heidelberg (2015). https://doi.org/10.1007/978-3-662-44028-5</a:t>
-            </a:r>
-            <a:endParaRPr lang="de-DE">
+              <a:rPr lang="de-DE" sz="1400" dirty="0">
+                <a:cs typeface="Calibri" panose="020F0502020204030204"/>
+              </a:rPr>
+              <a:t>[29]Franz, K.: Handbuch zum Testen von Web- und Mobile-Apps, Springer- Verlag Berlin Heidelberg (2015). https://doi.org/10.1007/978-3-662-44028-5</a:t>
+            </a:r>
+            <a:endParaRPr lang="de-DE" dirty="0">
               <a:cs typeface="Calibri" panose="020F0502020204030204"/>
             </a:endParaRPr>
           </a:p>
           <a:p>
             <a:pPr algn="l"/>
-            <a:endParaRPr lang="de-DE" sz="1400">
+            <a:endParaRPr lang="de-DE" sz="1400" dirty="0">
               <a:cs typeface="Calibri" panose="020F0502020204030204"/>
             </a:endParaRPr>
           </a:p>
           <a:p>
             <a:pPr algn="l"/>
             <a:r>
-              <a:rPr lang="de-DE" sz="1400">
-                <a:cs typeface="Calibri" panose="020F0502020204030204"/>
-              </a:rPr>
-              <a:t>Antinyan, V., Derehag, J., Sandberg, A., Staron, M.: Mythical unit test coverage. IEEE Software (3), 73{79 (2018). https://doi.org/10.1109/MS.2017.3281318</a:t>
-            </a:r>
-            <a:endParaRPr lang="de-DE"/>
+              <a:rPr lang="de-DE" sz="1400" dirty="0">
+                <a:cs typeface="Calibri" panose="020F0502020204030204"/>
+              </a:rPr>
+              <a:t>[30]</a:t>
+            </a:r>
+            <a:r>
+              <a:rPr lang="de-DE" sz="1400" dirty="0" err="1">
+                <a:cs typeface="Calibri" panose="020F0502020204030204"/>
+              </a:rPr>
+              <a:t>Antinyan</a:t>
+            </a:r>
+            <a:r>
+              <a:rPr lang="de-DE" sz="1400" dirty="0">
+                <a:cs typeface="Calibri" panose="020F0502020204030204"/>
+              </a:rPr>
+              <a:t>, V., </a:t>
+            </a:r>
+            <a:r>
+              <a:rPr lang="de-DE" sz="1400" dirty="0" err="1">
+                <a:cs typeface="Calibri" panose="020F0502020204030204"/>
+              </a:rPr>
+              <a:t>Derehag</a:t>
+            </a:r>
+            <a:r>
+              <a:rPr lang="de-DE" sz="1400" dirty="0">
+                <a:cs typeface="Calibri" panose="020F0502020204030204"/>
+              </a:rPr>
+              <a:t>, J., Sandberg, A., </a:t>
+            </a:r>
+            <a:r>
+              <a:rPr lang="de-DE" sz="1400" dirty="0" err="1">
+                <a:cs typeface="Calibri" panose="020F0502020204030204"/>
+              </a:rPr>
+              <a:t>Staron</a:t>
+            </a:r>
+            <a:r>
+              <a:rPr lang="de-DE" sz="1400" dirty="0">
+                <a:cs typeface="Calibri" panose="020F0502020204030204"/>
+              </a:rPr>
+              <a:t>, M.: </a:t>
+            </a:r>
+            <a:r>
+              <a:rPr lang="de-DE" sz="1400" dirty="0" err="1">
+                <a:cs typeface="Calibri" panose="020F0502020204030204"/>
+              </a:rPr>
+              <a:t>Mythical</a:t>
+            </a:r>
+            <a:r>
+              <a:rPr lang="de-DE" sz="1400" dirty="0">
+                <a:cs typeface="Calibri" panose="020F0502020204030204"/>
+              </a:rPr>
+              <a:t> </a:t>
+            </a:r>
+            <a:r>
+              <a:rPr lang="de-DE" sz="1400" dirty="0" err="1">
+                <a:cs typeface="Calibri" panose="020F0502020204030204"/>
+              </a:rPr>
+              <a:t>unit</a:t>
+            </a:r>
+            <a:r>
+              <a:rPr lang="de-DE" sz="1400" dirty="0">
+                <a:cs typeface="Calibri" panose="020F0502020204030204"/>
+              </a:rPr>
+              <a:t> </a:t>
+            </a:r>
+            <a:r>
+              <a:rPr lang="de-DE" sz="1400" dirty="0" err="1">
+                <a:cs typeface="Calibri" panose="020F0502020204030204"/>
+              </a:rPr>
+              <a:t>test</a:t>
+            </a:r>
+            <a:r>
+              <a:rPr lang="de-DE" sz="1400" dirty="0">
+                <a:cs typeface="Calibri" panose="020F0502020204030204"/>
+              </a:rPr>
+              <a:t> </a:t>
+            </a:r>
+            <a:r>
+              <a:rPr lang="de-DE" sz="1400" dirty="0" err="1">
+                <a:cs typeface="Calibri" panose="020F0502020204030204"/>
+              </a:rPr>
+              <a:t>coverage</a:t>
+            </a:r>
+            <a:r>
+              <a:rPr lang="de-DE" sz="1400" dirty="0">
+                <a:cs typeface="Calibri" panose="020F0502020204030204"/>
+              </a:rPr>
+              <a:t>. IEEE Software (3), 73{79 (2018). https://doi.org/10.1109/MS.2017.3281318</a:t>
+            </a:r>
+            <a:endParaRPr lang="de-DE" dirty="0"/>
           </a:p>
           <a:p>
             <a:pPr algn="l"/>
-            <a:endParaRPr lang="de-DE" sz="1400">
+            <a:endParaRPr lang="de-DE" sz="1400" dirty="0">
               <a:cs typeface="Calibri" panose="020F0502020204030204"/>
             </a:endParaRPr>
           </a:p>
           <a:p>
             <a:pPr algn="l"/>
             <a:r>
-              <a:rPr lang="de-DE" sz="1400">
-                <a:cs typeface="Calibri" panose="020F0502020204030204"/>
-              </a:rPr>
-              <a:t>Committee, S.&amp;.S.E.S., Others: IEEE Std 1061-1998-IEEE Standard for a Software Quality Metrics Methodology. IEEE Computer Society, Tech. Rep (1998)</a:t>
-            </a:r>
-            <a:endParaRPr lang="de-DE"/>
+              <a:rPr lang="de-DE" sz="1400" dirty="0">
+                <a:cs typeface="Calibri" panose="020F0502020204030204"/>
+              </a:rPr>
+              <a:t>[31]Committee, S.&amp;.S.E.S., </a:t>
+            </a:r>
+            <a:r>
+              <a:rPr lang="de-DE" sz="1400" dirty="0" err="1">
+                <a:cs typeface="Calibri" panose="020F0502020204030204"/>
+              </a:rPr>
+              <a:t>Others</a:t>
+            </a:r>
+            <a:r>
+              <a:rPr lang="de-DE" sz="1400" dirty="0">
+                <a:cs typeface="Calibri" panose="020F0502020204030204"/>
+              </a:rPr>
+              <a:t>: IEEE Std 1061-1998-IEEE Standard </a:t>
+            </a:r>
+            <a:r>
+              <a:rPr lang="de-DE" sz="1400" dirty="0" err="1">
+                <a:cs typeface="Calibri" panose="020F0502020204030204"/>
+              </a:rPr>
+              <a:t>for</a:t>
+            </a:r>
+            <a:r>
+              <a:rPr lang="de-DE" sz="1400" dirty="0">
+                <a:cs typeface="Calibri" panose="020F0502020204030204"/>
+              </a:rPr>
+              <a:t> a Software Quality </a:t>
+            </a:r>
+            <a:r>
+              <a:rPr lang="de-DE" sz="1400" dirty="0" err="1">
+                <a:cs typeface="Calibri" panose="020F0502020204030204"/>
+              </a:rPr>
+              <a:t>Metrics</a:t>
+            </a:r>
+            <a:r>
+              <a:rPr lang="de-DE" sz="1400" dirty="0">
+                <a:cs typeface="Calibri" panose="020F0502020204030204"/>
+              </a:rPr>
+              <a:t> </a:t>
+            </a:r>
+            <a:r>
+              <a:rPr lang="de-DE" sz="1400" dirty="0" err="1">
+                <a:cs typeface="Calibri" panose="020F0502020204030204"/>
+              </a:rPr>
+              <a:t>Methodology</a:t>
+            </a:r>
+            <a:r>
+              <a:rPr lang="de-DE" sz="1400" dirty="0">
+                <a:cs typeface="Calibri" panose="020F0502020204030204"/>
+              </a:rPr>
+              <a:t>. IEEE Computer Society, Tech. Rep (1998)</a:t>
+            </a:r>
+            <a:endParaRPr lang="de-DE" dirty="0"/>
           </a:p>
           <a:p>
             <a:pPr algn="l"/>
-            <a:endParaRPr lang="de-DE" sz="1400">
+            <a:endParaRPr lang="de-DE" sz="1400" dirty="0">
               <a:cs typeface="Calibri" panose="020F0502020204030204"/>
             </a:endParaRPr>
           </a:p>
           <a:p>
             <a:pPr algn="l"/>
             <a:r>
-              <a:rPr lang="de-DE" sz="1400">
-                <a:cs typeface="Calibri" panose="020F0502020204030204"/>
-              </a:rPr>
-              <a:t>Wu, L., Liu, B., Jin, Y., Xie, X.: Using back-propagation neural networks for functional software testing. In: 2nd International Conference on Anti-counterfeiting, Security and Identi cation, ASID 2008. https://doi.org/10.1109/IWASID.2008.4688385</a:t>
-            </a:r>
-            <a:endParaRPr lang="de-DE"/>
+              <a:rPr lang="de-DE" sz="1400" dirty="0">
+                <a:cs typeface="Calibri" panose="020F0502020204030204"/>
+              </a:rPr>
+              <a:t>[32]Wu, L., Liu, B., Jin, Y., Xie, X.: </a:t>
+            </a:r>
+            <a:r>
+              <a:rPr lang="de-DE" sz="1400" dirty="0" err="1">
+                <a:cs typeface="Calibri" panose="020F0502020204030204"/>
+              </a:rPr>
+              <a:t>Using</a:t>
+            </a:r>
+            <a:r>
+              <a:rPr lang="de-DE" sz="1400" dirty="0">
+                <a:cs typeface="Calibri" panose="020F0502020204030204"/>
+              </a:rPr>
+              <a:t> back-propagation </a:t>
+            </a:r>
+            <a:r>
+              <a:rPr lang="de-DE" sz="1400" dirty="0" err="1">
+                <a:cs typeface="Calibri" panose="020F0502020204030204"/>
+              </a:rPr>
+              <a:t>neural</a:t>
+            </a:r>
+            <a:r>
+              <a:rPr lang="de-DE" sz="1400" dirty="0">
+                <a:cs typeface="Calibri" panose="020F0502020204030204"/>
+              </a:rPr>
+              <a:t> </a:t>
+            </a:r>
+            <a:r>
+              <a:rPr lang="de-DE" sz="1400" dirty="0" err="1">
+                <a:cs typeface="Calibri" panose="020F0502020204030204"/>
+              </a:rPr>
+              <a:t>networks</a:t>
+            </a:r>
+            <a:r>
+              <a:rPr lang="de-DE" sz="1400" dirty="0">
+                <a:cs typeface="Calibri" panose="020F0502020204030204"/>
+              </a:rPr>
+              <a:t> </a:t>
+            </a:r>
+            <a:r>
+              <a:rPr lang="de-DE" sz="1400" dirty="0" err="1">
+                <a:cs typeface="Calibri" panose="020F0502020204030204"/>
+              </a:rPr>
+              <a:t>for</a:t>
+            </a:r>
+            <a:r>
+              <a:rPr lang="de-DE" sz="1400" dirty="0">
+                <a:cs typeface="Calibri" panose="020F0502020204030204"/>
+              </a:rPr>
+              <a:t> </a:t>
+            </a:r>
+            <a:r>
+              <a:rPr lang="de-DE" sz="1400" dirty="0" err="1">
+                <a:cs typeface="Calibri" panose="020F0502020204030204"/>
+              </a:rPr>
+              <a:t>functional</a:t>
+            </a:r>
+            <a:r>
+              <a:rPr lang="de-DE" sz="1400" dirty="0">
+                <a:cs typeface="Calibri" panose="020F0502020204030204"/>
+              </a:rPr>
+              <a:t> </a:t>
+            </a:r>
+            <a:r>
+              <a:rPr lang="de-DE" sz="1400" dirty="0" err="1">
+                <a:cs typeface="Calibri" panose="020F0502020204030204"/>
+              </a:rPr>
+              <a:t>software</a:t>
+            </a:r>
+            <a:r>
+              <a:rPr lang="de-DE" sz="1400" dirty="0">
+                <a:cs typeface="Calibri" panose="020F0502020204030204"/>
+              </a:rPr>
+              <a:t> </a:t>
+            </a:r>
+            <a:r>
+              <a:rPr lang="de-DE" sz="1400" dirty="0" err="1">
+                <a:cs typeface="Calibri" panose="020F0502020204030204"/>
+              </a:rPr>
+              <a:t>testing</a:t>
+            </a:r>
+            <a:r>
+              <a:rPr lang="de-DE" sz="1400" dirty="0">
+                <a:cs typeface="Calibri" panose="020F0502020204030204"/>
+              </a:rPr>
+              <a:t>. In: 2nd International Conference on Anti-</a:t>
+            </a:r>
+            <a:r>
+              <a:rPr lang="de-DE" sz="1400" dirty="0" err="1">
+                <a:cs typeface="Calibri" panose="020F0502020204030204"/>
+              </a:rPr>
+              <a:t>counterfeiting</a:t>
+            </a:r>
+            <a:r>
+              <a:rPr lang="de-DE" sz="1400" dirty="0">
+                <a:cs typeface="Calibri" panose="020F0502020204030204"/>
+              </a:rPr>
+              <a:t>, Security and </a:t>
+            </a:r>
+            <a:r>
+              <a:rPr lang="de-DE" sz="1400" dirty="0" err="1">
+                <a:cs typeface="Calibri" panose="020F0502020204030204"/>
+              </a:rPr>
+              <a:t>Identi</a:t>
+            </a:r>
+            <a:r>
+              <a:rPr lang="de-DE" sz="1400" dirty="0">
+                <a:cs typeface="Calibri" panose="020F0502020204030204"/>
+              </a:rPr>
+              <a:t> </a:t>
+            </a:r>
+            <a:r>
+              <a:rPr lang="de-DE" sz="1400" dirty="0" err="1">
+                <a:cs typeface="Calibri" panose="020F0502020204030204"/>
+              </a:rPr>
+              <a:t>cation</a:t>
+            </a:r>
+            <a:r>
+              <a:rPr lang="de-DE" sz="1400" dirty="0">
+                <a:cs typeface="Calibri" panose="020F0502020204030204"/>
+              </a:rPr>
+              <a:t>, ASID 2008. https://doi.org/10.1109/IWASID.2008.4688385</a:t>
+            </a:r>
+            <a:endParaRPr lang="de-DE" dirty="0"/>
           </a:p>
           <a:p>
             <a:pPr algn="l"/>
-            <a:endParaRPr lang="de-DE" sz="1400">
+            <a:endParaRPr lang="de-DE" sz="1400" dirty="0">
               <a:cs typeface="Calibri" panose="020F0502020204030204"/>
             </a:endParaRPr>
           </a:p>
           <a:p>
             <a:pPr algn="l"/>
             <a:r>
-              <a:rPr lang="de-DE" sz="1400">
-                <a:cs typeface="Calibri" panose="020F0502020204030204"/>
-              </a:rPr>
-              <a:t>Majma, N., Babamir, S.M.: Software test case generation &amp; test oracle design using neural network. 22nd Iranian Conference on Electrical Engineering, ICEE 2014 pp. 1168{1173 (2014). https://doi.org/10.1109/IranianCEE.2014.6999712</a:t>
-            </a:r>
-            <a:endParaRPr lang="de-DE"/>
+              <a:rPr lang="de-DE" sz="1400" dirty="0">
+                <a:cs typeface="Calibri" panose="020F0502020204030204"/>
+              </a:rPr>
+              <a:t>[33]</a:t>
+            </a:r>
+            <a:r>
+              <a:rPr lang="de-DE" sz="1400" dirty="0" err="1">
+                <a:cs typeface="Calibri" panose="020F0502020204030204"/>
+              </a:rPr>
+              <a:t>Majma</a:t>
+            </a:r>
+            <a:r>
+              <a:rPr lang="de-DE" sz="1400" dirty="0">
+                <a:cs typeface="Calibri" panose="020F0502020204030204"/>
+              </a:rPr>
+              <a:t>, N., </a:t>
+            </a:r>
+            <a:r>
+              <a:rPr lang="de-DE" sz="1400" dirty="0" err="1">
+                <a:cs typeface="Calibri" panose="020F0502020204030204"/>
+              </a:rPr>
+              <a:t>Babamir</a:t>
+            </a:r>
+            <a:r>
+              <a:rPr lang="de-DE" sz="1400" dirty="0">
+                <a:cs typeface="Calibri" panose="020F0502020204030204"/>
+              </a:rPr>
+              <a:t>, S.M.: Software </a:t>
+            </a:r>
+            <a:r>
+              <a:rPr lang="de-DE" sz="1400" dirty="0" err="1">
+                <a:cs typeface="Calibri" panose="020F0502020204030204"/>
+              </a:rPr>
+              <a:t>test</a:t>
+            </a:r>
+            <a:r>
+              <a:rPr lang="de-DE" sz="1400" dirty="0">
+                <a:cs typeface="Calibri" panose="020F0502020204030204"/>
+              </a:rPr>
+              <a:t> </a:t>
+            </a:r>
+            <a:r>
+              <a:rPr lang="de-DE" sz="1400" dirty="0" err="1">
+                <a:cs typeface="Calibri" panose="020F0502020204030204"/>
+              </a:rPr>
+              <a:t>case</a:t>
+            </a:r>
+            <a:r>
+              <a:rPr lang="de-DE" sz="1400" dirty="0">
+                <a:cs typeface="Calibri" panose="020F0502020204030204"/>
+              </a:rPr>
+              <a:t> </a:t>
+            </a:r>
+            <a:r>
+              <a:rPr lang="de-DE" sz="1400" dirty="0" err="1">
+                <a:cs typeface="Calibri" panose="020F0502020204030204"/>
+              </a:rPr>
+              <a:t>generation</a:t>
+            </a:r>
+            <a:r>
+              <a:rPr lang="de-DE" sz="1400" dirty="0">
+                <a:cs typeface="Calibri" panose="020F0502020204030204"/>
+              </a:rPr>
+              <a:t> &amp; </a:t>
+            </a:r>
+            <a:r>
+              <a:rPr lang="de-DE" sz="1400" dirty="0" err="1">
+                <a:cs typeface="Calibri" panose="020F0502020204030204"/>
+              </a:rPr>
+              <a:t>test</a:t>
+            </a:r>
+            <a:r>
+              <a:rPr lang="de-DE" sz="1400" dirty="0">
+                <a:cs typeface="Calibri" panose="020F0502020204030204"/>
+              </a:rPr>
+              <a:t> </a:t>
+            </a:r>
+            <a:r>
+              <a:rPr lang="de-DE" sz="1400" dirty="0" err="1">
+                <a:cs typeface="Calibri" panose="020F0502020204030204"/>
+              </a:rPr>
+              <a:t>oracle</a:t>
+            </a:r>
+            <a:r>
+              <a:rPr lang="de-DE" sz="1400" dirty="0">
+                <a:cs typeface="Calibri" panose="020F0502020204030204"/>
+              </a:rPr>
+              <a:t> design </a:t>
+            </a:r>
+            <a:r>
+              <a:rPr lang="de-DE" sz="1400" dirty="0" err="1">
+                <a:cs typeface="Calibri" panose="020F0502020204030204"/>
+              </a:rPr>
+              <a:t>using</a:t>
+            </a:r>
+            <a:r>
+              <a:rPr lang="de-DE" sz="1400" dirty="0">
+                <a:cs typeface="Calibri" panose="020F0502020204030204"/>
+              </a:rPr>
+              <a:t> </a:t>
+            </a:r>
+            <a:r>
+              <a:rPr lang="de-DE" sz="1400" dirty="0" err="1">
+                <a:cs typeface="Calibri" panose="020F0502020204030204"/>
+              </a:rPr>
+              <a:t>neural</a:t>
+            </a:r>
+            <a:r>
+              <a:rPr lang="de-DE" sz="1400" dirty="0">
+                <a:cs typeface="Calibri" panose="020F0502020204030204"/>
+              </a:rPr>
+              <a:t> network. 22nd </a:t>
+            </a:r>
+            <a:r>
+              <a:rPr lang="de-DE" sz="1400" dirty="0" err="1">
+                <a:cs typeface="Calibri" panose="020F0502020204030204"/>
+              </a:rPr>
+              <a:t>Iranian</a:t>
+            </a:r>
+            <a:r>
+              <a:rPr lang="de-DE" sz="1400" dirty="0">
+                <a:cs typeface="Calibri" panose="020F0502020204030204"/>
+              </a:rPr>
+              <a:t> Conference on </a:t>
+            </a:r>
+            <a:r>
+              <a:rPr lang="de-DE" sz="1400" dirty="0" err="1">
+                <a:cs typeface="Calibri" panose="020F0502020204030204"/>
+              </a:rPr>
+              <a:t>Electrical</a:t>
+            </a:r>
+            <a:r>
+              <a:rPr lang="de-DE" sz="1400" dirty="0">
+                <a:cs typeface="Calibri" panose="020F0502020204030204"/>
+              </a:rPr>
+              <a:t> Engineering, ICEE 2014 pp. 1168{1173 (2014). https://doi.org/10.1109/IranianCEE.2014.6999712</a:t>
+            </a:r>
+            <a:endParaRPr lang="de-DE" dirty="0"/>
           </a:p>
           <a:p>
             <a:pPr algn="l"/>
-            <a:endParaRPr lang="de-DE" sz="1400">
+            <a:endParaRPr lang="de-DE" sz="1400" dirty="0">
               <a:cs typeface="Calibri" panose="020F0502020204030204"/>
             </a:endParaRPr>
           </a:p>
           <a:p>
             <a:pPr algn="l"/>
             <a:r>
-              <a:rPr lang="de-DE" sz="1400">
-                <a:cs typeface="Calibri" panose="020F0502020204030204"/>
-              </a:rPr>
-              <a:t>Pomorova, O., Hovorushchenko, T.: Arti cial neural network for software quality evaluation based on the metric analysis. Proceedings of IEEE East-West Design and Test Symposium, EWDTS 2013 pp. 0{3 (2013). https://doi.org/10.1109/EWDTS.2013.6673193</a:t>
-            </a:r>
-            <a:endParaRPr lang="de-DE"/>
+              <a:rPr lang="de-DE" sz="1400" dirty="0">
+                <a:cs typeface="Calibri" panose="020F0502020204030204"/>
+              </a:rPr>
+              <a:t>[34]</a:t>
+            </a:r>
+            <a:r>
+              <a:rPr lang="de-DE" sz="1400" dirty="0" err="1">
+                <a:cs typeface="Calibri" panose="020F0502020204030204"/>
+              </a:rPr>
+              <a:t>Pomorova</a:t>
+            </a:r>
+            <a:r>
+              <a:rPr lang="de-DE" sz="1400" dirty="0">
+                <a:cs typeface="Calibri" panose="020F0502020204030204"/>
+              </a:rPr>
+              <a:t>, O., </a:t>
+            </a:r>
+            <a:r>
+              <a:rPr lang="de-DE" sz="1400" dirty="0" err="1">
+                <a:cs typeface="Calibri" panose="020F0502020204030204"/>
+              </a:rPr>
+              <a:t>Hovorushchenko</a:t>
+            </a:r>
+            <a:r>
+              <a:rPr lang="de-DE" sz="1400" dirty="0">
+                <a:cs typeface="Calibri" panose="020F0502020204030204"/>
+              </a:rPr>
+              <a:t>, T.: </a:t>
+            </a:r>
+            <a:r>
+              <a:rPr lang="de-DE" sz="1400" dirty="0" err="1">
+                <a:cs typeface="Calibri" panose="020F0502020204030204"/>
+              </a:rPr>
+              <a:t>Arti</a:t>
+            </a:r>
+            <a:r>
+              <a:rPr lang="de-DE" sz="1400" dirty="0">
+                <a:cs typeface="Calibri" panose="020F0502020204030204"/>
+              </a:rPr>
+              <a:t> </a:t>
+            </a:r>
+            <a:r>
+              <a:rPr lang="de-DE" sz="1400" dirty="0" err="1">
+                <a:cs typeface="Calibri" panose="020F0502020204030204"/>
+              </a:rPr>
+              <a:t>cial</a:t>
+            </a:r>
+            <a:r>
+              <a:rPr lang="de-DE" sz="1400" dirty="0">
+                <a:cs typeface="Calibri" panose="020F0502020204030204"/>
+              </a:rPr>
+              <a:t> </a:t>
+            </a:r>
+            <a:r>
+              <a:rPr lang="de-DE" sz="1400" dirty="0" err="1">
+                <a:cs typeface="Calibri" panose="020F0502020204030204"/>
+              </a:rPr>
+              <a:t>neural</a:t>
+            </a:r>
+            <a:r>
+              <a:rPr lang="de-DE" sz="1400" dirty="0">
+                <a:cs typeface="Calibri" panose="020F0502020204030204"/>
+              </a:rPr>
+              <a:t> network </a:t>
+            </a:r>
+            <a:r>
+              <a:rPr lang="de-DE" sz="1400" dirty="0" err="1">
+                <a:cs typeface="Calibri" panose="020F0502020204030204"/>
+              </a:rPr>
+              <a:t>for</a:t>
+            </a:r>
+            <a:r>
+              <a:rPr lang="de-DE" sz="1400" dirty="0">
+                <a:cs typeface="Calibri" panose="020F0502020204030204"/>
+              </a:rPr>
+              <a:t> </a:t>
+            </a:r>
+            <a:r>
+              <a:rPr lang="de-DE" sz="1400" dirty="0" err="1">
+                <a:cs typeface="Calibri" panose="020F0502020204030204"/>
+              </a:rPr>
+              <a:t>software</a:t>
+            </a:r>
+            <a:r>
+              <a:rPr lang="de-DE" sz="1400" dirty="0">
+                <a:cs typeface="Calibri" panose="020F0502020204030204"/>
+              </a:rPr>
+              <a:t> </a:t>
+            </a:r>
+            <a:r>
+              <a:rPr lang="de-DE" sz="1400" dirty="0" err="1">
+                <a:cs typeface="Calibri" panose="020F0502020204030204"/>
+              </a:rPr>
+              <a:t>quality</a:t>
+            </a:r>
+            <a:r>
+              <a:rPr lang="de-DE" sz="1400" dirty="0">
+                <a:cs typeface="Calibri" panose="020F0502020204030204"/>
+              </a:rPr>
+              <a:t> </a:t>
+            </a:r>
+            <a:r>
+              <a:rPr lang="de-DE" sz="1400" dirty="0" err="1">
+                <a:cs typeface="Calibri" panose="020F0502020204030204"/>
+              </a:rPr>
+              <a:t>evaluation</a:t>
+            </a:r>
+            <a:r>
+              <a:rPr lang="de-DE" sz="1400" dirty="0">
+                <a:cs typeface="Calibri" panose="020F0502020204030204"/>
+              </a:rPr>
+              <a:t> </a:t>
+            </a:r>
+            <a:r>
+              <a:rPr lang="de-DE" sz="1400" dirty="0" err="1">
+                <a:cs typeface="Calibri" panose="020F0502020204030204"/>
+              </a:rPr>
+              <a:t>based</a:t>
+            </a:r>
+            <a:r>
+              <a:rPr lang="de-DE" sz="1400" dirty="0">
+                <a:cs typeface="Calibri" panose="020F0502020204030204"/>
+              </a:rPr>
+              <a:t> on </a:t>
+            </a:r>
+            <a:r>
+              <a:rPr lang="de-DE" sz="1400" dirty="0" err="1">
+                <a:cs typeface="Calibri" panose="020F0502020204030204"/>
+              </a:rPr>
+              <a:t>the</a:t>
+            </a:r>
+            <a:r>
+              <a:rPr lang="de-DE" sz="1400" dirty="0">
+                <a:cs typeface="Calibri" panose="020F0502020204030204"/>
+              </a:rPr>
+              <a:t> </a:t>
+            </a:r>
+            <a:r>
+              <a:rPr lang="de-DE" sz="1400" dirty="0" err="1">
+                <a:cs typeface="Calibri" panose="020F0502020204030204"/>
+              </a:rPr>
+              <a:t>metric</a:t>
+            </a:r>
+            <a:r>
+              <a:rPr lang="de-DE" sz="1400" dirty="0">
+                <a:cs typeface="Calibri" panose="020F0502020204030204"/>
+              </a:rPr>
+              <a:t> </a:t>
+            </a:r>
+            <a:r>
+              <a:rPr lang="de-DE" sz="1400" dirty="0" err="1">
+                <a:cs typeface="Calibri" panose="020F0502020204030204"/>
+              </a:rPr>
+              <a:t>analysis</a:t>
+            </a:r>
+            <a:r>
+              <a:rPr lang="de-DE" sz="1400" dirty="0">
+                <a:cs typeface="Calibri" panose="020F0502020204030204"/>
+              </a:rPr>
+              <a:t>. Proceedings </a:t>
+            </a:r>
+            <a:r>
+              <a:rPr lang="de-DE" sz="1400" dirty="0" err="1">
+                <a:cs typeface="Calibri" panose="020F0502020204030204"/>
+              </a:rPr>
+              <a:t>of</a:t>
+            </a:r>
+            <a:r>
+              <a:rPr lang="de-DE" sz="1400" dirty="0">
+                <a:cs typeface="Calibri" panose="020F0502020204030204"/>
+              </a:rPr>
+              <a:t> IEEE East-West Design and Test Symposium, EWDTS 2013 pp. 0{3 (2013). https://doi.org/10.1109/EWDTS.2013.6673193</a:t>
+            </a:r>
+            <a:endParaRPr lang="de-DE" dirty="0"/>
           </a:p>
           <a:p>
             <a:pPr algn="l"/>
-            <a:endParaRPr lang="de-DE" sz="1400">
+            <a:endParaRPr lang="de-DE" sz="1400" dirty="0">
               <a:cs typeface="Calibri"/>
             </a:endParaRPr>
           </a:p>
@@ -22832,7 +26759,7 @@
 </p:sld>
 </file>
 
-<file path=ppt/slides/slide41.xml><?xml version="1.0" encoding="utf-8"?>
+<file path=ppt/slides/slide42.xml><?xml version="1.0" encoding="utf-8"?>
 <p:sld xmlns:a="http://schemas.openxmlformats.org/drawingml/2006/main" xmlns:r="http://schemas.openxmlformats.org/officeDocument/2006/relationships" xmlns:p="http://schemas.openxmlformats.org/presentationml/2006/main">
   <p:cSld>
     <p:spTree>
@@ -23010,265 +26937,265 @@
           <a:p>
             <a:pPr algn="l"/>
             <a:r>
-              <a:rPr lang="de-DE" sz="1400">
-                <a:cs typeface="Calibri" panose="020F0502020204030204"/>
-              </a:rPr>
-              <a:t>Peng, W., Yao, L., Miao, Q.: An </a:t>
-            </a:r>
-            <a:r>
-              <a:rPr lang="de-DE" sz="1400" err="1">
+              <a:rPr lang="de-DE" sz="1400" dirty="0">
+                <a:cs typeface="Calibri" panose="020F0502020204030204"/>
+              </a:rPr>
+              <a:t>[35]Peng, W., Yao, L., Miao, Q.: An </a:t>
+            </a:r>
+            <a:r>
+              <a:rPr lang="de-DE" sz="1400" dirty="0" err="1">
                 <a:cs typeface="Calibri" panose="020F0502020204030204"/>
               </a:rPr>
               <a:t>approach</a:t>
             </a:r>
             <a:r>
-              <a:rPr lang="de-DE" sz="1400">
+              <a:rPr lang="de-DE" sz="1400" dirty="0">
                 <a:cs typeface="Calibri" panose="020F0502020204030204"/>
               </a:rPr>
               <a:t> </a:t>
             </a:r>
             <a:r>
-              <a:rPr lang="de-DE" sz="1400" err="1">
+              <a:rPr lang="de-DE" sz="1400" dirty="0" err="1">
                 <a:cs typeface="Calibri" panose="020F0502020204030204"/>
               </a:rPr>
               <a:t>of</a:t>
             </a:r>
             <a:r>
-              <a:rPr lang="de-DE" sz="1400">
+              <a:rPr lang="de-DE" sz="1400" dirty="0">
                 <a:cs typeface="Calibri" panose="020F0502020204030204"/>
               </a:rPr>
               <a:t> </a:t>
             </a:r>
             <a:r>
-              <a:rPr lang="de-DE" sz="1400" err="1">
+              <a:rPr lang="de-DE" sz="1400" dirty="0" err="1">
                 <a:cs typeface="Calibri" panose="020F0502020204030204"/>
               </a:rPr>
               <a:t>software</a:t>
             </a:r>
             <a:r>
-              <a:rPr lang="de-DE" sz="1400">
+              <a:rPr lang="de-DE" sz="1400" dirty="0">
                 <a:cs typeface="Calibri" panose="020F0502020204030204"/>
               </a:rPr>
               <a:t> </a:t>
             </a:r>
             <a:r>
-              <a:rPr lang="de-DE" sz="1400" err="1">
+              <a:rPr lang="de-DE" sz="1400" dirty="0" err="1">
                 <a:cs typeface="Calibri" panose="020F0502020204030204"/>
               </a:rPr>
               <a:t>quality</a:t>
             </a:r>
             <a:r>
-              <a:rPr lang="de-DE" sz="1400">
+              <a:rPr lang="de-DE" sz="1400" dirty="0">
                 <a:cs typeface="Calibri" panose="020F0502020204030204"/>
               </a:rPr>
               <a:t> </a:t>
             </a:r>
             <a:r>
-              <a:rPr lang="de-DE" sz="1400" err="1">
+              <a:rPr lang="de-DE" sz="1400" dirty="0" err="1">
                 <a:cs typeface="Calibri" panose="020F0502020204030204"/>
               </a:rPr>
               <a:t>prediction</a:t>
             </a:r>
             <a:r>
-              <a:rPr lang="de-DE" sz="1400">
+              <a:rPr lang="de-DE" sz="1400" dirty="0">
                 <a:cs typeface="Calibri" panose="020F0502020204030204"/>
               </a:rPr>
               <a:t> </a:t>
             </a:r>
             <a:r>
-              <a:rPr lang="de-DE" sz="1400" err="1">
+              <a:rPr lang="de-DE" sz="1400" dirty="0" err="1">
                 <a:cs typeface="Calibri" panose="020F0502020204030204"/>
               </a:rPr>
               <a:t>based</a:t>
             </a:r>
             <a:r>
-              <a:rPr lang="de-DE" sz="1400">
+              <a:rPr lang="de-DE" sz="1400" dirty="0">
                 <a:cs typeface="Calibri" panose="020F0502020204030204"/>
               </a:rPr>
               <a:t> on </a:t>
             </a:r>
             <a:r>
-              <a:rPr lang="de-DE" sz="1400" err="1">
+              <a:rPr lang="de-DE" sz="1400" dirty="0" err="1">
                 <a:cs typeface="Calibri" panose="020F0502020204030204"/>
               </a:rPr>
               <a:t>relationship</a:t>
             </a:r>
             <a:r>
-              <a:rPr lang="de-DE" sz="1400">
+              <a:rPr lang="de-DE" sz="1400" dirty="0">
                 <a:cs typeface="Calibri" panose="020F0502020204030204"/>
               </a:rPr>
               <a:t> </a:t>
             </a:r>
             <a:r>
-              <a:rPr lang="de-DE" sz="1400" err="1">
+              <a:rPr lang="de-DE" sz="1400" dirty="0" err="1">
                 <a:cs typeface="Calibri" panose="020F0502020204030204"/>
               </a:rPr>
               <a:t>analysis</a:t>
             </a:r>
             <a:r>
-              <a:rPr lang="de-DE" sz="1400">
+              <a:rPr lang="de-DE" sz="1400" dirty="0">
                 <a:cs typeface="Calibri" panose="020F0502020204030204"/>
               </a:rPr>
               <a:t> and </a:t>
             </a:r>
             <a:r>
-              <a:rPr lang="de-DE" sz="1400" err="1">
+              <a:rPr lang="de-DE" sz="1400" dirty="0" err="1">
                 <a:cs typeface="Calibri" panose="020F0502020204030204"/>
               </a:rPr>
               <a:t>prediction</a:t>
             </a:r>
             <a:r>
-              <a:rPr lang="de-DE" sz="1400">
+              <a:rPr lang="de-DE" sz="1400" dirty="0">
                 <a:cs typeface="Calibri" panose="020F0502020204030204"/>
               </a:rPr>
               <a:t> </a:t>
             </a:r>
             <a:r>
-              <a:rPr lang="de-DE" sz="1400" err="1">
+              <a:rPr lang="de-DE" sz="1400" dirty="0" err="1">
                 <a:cs typeface="Calibri" panose="020F0502020204030204"/>
               </a:rPr>
               <a:t>model</a:t>
             </a:r>
             <a:r>
-              <a:rPr lang="de-DE" sz="1400">
+              <a:rPr lang="de-DE" sz="1400" dirty="0">
                 <a:cs typeface="Calibri" panose="020F0502020204030204"/>
               </a:rPr>
               <a:t>. In: Proceedings </a:t>
             </a:r>
             <a:r>
-              <a:rPr lang="de-DE" sz="1400" err="1">
+              <a:rPr lang="de-DE" sz="1400" dirty="0" err="1">
                 <a:cs typeface="Calibri" panose="020F0502020204030204"/>
               </a:rPr>
               <a:t>of</a:t>
             </a:r>
             <a:r>
-              <a:rPr lang="de-DE" sz="1400">
+              <a:rPr lang="de-DE" sz="1400" dirty="0">
                 <a:cs typeface="Calibri" panose="020F0502020204030204"/>
               </a:rPr>
               <a:t> 2009 8th International Conference on </a:t>
             </a:r>
             <a:r>
-              <a:rPr lang="de-DE" sz="1400" err="1">
+              <a:rPr lang="de-DE" sz="1400" dirty="0" err="1">
                 <a:cs typeface="Calibri" panose="020F0502020204030204"/>
               </a:rPr>
               <a:t>Reliability</a:t>
             </a:r>
             <a:r>
-              <a:rPr lang="de-DE" sz="1400">
+              <a:rPr lang="de-DE" sz="1400" dirty="0">
                 <a:cs typeface="Calibri" panose="020F0502020204030204"/>
               </a:rPr>
               <a:t>, </a:t>
             </a:r>
             <a:r>
-              <a:rPr lang="de-DE" sz="1400" err="1">
+              <a:rPr lang="de-DE" sz="1400" dirty="0" err="1">
                 <a:cs typeface="Calibri" panose="020F0502020204030204"/>
               </a:rPr>
               <a:t>Maintainability</a:t>
             </a:r>
             <a:r>
-              <a:rPr lang="de-DE" sz="1400">
+              <a:rPr lang="de-DE" sz="1400" dirty="0">
                 <a:cs typeface="Calibri" panose="020F0502020204030204"/>
               </a:rPr>
               <a:t> and </a:t>
             </a:r>
             <a:r>
-              <a:rPr lang="de-DE" sz="1400" err="1">
+              <a:rPr lang="de-DE" sz="1400" dirty="0" err="1">
                 <a:cs typeface="Calibri" panose="020F0502020204030204"/>
               </a:rPr>
               <a:t>Safety</a:t>
             </a:r>
             <a:r>
-              <a:rPr lang="de-DE" sz="1400">
+              <a:rPr lang="de-DE" sz="1400" dirty="0">
                 <a:cs typeface="Calibri" panose="020F0502020204030204"/>
               </a:rPr>
               <a:t>, ICRMS 2009. https://doi.org/10.1109/ICRMS.2009.5270097</a:t>
             </a:r>
-            <a:endParaRPr lang="de-DE">
+            <a:endParaRPr lang="de-DE" dirty="0">
               <a:cs typeface="Calibri"/>
             </a:endParaRPr>
           </a:p>
           <a:p>
             <a:pPr algn="l"/>
-            <a:endParaRPr lang="de-DE" sz="1400">
+            <a:endParaRPr lang="de-DE" sz="1400" dirty="0">
               <a:cs typeface="Calibri" panose="020F0502020204030204"/>
             </a:endParaRPr>
           </a:p>
           <a:p>
             <a:pPr algn="l"/>
             <a:r>
-              <a:rPr lang="de-DE" sz="1400">
-                <a:cs typeface="Calibri" panose="020F0502020204030204"/>
-              </a:rPr>
-              <a:t>Abbildung 1: </a:t>
-            </a:r>
-            <a:r>
-              <a:rPr lang="de-DE" sz="1400" err="1">
+              <a:rPr lang="de-DE" sz="1400" dirty="0">
+                <a:cs typeface="Calibri" panose="020F0502020204030204"/>
+              </a:rPr>
+              <a:t>[36]Abbildung 1: </a:t>
+            </a:r>
+            <a:r>
+              <a:rPr lang="de-DE" sz="1400" dirty="0" err="1">
                 <a:cs typeface="Calibri" panose="020F0502020204030204"/>
               </a:rPr>
               <a:t>Maind</a:t>
             </a:r>
             <a:r>
-              <a:rPr lang="de-DE" sz="1400">
+              <a:rPr lang="de-DE" sz="1400" dirty="0">
                 <a:cs typeface="Calibri" panose="020F0502020204030204"/>
               </a:rPr>
               <a:t>, M.S.B., </a:t>
             </a:r>
             <a:r>
-              <a:rPr lang="de-DE" sz="1400" err="1">
+              <a:rPr lang="de-DE" sz="1400" dirty="0" err="1">
                 <a:cs typeface="Calibri" panose="020F0502020204030204"/>
               </a:rPr>
               <a:t>Wankar</a:t>
             </a:r>
             <a:r>
-              <a:rPr lang="de-DE" sz="1400">
+              <a:rPr lang="de-DE" sz="1400" dirty="0">
                 <a:cs typeface="Calibri" panose="020F0502020204030204"/>
               </a:rPr>
               <a:t>, M.P.: Research Paper on Basic </a:t>
             </a:r>
             <a:r>
-              <a:rPr lang="de-DE" sz="1400" err="1">
+              <a:rPr lang="de-DE" sz="1400" dirty="0" err="1">
                 <a:cs typeface="Calibri" panose="020F0502020204030204"/>
               </a:rPr>
               <a:t>of</a:t>
             </a:r>
             <a:r>
-              <a:rPr lang="de-DE" sz="1400">
+              <a:rPr lang="de-DE" sz="1400" dirty="0">
                 <a:cs typeface="Calibri" panose="020F0502020204030204"/>
               </a:rPr>
               <a:t> </a:t>
             </a:r>
             <a:r>
-              <a:rPr lang="de-DE" sz="1400" err="1">
+              <a:rPr lang="de-DE" sz="1400" dirty="0" err="1">
                 <a:cs typeface="Calibri" panose="020F0502020204030204"/>
               </a:rPr>
               <a:t>Articial</a:t>
             </a:r>
             <a:r>
-              <a:rPr lang="de-DE" sz="1400">
+              <a:rPr lang="de-DE" sz="1400" dirty="0">
                 <a:cs typeface="Calibri" panose="020F0502020204030204"/>
               </a:rPr>
               <a:t> </a:t>
             </a:r>
             <a:r>
-              <a:rPr lang="de-DE" sz="1400" err="1">
+              <a:rPr lang="de-DE" sz="1400" dirty="0" err="1">
                 <a:cs typeface="Calibri" panose="020F0502020204030204"/>
               </a:rPr>
               <a:t>Neural</a:t>
             </a:r>
             <a:r>
-              <a:rPr lang="de-DE" sz="1400">
+              <a:rPr lang="de-DE" sz="1400" dirty="0">
                 <a:cs typeface="Calibri" panose="020F0502020204030204"/>
               </a:rPr>
               <a:t> Network. International Journal on </a:t>
             </a:r>
             <a:r>
-              <a:rPr lang="de-DE" sz="1400" err="1">
+              <a:rPr lang="de-DE" sz="1400" dirty="0" err="1">
                 <a:cs typeface="Calibri" panose="020F0502020204030204"/>
               </a:rPr>
               <a:t>Recent</a:t>
             </a:r>
             <a:r>
-              <a:rPr lang="de-DE" sz="1400">
+              <a:rPr lang="de-DE" sz="1400" dirty="0">
                 <a:cs typeface="Calibri" panose="020F0502020204030204"/>
               </a:rPr>
               <a:t> and Innovation Trends in Computing and Communication 2(1), 96{ 100 (2014). https://doi.org/10.1109/Oceans-Spain.2011.6003625</a:t>
@@ -23276,55 +27203,55 @@
           </a:p>
           <a:p>
             <a:pPr algn="l"/>
-            <a:endParaRPr lang="de-DE" sz="1400">
+            <a:endParaRPr lang="de-DE" sz="1400" dirty="0">
               <a:cs typeface="Calibri" panose="020F0502020204030204"/>
             </a:endParaRPr>
           </a:p>
           <a:p>
             <a:pPr algn="l"/>
             <a:r>
-              <a:rPr lang="de-DE" sz="1400">
-                <a:cs typeface="Calibri" panose="020F0502020204030204"/>
-              </a:rPr>
-              <a:t>Abbildung 2:  http://kindsonthegenius.blogspot.com/2018/01/what-is-difference-between-supervised.html</a:t>
+              <a:rPr lang="de-DE" sz="1400" dirty="0">
+                <a:cs typeface="Calibri" panose="020F0502020204030204"/>
+              </a:rPr>
+              <a:t>[37]Abbildung 2:  http://kindsonthegenius.blogspot.com/2018/01/what-is-difference-between-supervised.html</a:t>
             </a:r>
           </a:p>
           <a:p>
             <a:pPr algn="l"/>
-            <a:endParaRPr lang="de-DE" sz="1400">
+            <a:endParaRPr lang="de-DE" sz="1400" dirty="0">
               <a:cs typeface="Calibri" panose="020F0502020204030204"/>
             </a:endParaRPr>
           </a:p>
           <a:p>
             <a:pPr algn="l"/>
             <a:r>
-              <a:rPr lang="de-DE" sz="1400">
-                <a:cs typeface="Calibri" panose="020F0502020204030204"/>
-              </a:rPr>
-              <a:t>Abbildung 3: https://s3.amazonaws.com/cdn.ayasdi.com/wp-content/uploads/2018/06/21100605/Fig2GCNN1.png</a:t>
-            </a:r>
-            <a:endParaRPr lang="de-DE">
+              <a:rPr lang="de-DE" sz="1400" dirty="0">
+                <a:cs typeface="Calibri" panose="020F0502020204030204"/>
+              </a:rPr>
+              <a:t>[38]Abbildung 3: https://s3.amazonaws.com/cdn.ayasdi.com/wp-content/uploads/2018/06/21100605/Fig2GCNN1.png</a:t>
+            </a:r>
+            <a:endParaRPr lang="de-DE" dirty="0">
               <a:cs typeface="Calibri"/>
             </a:endParaRPr>
           </a:p>
           <a:p>
             <a:pPr algn="l"/>
-            <a:endParaRPr lang="de-DE" sz="1400">
+            <a:endParaRPr lang="de-DE" sz="1400" dirty="0">
               <a:cs typeface="Calibri" panose="020F0502020204030204"/>
             </a:endParaRPr>
           </a:p>
           <a:p>
             <a:pPr algn="l"/>
             <a:r>
-              <a:rPr lang="de-DE" sz="1400">
-                <a:cs typeface="Calibri" panose="020F0502020204030204"/>
-              </a:rPr>
-              <a:t>Abbildung 4: https://www.researchgate.net/figure/Human-facial-expressions-of-six-basic-Ekman-emotions_fig2_267391519</a:t>
+              <a:rPr lang="de-DE" sz="1400" dirty="0">
+                <a:cs typeface="Calibri" panose="020F0502020204030204"/>
+              </a:rPr>
+              <a:t>[39]Abbildung 4: https://www.researchgate.net/figure/Human-facial-expressions-of-six-basic-Ekman-emotions_fig2_267391519</a:t>
             </a:r>
           </a:p>
           <a:p>
             <a:pPr algn="l"/>
-            <a:endParaRPr lang="de-DE" sz="1400">
+            <a:endParaRPr lang="de-DE" sz="1400" dirty="0">
               <a:cs typeface="Calibri" panose="020F0502020204030204"/>
             </a:endParaRPr>
           </a:p>
@@ -23343,7 +27270,7 @@
 </p:sld>
 </file>
 
-<file path=ppt/slides/slide42.xml><?xml version="1.0" encoding="utf-8"?>
+<file path=ppt/slides/slide43.xml><?xml version="1.0" encoding="utf-8"?>
 <p:sld xmlns:a="http://schemas.openxmlformats.org/drawingml/2006/main" xmlns:r="http://schemas.openxmlformats.org/officeDocument/2006/relationships" xmlns:p="http://schemas.openxmlformats.org/presentationml/2006/main">
   <p:cSld>
     <p:spTree>
@@ -23716,8 +27643,8 @@
         </p:blipFill>
         <p:spPr>
           <a:xfrm>
-            <a:off x="3818835" y="1450486"/>
-            <a:ext cx="4565373" cy="4045901"/>
+            <a:off x="3439887" y="1450486"/>
+            <a:ext cx="4944322" cy="4381731"/>
           </a:xfrm>
           <a:prstGeom prst="rect">
             <a:avLst/>
